--- a/Customer Churn Prediction in Telecom using Machine Learning.pptx
+++ b/Customer Churn Prediction in Telecom using Machine Learning.pptx
@@ -1,6 +1,6 @@
 
 <file path=ppt/presentation.xml><?xml version="1.0" encoding="utf-8"?>
-<p:presentation xmlns:a="http://schemas.openxmlformats.org/drawingml/2006/main" xmlns:r="http://schemas.openxmlformats.org/officeDocument/2006/relationships" xmlns:p="http://schemas.openxmlformats.org/presentationml/2006/main" saveSubsetFonts="1" bookmarkIdSeed="5">
+<p:presentation xmlns:a="http://schemas.openxmlformats.org/drawingml/2006/main" xmlns:r="http://schemas.openxmlformats.org/officeDocument/2006/relationships" xmlns:p="http://schemas.openxmlformats.org/presentationml/2006/main" saveSubsetFonts="1" bookmarkIdSeed="7">
   <p:sldMasterIdLst>
     <p:sldMasterId id="2147483648" r:id="rId1"/>
   </p:sldMasterIdLst>
@@ -33,6 +33,9 @@
     <p:sldId id="281" r:id="rId27"/>
     <p:sldId id="282" r:id="rId28"/>
     <p:sldId id="283" r:id="rId29"/>
+    <p:sldId id="284" r:id="rId30"/>
+    <p:sldId id="285" r:id="rId31"/>
+    <p:sldId id="286" r:id="rId32"/>
   </p:sldIdLst>
   <p:sldSz cx="12192000" cy="6858000"/>
   <p:notesSz cx="6858000" cy="9144000"/>
@@ -131,7 +134,24 @@
       </a:defRPr>
     </a:lvl9pPr>
   </p:defaultTextStyle>
+  <p:extLst>
+    <p:ext uri="{EFAFB233-063F-42B5-8137-9DF3F51BA10A}">
+      <p15:sldGuideLst xmlns:p15="http://schemas.microsoft.com/office/powerpoint/2012/main"/>
+    </p:ext>
+  </p:extLst>
 </p:presentation>
+</file>
+
+<file path=ppt/commentAuthors.xml><?xml version="1.0" encoding="utf-8"?>
+<p:cmAuthorLst xmlns:a="http://schemas.openxmlformats.org/drawingml/2006/main" xmlns:r="http://schemas.openxmlformats.org/officeDocument/2006/relationships" xmlns:p="http://schemas.openxmlformats.org/presentationml/2006/main">
+  <p:cmAuthor id="1" name="Samarth Malhotra" initials="SM" lastIdx="1" clrIdx="0">
+    <p:extLst>
+      <p:ext uri="{19B8F6BF-5375-455C-9EA6-DF929625EA0E}">
+        <p15:presenceInfo xmlns:p15="http://schemas.microsoft.com/office/powerpoint/2012/main" userId="7610b35c8aeb0bee" providerId="Windows Live"/>
+      </p:ext>
+    </p:extLst>
+  </p:cmAuthor>
+</p:cmAuthorLst>
 </file>
 
 <file path=ppt/slideLayouts/slideLayout1.xml><?xml version="1.0" encoding="utf-8"?>
@@ -281,7 +301,7 @@
           <a:p>
             <a:fld id="{EBD7279A-E140-483C-96CB-95C0D4A7DA52}" type="datetimeFigureOut">
               <a:rPr lang="en-US" smtClean="0"/>
-              <a:t>6/23/2021</a:t>
+              <a:t>8/7/2021</a:t>
             </a:fld>
             <a:endParaRPr lang="en-US"/>
           </a:p>
@@ -479,7 +499,7 @@
           <a:p>
             <a:fld id="{EBD7279A-E140-483C-96CB-95C0D4A7DA52}" type="datetimeFigureOut">
               <a:rPr lang="en-US" smtClean="0"/>
-              <a:t>6/23/2021</a:t>
+              <a:t>8/7/2021</a:t>
             </a:fld>
             <a:endParaRPr lang="en-US"/>
           </a:p>
@@ -687,7 +707,7 @@
           <a:p>
             <a:fld id="{EBD7279A-E140-483C-96CB-95C0D4A7DA52}" type="datetimeFigureOut">
               <a:rPr lang="en-US" smtClean="0"/>
-              <a:t>6/23/2021</a:t>
+              <a:t>8/7/2021</a:t>
             </a:fld>
             <a:endParaRPr lang="en-US"/>
           </a:p>
@@ -885,7 +905,7 @@
           <a:p>
             <a:fld id="{EBD7279A-E140-483C-96CB-95C0D4A7DA52}" type="datetimeFigureOut">
               <a:rPr lang="en-US" smtClean="0"/>
-              <a:t>6/23/2021</a:t>
+              <a:t>8/7/2021</a:t>
             </a:fld>
             <a:endParaRPr lang="en-US"/>
           </a:p>
@@ -1160,7 +1180,7 @@
           <a:p>
             <a:fld id="{EBD7279A-E140-483C-96CB-95C0D4A7DA52}" type="datetimeFigureOut">
               <a:rPr lang="en-US" smtClean="0"/>
-              <a:t>6/23/2021</a:t>
+              <a:t>8/7/2021</a:t>
             </a:fld>
             <a:endParaRPr lang="en-US"/>
           </a:p>
@@ -1425,7 +1445,7 @@
           <a:p>
             <a:fld id="{EBD7279A-E140-483C-96CB-95C0D4A7DA52}" type="datetimeFigureOut">
               <a:rPr lang="en-US" smtClean="0"/>
-              <a:t>6/23/2021</a:t>
+              <a:t>8/7/2021</a:t>
             </a:fld>
             <a:endParaRPr lang="en-US"/>
           </a:p>
@@ -1837,7 +1857,7 @@
           <a:p>
             <a:fld id="{EBD7279A-E140-483C-96CB-95C0D4A7DA52}" type="datetimeFigureOut">
               <a:rPr lang="en-US" smtClean="0"/>
-              <a:t>6/23/2021</a:t>
+              <a:t>8/7/2021</a:t>
             </a:fld>
             <a:endParaRPr lang="en-US"/>
           </a:p>
@@ -1978,7 +1998,7 @@
           <a:p>
             <a:fld id="{EBD7279A-E140-483C-96CB-95C0D4A7DA52}" type="datetimeFigureOut">
               <a:rPr lang="en-US" smtClean="0"/>
-              <a:t>6/23/2021</a:t>
+              <a:t>8/7/2021</a:t>
             </a:fld>
             <a:endParaRPr lang="en-US"/>
           </a:p>
@@ -2091,7 +2111,7 @@
           <a:p>
             <a:fld id="{EBD7279A-E140-483C-96CB-95C0D4A7DA52}" type="datetimeFigureOut">
               <a:rPr lang="en-US" smtClean="0"/>
-              <a:t>6/23/2021</a:t>
+              <a:t>8/7/2021</a:t>
             </a:fld>
             <a:endParaRPr lang="en-US"/>
           </a:p>
@@ -2402,7 +2422,7 @@
           <a:p>
             <a:fld id="{EBD7279A-E140-483C-96CB-95C0D4A7DA52}" type="datetimeFigureOut">
               <a:rPr lang="en-US" smtClean="0"/>
-              <a:t>6/23/2021</a:t>
+              <a:t>8/7/2021</a:t>
             </a:fld>
             <a:endParaRPr lang="en-US"/>
           </a:p>
@@ -2690,7 +2710,7 @@
           <a:p>
             <a:fld id="{EBD7279A-E140-483C-96CB-95C0D4A7DA52}" type="datetimeFigureOut">
               <a:rPr lang="en-US" smtClean="0"/>
-              <a:t>6/23/2021</a:t>
+              <a:t>8/7/2021</a:t>
             </a:fld>
             <a:endParaRPr lang="en-US"/>
           </a:p>
@@ -2931,7 +2951,7 @@
           <a:p>
             <a:fld id="{EBD7279A-E140-483C-96CB-95C0D4A7DA52}" type="datetimeFigureOut">
               <a:rPr lang="en-US" smtClean="0"/>
-              <a:t>6/23/2021</a:t>
+              <a:t>8/7/2021</a:t>
             </a:fld>
             <a:endParaRPr lang="en-US"/>
           </a:p>
@@ -7204,8 +7224,8 @@
         </p:blipFill>
         <p:spPr>
           <a:xfrm>
-            <a:off x="592304" y="240139"/>
-            <a:ext cx="8696075" cy="4444156"/>
+            <a:off x="592305" y="240139"/>
+            <a:ext cx="6060166" cy="3188861"/>
           </a:xfrm>
           <a:prstGeom prst="rect">
             <a:avLst/>
@@ -7410,8 +7430,8 @@
         </p:blipFill>
         <p:spPr>
           <a:xfrm>
-            <a:off x="838199" y="300789"/>
-            <a:ext cx="10359189" cy="4608095"/>
+            <a:off x="838200" y="300789"/>
+            <a:ext cx="8792362" cy="3935651"/>
           </a:xfrm>
           <a:prstGeom prst="rect">
             <a:avLst/>
@@ -7627,6 +7647,266 @@
 </p:sld>
 </file>
 
+<file path=ppt/slides/slide29.xml><?xml version="1.0" encoding="utf-8"?>
+<p:sld xmlns:a="http://schemas.openxmlformats.org/drawingml/2006/main" xmlns:r="http://schemas.openxmlformats.org/officeDocument/2006/relationships" xmlns:p="http://schemas.openxmlformats.org/presentationml/2006/main">
+  <p:cSld>
+    <p:spTree>
+      <p:nvGrpSpPr>
+        <p:cNvPr id="1" name=""/>
+        <p:cNvGrpSpPr/>
+        <p:nvPr/>
+      </p:nvGrpSpPr>
+      <p:grpSpPr>
+        <a:xfrm>
+          <a:off x="0" y="0"/>
+          <a:ext cx="0" cy="0"/>
+          <a:chOff x="0" y="0"/>
+          <a:chExt cx="0" cy="0"/>
+        </a:xfrm>
+      </p:grpSpPr>
+      <p:sp>
+        <p:nvSpPr>
+          <p:cNvPr id="2" name="Title 1">
+            <a:extLst>
+              <a:ext uri="{FF2B5EF4-FFF2-40B4-BE49-F238E27FC236}">
+                <a16:creationId xmlns:a16="http://schemas.microsoft.com/office/drawing/2014/main" id="{98625CA9-E641-4304-A4C3-390B648D493A}"/>
+              </a:ext>
+            </a:extLst>
+          </p:cNvPr>
+          <p:cNvSpPr>
+            <a:spLocks noGrp="1"/>
+          </p:cNvSpPr>
+          <p:nvPr>
+            <p:ph type="title"/>
+          </p:nvPr>
+        </p:nvSpPr>
+        <p:spPr/>
+        <p:txBody>
+          <a:bodyPr/>
+          <a:lstStyle/>
+          <a:p>
+            <a:r>
+              <a:rPr lang="en-US" dirty="0"/>
+              <a:t>Model Creation and Evaluation</a:t>
+            </a:r>
+          </a:p>
+        </p:txBody>
+      </p:sp>
+      <p:sp>
+        <p:nvSpPr>
+          <p:cNvPr id="3" name="Content Placeholder 2">
+            <a:extLst>
+              <a:ext uri="{FF2B5EF4-FFF2-40B4-BE49-F238E27FC236}">
+                <a16:creationId xmlns:a16="http://schemas.microsoft.com/office/drawing/2014/main" id="{AA64F633-76A9-44B5-8013-48A19A2909B4}"/>
+              </a:ext>
+            </a:extLst>
+          </p:cNvPr>
+          <p:cNvSpPr>
+            <a:spLocks noGrp="1"/>
+          </p:cNvSpPr>
+          <p:nvPr>
+            <p:ph idx="1"/>
+          </p:nvPr>
+        </p:nvSpPr>
+        <p:spPr/>
+        <p:txBody>
+          <a:bodyPr/>
+          <a:lstStyle/>
+          <a:p>
+            <a:pPr marL="0" marR="0" indent="0">
+              <a:lnSpc>
+                <a:spcPct val="107000"/>
+              </a:lnSpc>
+              <a:spcBef>
+                <a:spcPts val="0"/>
+              </a:spcBef>
+              <a:spcAft>
+                <a:spcPts val="800"/>
+              </a:spcAft>
+              <a:buNone/>
+            </a:pPr>
+            <a:r>
+              <a:rPr lang="en-US" sz="1800" dirty="0">
+                <a:effectLst/>
+                <a:latin typeface="Calibri" panose="020F0502020204030204" pitchFamily="34" charset="0"/>
+                <a:ea typeface="Calibri" panose="020F0502020204030204" pitchFamily="34" charset="0"/>
+                <a:cs typeface="Times New Roman" panose="02020603050405020304" pitchFamily="18" charset="0"/>
+              </a:rPr>
+              <a:t>For this project we have created multiple machine learning model and also performed comparative study.</a:t>
+            </a:r>
+          </a:p>
+          <a:p>
+            <a:pPr marL="0" marR="0" indent="0">
+              <a:lnSpc>
+                <a:spcPct val="107000"/>
+              </a:lnSpc>
+              <a:spcBef>
+                <a:spcPts val="0"/>
+              </a:spcBef>
+              <a:spcAft>
+                <a:spcPts val="800"/>
+              </a:spcAft>
+              <a:buNone/>
+            </a:pPr>
+            <a:r>
+              <a:rPr lang="en-US" sz="1800" b="1" dirty="0">
+                <a:effectLst/>
+                <a:latin typeface="Calibri" panose="020F0502020204030204" pitchFamily="34" charset="0"/>
+                <a:ea typeface="Calibri" panose="020F0502020204030204" pitchFamily="34" charset="0"/>
+                <a:cs typeface="Times New Roman" panose="02020603050405020304" pitchFamily="18" charset="0"/>
+              </a:rPr>
+              <a:t>Logistic Regression</a:t>
+            </a:r>
+            <a:endParaRPr lang="en-US" sz="1800" dirty="0">
+              <a:effectLst/>
+              <a:latin typeface="Calibri" panose="020F0502020204030204" pitchFamily="34" charset="0"/>
+              <a:ea typeface="Calibri" panose="020F0502020204030204" pitchFamily="34" charset="0"/>
+              <a:cs typeface="Times New Roman" panose="02020603050405020304" pitchFamily="18" charset="0"/>
+            </a:endParaRPr>
+          </a:p>
+          <a:p>
+            <a:pPr marL="0" indent="0">
+              <a:buNone/>
+            </a:pPr>
+            <a:r>
+              <a:rPr lang="en-US" sz="1800" dirty="0">
+                <a:effectLst/>
+                <a:latin typeface="Calibri" panose="020F0502020204030204" pitchFamily="34" charset="0"/>
+                <a:ea typeface="Calibri" panose="020F0502020204030204" pitchFamily="34" charset="0"/>
+                <a:cs typeface="Times New Roman" panose="02020603050405020304" pitchFamily="18" charset="0"/>
+              </a:rPr>
+              <a:t>We started with the most commonly used model for classification i.e., Logistic Regression, Logistic function comes from Sigmoid family of functions and assign probability for the class for the given set of inputs. The Logistic Regress ion is a discriminative classifier means it learns the boundaries between the classes. It makes predictions based on conditional probability. The learning algorithm works as we train the model across the data points and adjust the parameters using the training labelled data and then again test the model using a separately held out data called the test data.</a:t>
+            </a:r>
+          </a:p>
+          <a:p>
+            <a:pPr marL="0" indent="0">
+              <a:buNone/>
+            </a:pPr>
+            <a:r>
+              <a:rPr lang="en-US" sz="1800" dirty="0">
+                <a:effectLst/>
+                <a:latin typeface="Calibri" panose="020F0502020204030204" pitchFamily="34" charset="0"/>
+                <a:ea typeface="Calibri" panose="020F0502020204030204" pitchFamily="34" charset="0"/>
+                <a:cs typeface="Times New Roman" panose="02020603050405020304" pitchFamily="18" charset="0"/>
+              </a:rPr>
+              <a:t>Before training the model, we scaled (standardized) the features of the dataset using min max scaler, it helps normalize the data within a particular range it also helps in speeding up the calculations</a:t>
+            </a:r>
+            <a:r>
+              <a:rPr lang="en-US" sz="1800" dirty="0">
+                <a:latin typeface="Calibri" panose="020F0502020204030204" pitchFamily="34" charset="0"/>
+                <a:ea typeface="Calibri" panose="020F0502020204030204" pitchFamily="34" charset="0"/>
+                <a:cs typeface="Times New Roman" panose="02020603050405020304" pitchFamily="18" charset="0"/>
+              </a:rPr>
+              <a:t>.</a:t>
+            </a:r>
+          </a:p>
+          <a:p>
+            <a:pPr marL="0" indent="0">
+              <a:buNone/>
+            </a:pPr>
+            <a:r>
+              <a:rPr lang="en-US" sz="1800" dirty="0">
+                <a:effectLst/>
+                <a:latin typeface="Calibri" panose="020F0502020204030204" pitchFamily="34" charset="0"/>
+                <a:ea typeface="Calibri" panose="020F0502020204030204" pitchFamily="34" charset="0"/>
+                <a:cs typeface="Times New Roman" panose="02020603050405020304" pitchFamily="18" charset="0"/>
+              </a:rPr>
+              <a:t>The train-test data is split in 70 - 30 proportion and then the model is trained with training data. As the distribution of target feature is un-balanced, we have used </a:t>
+            </a:r>
+            <a:r>
+              <a:rPr lang="en-US" sz="1800" dirty="0" err="1">
+                <a:effectLst/>
+                <a:latin typeface="Calibri" panose="020F0502020204030204" pitchFamily="34" charset="0"/>
+                <a:ea typeface="Calibri" panose="020F0502020204030204" pitchFamily="34" charset="0"/>
+                <a:cs typeface="Times New Roman" panose="02020603050405020304" pitchFamily="18" charset="0"/>
+              </a:rPr>
+              <a:t>class_weight</a:t>
+            </a:r>
+            <a:r>
+              <a:rPr lang="en-US" sz="1800" dirty="0">
+                <a:effectLst/>
+                <a:latin typeface="Calibri" panose="020F0502020204030204" pitchFamily="34" charset="0"/>
+                <a:ea typeface="Calibri" panose="020F0502020204030204" pitchFamily="34" charset="0"/>
+                <a:cs typeface="Times New Roman" panose="02020603050405020304" pitchFamily="18" charset="0"/>
+              </a:rPr>
+              <a:t>=’balanced’ (It penalizes mistakes in sample of class[</a:t>
+            </a:r>
+            <a:r>
+              <a:rPr lang="en-US" sz="1800" dirty="0" err="1">
+                <a:effectLst/>
+                <a:latin typeface="Calibri" panose="020F0502020204030204" pitchFamily="34" charset="0"/>
+                <a:ea typeface="Calibri" panose="020F0502020204030204" pitchFamily="34" charset="0"/>
+                <a:cs typeface="Times New Roman" panose="02020603050405020304" pitchFamily="18" charset="0"/>
+              </a:rPr>
+              <a:t>i</a:t>
+            </a:r>
+            <a:r>
+              <a:rPr lang="en-US" sz="1800" dirty="0">
+                <a:effectLst/>
+                <a:latin typeface="Calibri" panose="020F0502020204030204" pitchFamily="34" charset="0"/>
+                <a:ea typeface="Calibri" panose="020F0502020204030204" pitchFamily="34" charset="0"/>
+                <a:cs typeface="Times New Roman" panose="02020603050405020304" pitchFamily="18" charset="0"/>
+              </a:rPr>
+              <a:t>] with </a:t>
+            </a:r>
+            <a:r>
+              <a:rPr lang="en-US" sz="1800" dirty="0" err="1">
+                <a:effectLst/>
+                <a:latin typeface="Calibri" panose="020F0502020204030204" pitchFamily="34" charset="0"/>
+                <a:ea typeface="Calibri" panose="020F0502020204030204" pitchFamily="34" charset="0"/>
+                <a:cs typeface="Times New Roman" panose="02020603050405020304" pitchFamily="18" charset="0"/>
+              </a:rPr>
+              <a:t>class_weight</a:t>
+            </a:r>
+            <a:r>
+              <a:rPr lang="en-US" sz="1800" dirty="0">
+                <a:effectLst/>
+                <a:latin typeface="Calibri" panose="020F0502020204030204" pitchFamily="34" charset="0"/>
+                <a:ea typeface="Calibri" panose="020F0502020204030204" pitchFamily="34" charset="0"/>
+                <a:cs typeface="Times New Roman" panose="02020603050405020304" pitchFamily="18" charset="0"/>
+              </a:rPr>
+              <a:t>[</a:t>
+            </a:r>
+            <a:r>
+              <a:rPr lang="en-US" sz="1800" dirty="0" err="1">
+                <a:effectLst/>
+                <a:latin typeface="Calibri" panose="020F0502020204030204" pitchFamily="34" charset="0"/>
+                <a:ea typeface="Calibri" panose="020F0502020204030204" pitchFamily="34" charset="0"/>
+                <a:cs typeface="Times New Roman" panose="02020603050405020304" pitchFamily="18" charset="0"/>
+              </a:rPr>
+              <a:t>i</a:t>
+            </a:r>
+            <a:r>
+              <a:rPr lang="en-US" sz="1800" dirty="0">
+                <a:effectLst/>
+                <a:latin typeface="Calibri" panose="020F0502020204030204" pitchFamily="34" charset="0"/>
+                <a:ea typeface="Calibri" panose="020F0502020204030204" pitchFamily="34" charset="0"/>
+                <a:cs typeface="Times New Roman" panose="02020603050405020304" pitchFamily="18" charset="0"/>
+              </a:rPr>
+              <a:t>] instead of 1. So higher class-weight means we want to put more emphasis on a class which is less in proportion.</a:t>
+            </a:r>
+          </a:p>
+          <a:p>
+            <a:pPr marL="0" indent="0">
+              <a:buNone/>
+            </a:pPr>
+            <a:endParaRPr lang="en-US" dirty="0"/>
+          </a:p>
+        </p:txBody>
+      </p:sp>
+    </p:spTree>
+    <p:extLst>
+      <p:ext uri="{BB962C8B-B14F-4D97-AF65-F5344CB8AC3E}">
+        <p14:creationId xmlns:p14="http://schemas.microsoft.com/office/powerpoint/2010/main" val="906101571"/>
+      </p:ext>
+    </p:extLst>
+  </p:cSld>
+  <p:clrMapOvr>
+    <a:masterClrMapping/>
+  </p:clrMapOvr>
+</p:sld>
+</file>
+
 <file path=ppt/slides/slide3.xml><?xml version="1.0" encoding="utf-8"?>
 <p:sld xmlns:a="http://schemas.openxmlformats.org/drawingml/2006/main" xmlns:r="http://schemas.openxmlformats.org/officeDocument/2006/relationships" xmlns:p="http://schemas.openxmlformats.org/presentationml/2006/main">
   <p:cSld>
@@ -7772,6 +8052,1232 @@
     <p:extLst>
       <p:ext uri="{BB962C8B-B14F-4D97-AF65-F5344CB8AC3E}">
         <p14:creationId xmlns:p14="http://schemas.microsoft.com/office/powerpoint/2010/main" val="2637837692"/>
+      </p:ext>
+    </p:extLst>
+  </p:cSld>
+  <p:clrMapOvr>
+    <a:masterClrMapping/>
+  </p:clrMapOvr>
+</p:sld>
+</file>
+
+<file path=ppt/slides/slide30.xml><?xml version="1.0" encoding="utf-8"?>
+<p:sld xmlns:a="http://schemas.openxmlformats.org/drawingml/2006/main" xmlns:r="http://schemas.openxmlformats.org/officeDocument/2006/relationships" xmlns:p="http://schemas.openxmlformats.org/presentationml/2006/main">
+  <p:cSld>
+    <p:spTree>
+      <p:nvGrpSpPr>
+        <p:cNvPr id="1" name=""/>
+        <p:cNvGrpSpPr/>
+        <p:nvPr/>
+      </p:nvGrpSpPr>
+      <p:grpSpPr>
+        <a:xfrm>
+          <a:off x="0" y="0"/>
+          <a:ext cx="0" cy="0"/>
+          <a:chOff x="0" y="0"/>
+          <a:chExt cx="0" cy="0"/>
+        </a:xfrm>
+      </p:grpSpPr>
+      <p:sp>
+        <p:nvSpPr>
+          <p:cNvPr id="2" name="TextBox 1">
+            <a:extLst>
+              <a:ext uri="{FF2B5EF4-FFF2-40B4-BE49-F238E27FC236}">
+                <a16:creationId xmlns:a16="http://schemas.microsoft.com/office/drawing/2014/main" id="{30BF9B5C-F094-44C1-AD9D-83D7F82E60F2}"/>
+              </a:ext>
+            </a:extLst>
+          </p:cNvPr>
+          <p:cNvSpPr txBox="1"/>
+          <p:nvPr/>
+        </p:nvSpPr>
+        <p:spPr>
+          <a:xfrm>
+            <a:off x="1174459" y="1166069"/>
+            <a:ext cx="10167457" cy="1754326"/>
+          </a:xfrm>
+          <a:prstGeom prst="rect">
+            <a:avLst/>
+          </a:prstGeom>
+          <a:noFill/>
+        </p:spPr>
+        <p:txBody>
+          <a:bodyPr wrap="square" rtlCol="0">
+            <a:spAutoFit/>
+          </a:bodyPr>
+          <a:lstStyle/>
+          <a:p>
+            <a:r>
+              <a:rPr lang="en-US" sz="1800" dirty="0">
+                <a:effectLst/>
+                <a:latin typeface="Calibri" panose="020F0502020204030204" pitchFamily="34" charset="0"/>
+                <a:ea typeface="Calibri" panose="020F0502020204030204" pitchFamily="34" charset="0"/>
+                <a:cs typeface="Times New Roman" panose="02020603050405020304" pitchFamily="18" charset="0"/>
+              </a:rPr>
+              <a:t>We get an accuracy score of ~ 0.755, Here accuracy score is not a good measure as the dataset is imbalanced means that there are more records which are not customer churn and therefore model is trained more to classify customer which did not churn.</a:t>
+            </a:r>
+          </a:p>
+          <a:p>
+            <a:endParaRPr lang="en-US" dirty="0">
+              <a:latin typeface="Calibri" panose="020F0502020204030204" pitchFamily="34" charset="0"/>
+              <a:ea typeface="Calibri" panose="020F0502020204030204" pitchFamily="34" charset="0"/>
+              <a:cs typeface="Times New Roman" panose="02020603050405020304" pitchFamily="18" charset="0"/>
+            </a:endParaRPr>
+          </a:p>
+          <a:p>
+            <a:endParaRPr lang="en-US" sz="1800" dirty="0">
+              <a:effectLst/>
+              <a:latin typeface="Calibri" panose="020F0502020204030204" pitchFamily="34" charset="0"/>
+              <a:ea typeface="Calibri" panose="020F0502020204030204" pitchFamily="34" charset="0"/>
+              <a:cs typeface="Times New Roman" panose="02020603050405020304" pitchFamily="18" charset="0"/>
+            </a:endParaRPr>
+          </a:p>
+          <a:p>
+            <a:endParaRPr lang="en-US" dirty="0"/>
+          </a:p>
+        </p:txBody>
+      </p:sp>
+      <p:pic>
+        <p:nvPicPr>
+          <p:cNvPr id="3" name="Picture 2">
+            <a:extLst>
+              <a:ext uri="{FF2B5EF4-FFF2-40B4-BE49-F238E27FC236}">
+                <a16:creationId xmlns:a16="http://schemas.microsoft.com/office/drawing/2014/main" id="{CDC90F98-8B2A-4595-8FDD-AA4C9364B011}"/>
+              </a:ext>
+            </a:extLst>
+          </p:cNvPr>
+          <p:cNvPicPr/>
+          <p:nvPr/>
+        </p:nvPicPr>
+        <p:blipFill>
+          <a:blip r:embed="rId2"/>
+          <a:stretch>
+            <a:fillRect/>
+          </a:stretch>
+        </p:blipFill>
+        <p:spPr>
+          <a:xfrm>
+            <a:off x="1174459" y="2175504"/>
+            <a:ext cx="5943600" cy="4017010"/>
+          </a:xfrm>
+          <a:prstGeom prst="rect">
+            <a:avLst/>
+          </a:prstGeom>
+        </p:spPr>
+      </p:pic>
+    </p:spTree>
+    <p:extLst>
+      <p:ext uri="{BB962C8B-B14F-4D97-AF65-F5344CB8AC3E}">
+        <p14:creationId xmlns:p14="http://schemas.microsoft.com/office/powerpoint/2010/main" val="2317282462"/>
+      </p:ext>
+    </p:extLst>
+  </p:cSld>
+  <p:clrMapOvr>
+    <a:masterClrMapping/>
+  </p:clrMapOvr>
+</p:sld>
+</file>
+
+<file path=ppt/slides/slide31.xml><?xml version="1.0" encoding="utf-8"?>
+<p:sld xmlns:a="http://schemas.openxmlformats.org/drawingml/2006/main" xmlns:r="http://schemas.openxmlformats.org/officeDocument/2006/relationships" xmlns:p="http://schemas.openxmlformats.org/presentationml/2006/main">
+  <p:cSld>
+    <p:spTree>
+      <p:nvGrpSpPr>
+        <p:cNvPr id="1" name=""/>
+        <p:cNvGrpSpPr/>
+        <p:nvPr/>
+      </p:nvGrpSpPr>
+      <p:grpSpPr>
+        <a:xfrm>
+          <a:off x="0" y="0"/>
+          <a:ext cx="0" cy="0"/>
+          <a:chOff x="0" y="0"/>
+          <a:chExt cx="0" cy="0"/>
+        </a:xfrm>
+      </p:grpSpPr>
+      <p:sp>
+        <p:nvSpPr>
+          <p:cNvPr id="6" name="TextBox 5">
+            <a:extLst>
+              <a:ext uri="{FF2B5EF4-FFF2-40B4-BE49-F238E27FC236}">
+                <a16:creationId xmlns:a16="http://schemas.microsoft.com/office/drawing/2014/main" id="{8B198EEA-076D-4483-A892-3ACACBCFCB63}"/>
+              </a:ext>
+            </a:extLst>
+          </p:cNvPr>
+          <p:cNvSpPr txBox="1"/>
+          <p:nvPr/>
+        </p:nvSpPr>
+        <p:spPr>
+          <a:xfrm>
+            <a:off x="201336" y="184558"/>
+            <a:ext cx="11778143" cy="4308744"/>
+          </a:xfrm>
+          <a:prstGeom prst="rect">
+            <a:avLst/>
+          </a:prstGeom>
+          <a:noFill/>
+        </p:spPr>
+        <p:txBody>
+          <a:bodyPr wrap="square" rtlCol="0">
+            <a:spAutoFit/>
+          </a:bodyPr>
+          <a:lstStyle/>
+          <a:p>
+            <a:pPr marL="0" marR="0">
+              <a:lnSpc>
+                <a:spcPct val="107000"/>
+              </a:lnSpc>
+              <a:spcBef>
+                <a:spcPts val="0"/>
+              </a:spcBef>
+              <a:spcAft>
+                <a:spcPts val="800"/>
+              </a:spcAft>
+            </a:pPr>
+            <a:r>
+              <a:rPr lang="en-US" sz="1800" dirty="0">
+                <a:effectLst/>
+                <a:latin typeface="Calibri" panose="020F0502020204030204" pitchFamily="34" charset="0"/>
+                <a:ea typeface="Calibri" panose="020F0502020204030204" pitchFamily="34" charset="0"/>
+                <a:cs typeface="Times New Roman" panose="02020603050405020304" pitchFamily="18" charset="0"/>
+              </a:rPr>
+              <a:t>Therefore, finding confusion matrix which is a way to express how many of a classifier's predictions were correct, and when incorrect, where the classifier got confused. here the rows represent the true labels and columns represents the predicted labels. values on the diagonal represent the number of times where the predicted label matches.</a:t>
+            </a:r>
+          </a:p>
+          <a:p>
+            <a:pPr marL="0" marR="0">
+              <a:lnSpc>
+                <a:spcPct val="107000"/>
+              </a:lnSpc>
+              <a:spcBef>
+                <a:spcPts val="0"/>
+              </a:spcBef>
+              <a:spcAft>
+                <a:spcPts val="800"/>
+              </a:spcAft>
+            </a:pPr>
+            <a:r>
+              <a:rPr lang="en-US" sz="1800" dirty="0">
+                <a:effectLst/>
+                <a:latin typeface="Calibri" panose="020F0502020204030204" pitchFamily="34" charset="0"/>
+                <a:ea typeface="Calibri" panose="020F0502020204030204" pitchFamily="34" charset="0"/>
+                <a:cs typeface="Times New Roman" panose="02020603050405020304" pitchFamily="18" charset="0"/>
+              </a:rPr>
+              <a:t>Also, the classification report is shown below:</a:t>
+            </a:r>
+          </a:p>
+          <a:p>
+            <a:pPr marL="0" marR="0">
+              <a:lnSpc>
+                <a:spcPct val="107000"/>
+              </a:lnSpc>
+              <a:spcBef>
+                <a:spcPts val="0"/>
+              </a:spcBef>
+              <a:spcAft>
+                <a:spcPts val="800"/>
+              </a:spcAft>
+            </a:pPr>
+            <a:endParaRPr lang="en-US" dirty="0">
+              <a:latin typeface="Calibri" panose="020F0502020204030204" pitchFamily="34" charset="0"/>
+              <a:ea typeface="Calibri" panose="020F0502020204030204" pitchFamily="34" charset="0"/>
+              <a:cs typeface="Times New Roman" panose="02020603050405020304" pitchFamily="18" charset="0"/>
+            </a:endParaRPr>
+          </a:p>
+          <a:p>
+            <a:pPr marL="0" marR="0">
+              <a:lnSpc>
+                <a:spcPct val="107000"/>
+              </a:lnSpc>
+              <a:spcBef>
+                <a:spcPts val="0"/>
+              </a:spcBef>
+              <a:spcAft>
+                <a:spcPts val="800"/>
+              </a:spcAft>
+            </a:pPr>
+            <a:endParaRPr lang="en-US" sz="1800" dirty="0">
+              <a:effectLst/>
+              <a:latin typeface="Calibri" panose="020F0502020204030204" pitchFamily="34" charset="0"/>
+              <a:ea typeface="Calibri" panose="020F0502020204030204" pitchFamily="34" charset="0"/>
+              <a:cs typeface="Times New Roman" panose="02020603050405020304" pitchFamily="18" charset="0"/>
+            </a:endParaRPr>
+          </a:p>
+          <a:p>
+            <a:pPr marL="0" marR="0">
+              <a:lnSpc>
+                <a:spcPct val="107000"/>
+              </a:lnSpc>
+              <a:spcBef>
+                <a:spcPts val="0"/>
+              </a:spcBef>
+              <a:spcAft>
+                <a:spcPts val="800"/>
+              </a:spcAft>
+            </a:pPr>
+            <a:endParaRPr lang="en-US" dirty="0">
+              <a:latin typeface="Calibri" panose="020F0502020204030204" pitchFamily="34" charset="0"/>
+              <a:ea typeface="Calibri" panose="020F0502020204030204" pitchFamily="34" charset="0"/>
+              <a:cs typeface="Times New Roman" panose="02020603050405020304" pitchFamily="18" charset="0"/>
+            </a:endParaRPr>
+          </a:p>
+          <a:p>
+            <a:pPr marL="0" marR="0">
+              <a:lnSpc>
+                <a:spcPct val="107000"/>
+              </a:lnSpc>
+              <a:spcBef>
+                <a:spcPts val="0"/>
+              </a:spcBef>
+              <a:spcAft>
+                <a:spcPts val="800"/>
+              </a:spcAft>
+            </a:pPr>
+            <a:endParaRPr lang="en-US" dirty="0">
+              <a:latin typeface="Calibri" panose="020F0502020204030204" pitchFamily="34" charset="0"/>
+              <a:ea typeface="Calibri" panose="020F0502020204030204" pitchFamily="34" charset="0"/>
+              <a:cs typeface="Times New Roman" panose="02020603050405020304" pitchFamily="18" charset="0"/>
+            </a:endParaRPr>
+          </a:p>
+          <a:p>
+            <a:pPr marL="0" marR="0">
+              <a:lnSpc>
+                <a:spcPct val="107000"/>
+              </a:lnSpc>
+              <a:spcBef>
+                <a:spcPts val="0"/>
+              </a:spcBef>
+              <a:spcAft>
+                <a:spcPts val="800"/>
+              </a:spcAft>
+            </a:pPr>
+            <a:r>
+              <a:rPr lang="en-US" sz="1800" dirty="0">
+                <a:effectLst/>
+                <a:latin typeface="Calibri" panose="020F0502020204030204" pitchFamily="34" charset="0"/>
+                <a:ea typeface="Calibri" panose="020F0502020204030204" pitchFamily="34" charset="0"/>
+                <a:cs typeface="Times New Roman" panose="02020603050405020304" pitchFamily="18" charset="0"/>
+              </a:rPr>
+              <a:t>The classification report provides various metrices to evaluate the classifier, like precision, recall, F1 Score etc. </a:t>
+            </a:r>
+          </a:p>
+          <a:p>
+            <a:r>
+              <a:rPr lang="en-US" sz="1800" dirty="0">
+                <a:effectLst/>
+                <a:latin typeface="Calibri" panose="020F0502020204030204" pitchFamily="34" charset="0"/>
+                <a:ea typeface="Calibri" panose="020F0502020204030204" pitchFamily="34" charset="0"/>
+                <a:cs typeface="Times New Roman" panose="02020603050405020304" pitchFamily="18" charset="0"/>
+              </a:rPr>
+              <a:t>Similarly, we have also computed ROC – AUC ~ 0.855</a:t>
+            </a:r>
+            <a:endParaRPr lang="en-US" dirty="0">
+              <a:latin typeface="Calibri" panose="020F0502020204030204" pitchFamily="34" charset="0"/>
+              <a:ea typeface="Calibri" panose="020F0502020204030204" pitchFamily="34" charset="0"/>
+              <a:cs typeface="Times New Roman" panose="02020603050405020304" pitchFamily="18" charset="0"/>
+            </a:endParaRPr>
+          </a:p>
+          <a:p>
+            <a:endParaRPr lang="en-US" sz="1800" dirty="0">
+              <a:effectLst/>
+              <a:latin typeface="Calibri" panose="020F0502020204030204" pitchFamily="34" charset="0"/>
+              <a:ea typeface="Calibri" panose="020F0502020204030204" pitchFamily="34" charset="0"/>
+              <a:cs typeface="Times New Roman" panose="02020603050405020304" pitchFamily="18" charset="0"/>
+            </a:endParaRPr>
+          </a:p>
+          <a:p>
+            <a:endParaRPr lang="en-US" dirty="0"/>
+          </a:p>
+        </p:txBody>
+      </p:sp>
+      <p:graphicFrame>
+        <p:nvGraphicFramePr>
+          <p:cNvPr id="9" name="Table 8">
+            <a:extLst>
+              <a:ext uri="{FF2B5EF4-FFF2-40B4-BE49-F238E27FC236}">
+                <a16:creationId xmlns:a16="http://schemas.microsoft.com/office/drawing/2014/main" id="{2E2E764A-296D-4741-9969-A298D59DD0CC}"/>
+              </a:ext>
+            </a:extLst>
+          </p:cNvPr>
+          <p:cNvGraphicFramePr>
+            <a:graphicFrameLocks noGrp="1"/>
+          </p:cNvGraphicFramePr>
+          <p:nvPr>
+            <p:extLst>
+              <p:ext uri="{D42A27DB-BD31-4B8C-83A1-F6EECF244321}">
+                <p14:modId xmlns:p14="http://schemas.microsoft.com/office/powerpoint/2010/main" val="2744703939"/>
+              </p:ext>
+            </p:extLst>
+          </p:nvPr>
+        </p:nvGraphicFramePr>
+        <p:xfrm>
+          <a:off x="277610" y="1760856"/>
+          <a:ext cx="5879910" cy="1360530"/>
+        </p:xfrm>
+        <a:graphic>
+          <a:graphicData uri="http://schemas.openxmlformats.org/drawingml/2006/table">
+            <a:tbl>
+              <a:tblPr firstRow="1" firstCol="1" bandRow="1">
+                <a:tableStyleId>{5C22544A-7EE6-4342-B048-85BDC9FD1C3A}</a:tableStyleId>
+              </a:tblPr>
+              <a:tblGrid>
+                <a:gridCol w="1175982">
+                  <a:extLst>
+                    <a:ext uri="{9D8B030D-6E8A-4147-A177-3AD203B41FA5}">
+                      <a16:colId xmlns:a16="http://schemas.microsoft.com/office/drawing/2014/main" val="1587537115"/>
+                    </a:ext>
+                  </a:extLst>
+                </a:gridCol>
+                <a:gridCol w="1175982">
+                  <a:extLst>
+                    <a:ext uri="{9D8B030D-6E8A-4147-A177-3AD203B41FA5}">
+                      <a16:colId xmlns:a16="http://schemas.microsoft.com/office/drawing/2014/main" val="4135805139"/>
+                    </a:ext>
+                  </a:extLst>
+                </a:gridCol>
+                <a:gridCol w="1175982">
+                  <a:extLst>
+                    <a:ext uri="{9D8B030D-6E8A-4147-A177-3AD203B41FA5}">
+                      <a16:colId xmlns:a16="http://schemas.microsoft.com/office/drawing/2014/main" val="1349286302"/>
+                    </a:ext>
+                  </a:extLst>
+                </a:gridCol>
+                <a:gridCol w="1175982">
+                  <a:extLst>
+                    <a:ext uri="{9D8B030D-6E8A-4147-A177-3AD203B41FA5}">
+                      <a16:colId xmlns:a16="http://schemas.microsoft.com/office/drawing/2014/main" val="1720106812"/>
+                    </a:ext>
+                  </a:extLst>
+                </a:gridCol>
+                <a:gridCol w="1175982">
+                  <a:extLst>
+                    <a:ext uri="{9D8B030D-6E8A-4147-A177-3AD203B41FA5}">
+                      <a16:colId xmlns:a16="http://schemas.microsoft.com/office/drawing/2014/main" val="3385761288"/>
+                    </a:ext>
+                  </a:extLst>
+                </a:gridCol>
+              </a:tblGrid>
+              <a:tr h="228913">
+                <a:tc>
+                  <a:txBody>
+                    <a:bodyPr/>
+                    <a:lstStyle/>
+                    <a:p>
+                      <a:r>
+                        <a:rPr lang="en-US" sz="1050">
+                          <a:effectLst/>
+                        </a:rPr>
+                        <a:t> </a:t>
+                      </a:r>
+                      <a:endParaRPr lang="en-US" sz="1100">
+                        <a:effectLst/>
+                        <a:latin typeface="Calibri" panose="020F0502020204030204" pitchFamily="34" charset="0"/>
+                        <a:cs typeface="Times New Roman" panose="02020603050405020304" pitchFamily="18" charset="0"/>
+                      </a:endParaRPr>
+                    </a:p>
+                  </a:txBody>
+                  <a:tcPr marL="68580" marR="68580" marT="0" marB="0"/>
+                </a:tc>
+                <a:tc>
+                  <a:txBody>
+                    <a:bodyPr/>
+                    <a:lstStyle/>
+                    <a:p>
+                      <a:r>
+                        <a:rPr lang="en-US" sz="1050">
+                          <a:effectLst/>
+                        </a:rPr>
+                        <a:t>precision</a:t>
+                      </a:r>
+                      <a:endParaRPr lang="en-US" sz="1100">
+                        <a:effectLst/>
+                        <a:latin typeface="Calibri" panose="020F0502020204030204" pitchFamily="34" charset="0"/>
+                        <a:cs typeface="Times New Roman" panose="02020603050405020304" pitchFamily="18" charset="0"/>
+                      </a:endParaRPr>
+                    </a:p>
+                  </a:txBody>
+                  <a:tcPr marL="68580" marR="68580" marT="0" marB="0"/>
+                </a:tc>
+                <a:tc>
+                  <a:txBody>
+                    <a:bodyPr/>
+                    <a:lstStyle/>
+                    <a:p>
+                      <a:r>
+                        <a:rPr lang="en-US" sz="1050">
+                          <a:effectLst/>
+                        </a:rPr>
+                        <a:t>recall</a:t>
+                      </a:r>
+                      <a:endParaRPr lang="en-US" sz="1100">
+                        <a:effectLst/>
+                        <a:latin typeface="Calibri" panose="020F0502020204030204" pitchFamily="34" charset="0"/>
+                        <a:cs typeface="Times New Roman" panose="02020603050405020304" pitchFamily="18" charset="0"/>
+                      </a:endParaRPr>
+                    </a:p>
+                  </a:txBody>
+                  <a:tcPr marL="68580" marR="68580" marT="0" marB="0"/>
+                </a:tc>
+                <a:tc>
+                  <a:txBody>
+                    <a:bodyPr/>
+                    <a:lstStyle/>
+                    <a:p>
+                      <a:r>
+                        <a:rPr lang="en-US" sz="1050">
+                          <a:effectLst/>
+                        </a:rPr>
+                        <a:t>f1-score</a:t>
+                      </a:r>
+                      <a:endParaRPr lang="en-US" sz="1100">
+                        <a:effectLst/>
+                        <a:latin typeface="Calibri" panose="020F0502020204030204" pitchFamily="34" charset="0"/>
+                        <a:cs typeface="Times New Roman" panose="02020603050405020304" pitchFamily="18" charset="0"/>
+                      </a:endParaRPr>
+                    </a:p>
+                  </a:txBody>
+                  <a:tcPr marL="68580" marR="68580" marT="0" marB="0"/>
+                </a:tc>
+                <a:tc>
+                  <a:txBody>
+                    <a:bodyPr/>
+                    <a:lstStyle/>
+                    <a:p>
+                      <a:r>
+                        <a:rPr lang="en-US" sz="1050">
+                          <a:effectLst/>
+                        </a:rPr>
+                        <a:t>support</a:t>
+                      </a:r>
+                      <a:endParaRPr lang="en-US" sz="1100">
+                        <a:effectLst/>
+                        <a:latin typeface="Calibri" panose="020F0502020204030204" pitchFamily="34" charset="0"/>
+                        <a:cs typeface="Times New Roman" panose="02020603050405020304" pitchFamily="18" charset="0"/>
+                      </a:endParaRPr>
+                    </a:p>
+                  </a:txBody>
+                  <a:tcPr marL="68580" marR="68580" marT="0" marB="0"/>
+                </a:tc>
+                <a:extLst>
+                  <a:ext uri="{0D108BD9-81ED-4DB2-BD59-A6C34878D82A}">
+                    <a16:rowId xmlns:a16="http://schemas.microsoft.com/office/drawing/2014/main" val="1692967809"/>
+                  </a:ext>
+                </a:extLst>
+              </a:tr>
+              <a:tr h="228913">
+                <a:tc>
+                  <a:txBody>
+                    <a:bodyPr/>
+                    <a:lstStyle/>
+                    <a:p>
+                      <a:r>
+                        <a:rPr lang="en-US" sz="1050">
+                          <a:effectLst/>
+                        </a:rPr>
+                        <a:t>0</a:t>
+                      </a:r>
+                      <a:endParaRPr lang="en-US" sz="1100">
+                        <a:effectLst/>
+                        <a:latin typeface="Calibri" panose="020F0502020204030204" pitchFamily="34" charset="0"/>
+                        <a:cs typeface="Times New Roman" panose="02020603050405020304" pitchFamily="18" charset="0"/>
+                      </a:endParaRPr>
+                    </a:p>
+                  </a:txBody>
+                  <a:tcPr marL="68580" marR="68580" marT="0" marB="0"/>
+                </a:tc>
+                <a:tc>
+                  <a:txBody>
+                    <a:bodyPr/>
+                    <a:lstStyle/>
+                    <a:p>
+                      <a:r>
+                        <a:rPr lang="en-US" sz="1050">
+                          <a:effectLst/>
+                        </a:rPr>
+                        <a:t>0.91</a:t>
+                      </a:r>
+                      <a:endParaRPr lang="en-US" sz="1100">
+                        <a:effectLst/>
+                        <a:latin typeface="Calibri" panose="020F0502020204030204" pitchFamily="34" charset="0"/>
+                        <a:cs typeface="Times New Roman" panose="02020603050405020304" pitchFamily="18" charset="0"/>
+                      </a:endParaRPr>
+                    </a:p>
+                  </a:txBody>
+                  <a:tcPr marL="68580" marR="68580" marT="0" marB="0"/>
+                </a:tc>
+                <a:tc>
+                  <a:txBody>
+                    <a:bodyPr/>
+                    <a:lstStyle/>
+                    <a:p>
+                      <a:r>
+                        <a:rPr lang="en-US" sz="1050">
+                          <a:effectLst/>
+                        </a:rPr>
+                        <a:t>0.74</a:t>
+                      </a:r>
+                      <a:endParaRPr lang="en-US" sz="1100">
+                        <a:effectLst/>
+                        <a:latin typeface="Calibri" panose="020F0502020204030204" pitchFamily="34" charset="0"/>
+                        <a:cs typeface="Times New Roman" panose="02020603050405020304" pitchFamily="18" charset="0"/>
+                      </a:endParaRPr>
+                    </a:p>
+                  </a:txBody>
+                  <a:tcPr marL="68580" marR="68580" marT="0" marB="0"/>
+                </a:tc>
+                <a:tc>
+                  <a:txBody>
+                    <a:bodyPr/>
+                    <a:lstStyle/>
+                    <a:p>
+                      <a:r>
+                        <a:rPr lang="en-US" sz="1050">
+                          <a:effectLst/>
+                        </a:rPr>
+                        <a:t>0.81</a:t>
+                      </a:r>
+                      <a:endParaRPr lang="en-US" sz="1100">
+                        <a:effectLst/>
+                        <a:latin typeface="Calibri" panose="020F0502020204030204" pitchFamily="34" charset="0"/>
+                        <a:cs typeface="Times New Roman" panose="02020603050405020304" pitchFamily="18" charset="0"/>
+                      </a:endParaRPr>
+                    </a:p>
+                  </a:txBody>
+                  <a:tcPr marL="68580" marR="68580" marT="0" marB="0"/>
+                </a:tc>
+                <a:tc>
+                  <a:txBody>
+                    <a:bodyPr/>
+                    <a:lstStyle/>
+                    <a:p>
+                      <a:r>
+                        <a:rPr lang="en-US" sz="1050">
+                          <a:effectLst/>
+                        </a:rPr>
+                        <a:t>1524</a:t>
+                      </a:r>
+                      <a:endParaRPr lang="en-US" sz="1100">
+                        <a:effectLst/>
+                        <a:latin typeface="Calibri" panose="020F0502020204030204" pitchFamily="34" charset="0"/>
+                        <a:cs typeface="Times New Roman" panose="02020603050405020304" pitchFamily="18" charset="0"/>
+                      </a:endParaRPr>
+                    </a:p>
+                  </a:txBody>
+                  <a:tcPr marL="68580" marR="68580" marT="0" marB="0"/>
+                </a:tc>
+                <a:extLst>
+                  <a:ext uri="{0D108BD9-81ED-4DB2-BD59-A6C34878D82A}">
+                    <a16:rowId xmlns:a16="http://schemas.microsoft.com/office/drawing/2014/main" val="1297080384"/>
+                  </a:ext>
+                </a:extLst>
+              </a:tr>
+              <a:tr h="215965">
+                <a:tc>
+                  <a:txBody>
+                    <a:bodyPr/>
+                    <a:lstStyle/>
+                    <a:p>
+                      <a:r>
+                        <a:rPr lang="en-US" sz="1050">
+                          <a:effectLst/>
+                        </a:rPr>
+                        <a:t>1</a:t>
+                      </a:r>
+                      <a:endParaRPr lang="en-US" sz="1100">
+                        <a:effectLst/>
+                        <a:latin typeface="Calibri" panose="020F0502020204030204" pitchFamily="34" charset="0"/>
+                        <a:cs typeface="Times New Roman" panose="02020603050405020304" pitchFamily="18" charset="0"/>
+                      </a:endParaRPr>
+                    </a:p>
+                  </a:txBody>
+                  <a:tcPr marL="68580" marR="68580" marT="0" marB="0"/>
+                </a:tc>
+                <a:tc>
+                  <a:txBody>
+                    <a:bodyPr/>
+                    <a:lstStyle/>
+                    <a:p>
+                      <a:r>
+                        <a:rPr lang="en-US" sz="1050">
+                          <a:effectLst/>
+                        </a:rPr>
+                        <a:t>0.54</a:t>
+                      </a:r>
+                      <a:endParaRPr lang="en-US" sz="1100">
+                        <a:effectLst/>
+                        <a:latin typeface="Calibri" panose="020F0502020204030204" pitchFamily="34" charset="0"/>
+                        <a:cs typeface="Times New Roman" panose="02020603050405020304" pitchFamily="18" charset="0"/>
+                      </a:endParaRPr>
+                    </a:p>
+                  </a:txBody>
+                  <a:tcPr marL="68580" marR="68580" marT="0" marB="0"/>
+                </a:tc>
+                <a:tc>
+                  <a:txBody>
+                    <a:bodyPr/>
+                    <a:lstStyle/>
+                    <a:p>
+                      <a:r>
+                        <a:rPr lang="en-US" sz="1050">
+                          <a:effectLst/>
+                        </a:rPr>
+                        <a:t>0.80</a:t>
+                      </a:r>
+                      <a:endParaRPr lang="en-US" sz="1100">
+                        <a:effectLst/>
+                        <a:latin typeface="Calibri" panose="020F0502020204030204" pitchFamily="34" charset="0"/>
+                        <a:cs typeface="Times New Roman" panose="02020603050405020304" pitchFamily="18" charset="0"/>
+                      </a:endParaRPr>
+                    </a:p>
+                  </a:txBody>
+                  <a:tcPr marL="68580" marR="68580" marT="0" marB="0"/>
+                </a:tc>
+                <a:tc>
+                  <a:txBody>
+                    <a:bodyPr/>
+                    <a:lstStyle/>
+                    <a:p>
+                      <a:r>
+                        <a:rPr lang="en-US" sz="1050">
+                          <a:effectLst/>
+                        </a:rPr>
+                        <a:t>0.65</a:t>
+                      </a:r>
+                      <a:endParaRPr lang="en-US" sz="1100">
+                        <a:effectLst/>
+                        <a:latin typeface="Calibri" panose="020F0502020204030204" pitchFamily="34" charset="0"/>
+                        <a:cs typeface="Times New Roman" panose="02020603050405020304" pitchFamily="18" charset="0"/>
+                      </a:endParaRPr>
+                    </a:p>
+                  </a:txBody>
+                  <a:tcPr marL="68580" marR="68580" marT="0" marB="0"/>
+                </a:tc>
+                <a:tc>
+                  <a:txBody>
+                    <a:bodyPr/>
+                    <a:lstStyle/>
+                    <a:p>
+                      <a:r>
+                        <a:rPr lang="en-US" sz="1050">
+                          <a:effectLst/>
+                        </a:rPr>
+                        <a:t>589</a:t>
+                      </a:r>
+                      <a:endParaRPr lang="en-US" sz="1100">
+                        <a:effectLst/>
+                        <a:latin typeface="Calibri" panose="020F0502020204030204" pitchFamily="34" charset="0"/>
+                        <a:cs typeface="Times New Roman" panose="02020603050405020304" pitchFamily="18" charset="0"/>
+                      </a:endParaRPr>
+                    </a:p>
+                  </a:txBody>
+                  <a:tcPr marL="68580" marR="68580" marT="0" marB="0"/>
+                </a:tc>
+                <a:extLst>
+                  <a:ext uri="{0D108BD9-81ED-4DB2-BD59-A6C34878D82A}">
+                    <a16:rowId xmlns:a16="http://schemas.microsoft.com/office/drawing/2014/main" val="1320622601"/>
+                  </a:ext>
+                </a:extLst>
+              </a:tr>
+              <a:tr h="228913">
+                <a:tc>
+                  <a:txBody>
+                    <a:bodyPr/>
+                    <a:lstStyle/>
+                    <a:p>
+                      <a:r>
+                        <a:rPr lang="en-US" sz="1050">
+                          <a:effectLst/>
+                        </a:rPr>
+                        <a:t>accuracy</a:t>
+                      </a:r>
+                      <a:endParaRPr lang="en-US" sz="1100">
+                        <a:effectLst/>
+                        <a:latin typeface="Calibri" panose="020F0502020204030204" pitchFamily="34" charset="0"/>
+                        <a:cs typeface="Times New Roman" panose="02020603050405020304" pitchFamily="18" charset="0"/>
+                      </a:endParaRPr>
+                    </a:p>
+                  </a:txBody>
+                  <a:tcPr marL="68580" marR="68580" marT="0" marB="0"/>
+                </a:tc>
+                <a:tc>
+                  <a:txBody>
+                    <a:bodyPr/>
+                    <a:lstStyle/>
+                    <a:p>
+                      <a:pPr marL="0" marR="0">
+                        <a:lnSpc>
+                          <a:spcPct val="107000"/>
+                        </a:lnSpc>
+                        <a:spcBef>
+                          <a:spcPts val="0"/>
+                        </a:spcBef>
+                        <a:spcAft>
+                          <a:spcPts val="0"/>
+                        </a:spcAft>
+                      </a:pPr>
+                      <a:r>
+                        <a:rPr lang="en-US" sz="1050">
+                          <a:effectLst/>
+                        </a:rPr>
+                        <a:t> </a:t>
+                      </a:r>
+                      <a:endParaRPr lang="en-US" sz="1100">
+                        <a:effectLst/>
+                        <a:latin typeface="Calibri" panose="020F0502020204030204" pitchFamily="34" charset="0"/>
+                        <a:ea typeface="Calibri" panose="020F0502020204030204" pitchFamily="34" charset="0"/>
+                        <a:cs typeface="Times New Roman" panose="02020603050405020304" pitchFamily="18" charset="0"/>
+                      </a:endParaRPr>
+                    </a:p>
+                  </a:txBody>
+                  <a:tcPr marL="68580" marR="68580" marT="0" marB="0"/>
+                </a:tc>
+                <a:tc>
+                  <a:txBody>
+                    <a:bodyPr/>
+                    <a:lstStyle/>
+                    <a:p>
+                      <a:pPr marL="0" marR="0">
+                        <a:lnSpc>
+                          <a:spcPct val="107000"/>
+                        </a:lnSpc>
+                        <a:spcBef>
+                          <a:spcPts val="0"/>
+                        </a:spcBef>
+                        <a:spcAft>
+                          <a:spcPts val="0"/>
+                        </a:spcAft>
+                      </a:pPr>
+                      <a:r>
+                        <a:rPr lang="en-US" sz="1050">
+                          <a:effectLst/>
+                        </a:rPr>
+                        <a:t> </a:t>
+                      </a:r>
+                      <a:endParaRPr lang="en-US" sz="1100">
+                        <a:effectLst/>
+                        <a:latin typeface="Calibri" panose="020F0502020204030204" pitchFamily="34" charset="0"/>
+                        <a:ea typeface="Calibri" panose="020F0502020204030204" pitchFamily="34" charset="0"/>
+                        <a:cs typeface="Times New Roman" panose="02020603050405020304" pitchFamily="18" charset="0"/>
+                      </a:endParaRPr>
+                    </a:p>
+                  </a:txBody>
+                  <a:tcPr marL="68580" marR="68580" marT="0" marB="0"/>
+                </a:tc>
+                <a:tc>
+                  <a:txBody>
+                    <a:bodyPr/>
+                    <a:lstStyle/>
+                    <a:p>
+                      <a:pPr marL="0" marR="0">
+                        <a:lnSpc>
+                          <a:spcPct val="107000"/>
+                        </a:lnSpc>
+                        <a:spcBef>
+                          <a:spcPts val="0"/>
+                        </a:spcBef>
+                        <a:spcAft>
+                          <a:spcPts val="0"/>
+                        </a:spcAft>
+                      </a:pPr>
+                      <a:r>
+                        <a:rPr lang="en-US" sz="1050">
+                          <a:effectLst/>
+                        </a:rPr>
+                        <a:t>0.75</a:t>
+                      </a:r>
+                      <a:endParaRPr lang="en-US" sz="1100">
+                        <a:effectLst/>
+                        <a:latin typeface="Calibri" panose="020F0502020204030204" pitchFamily="34" charset="0"/>
+                        <a:ea typeface="Calibri" panose="020F0502020204030204" pitchFamily="34" charset="0"/>
+                        <a:cs typeface="Times New Roman" panose="02020603050405020304" pitchFamily="18" charset="0"/>
+                      </a:endParaRPr>
+                    </a:p>
+                  </a:txBody>
+                  <a:tcPr marL="68580" marR="68580" marT="0" marB="0"/>
+                </a:tc>
+                <a:tc>
+                  <a:txBody>
+                    <a:bodyPr/>
+                    <a:lstStyle/>
+                    <a:p>
+                      <a:pPr marL="0" marR="0">
+                        <a:lnSpc>
+                          <a:spcPct val="107000"/>
+                        </a:lnSpc>
+                        <a:spcBef>
+                          <a:spcPts val="0"/>
+                        </a:spcBef>
+                        <a:spcAft>
+                          <a:spcPts val="0"/>
+                        </a:spcAft>
+                      </a:pPr>
+                      <a:r>
+                        <a:rPr lang="en-US" sz="1050">
+                          <a:effectLst/>
+                        </a:rPr>
+                        <a:t>2113</a:t>
+                      </a:r>
+                      <a:endParaRPr lang="en-US" sz="1100">
+                        <a:effectLst/>
+                        <a:latin typeface="Calibri" panose="020F0502020204030204" pitchFamily="34" charset="0"/>
+                        <a:ea typeface="Calibri" panose="020F0502020204030204" pitchFamily="34" charset="0"/>
+                        <a:cs typeface="Times New Roman" panose="02020603050405020304" pitchFamily="18" charset="0"/>
+                      </a:endParaRPr>
+                    </a:p>
+                  </a:txBody>
+                  <a:tcPr marL="68580" marR="68580" marT="0" marB="0"/>
+                </a:tc>
+                <a:extLst>
+                  <a:ext uri="{0D108BD9-81ED-4DB2-BD59-A6C34878D82A}">
+                    <a16:rowId xmlns:a16="http://schemas.microsoft.com/office/drawing/2014/main" val="4170925996"/>
+                  </a:ext>
+                </a:extLst>
+              </a:tr>
+              <a:tr h="228913">
+                <a:tc>
+                  <a:txBody>
+                    <a:bodyPr/>
+                    <a:lstStyle/>
+                    <a:p>
+                      <a:r>
+                        <a:rPr lang="en-US" sz="1050">
+                          <a:effectLst/>
+                        </a:rPr>
+                        <a:t>macro avg</a:t>
+                      </a:r>
+                      <a:endParaRPr lang="en-US" sz="1100">
+                        <a:effectLst/>
+                        <a:latin typeface="Calibri" panose="020F0502020204030204" pitchFamily="34" charset="0"/>
+                        <a:cs typeface="Times New Roman" panose="02020603050405020304" pitchFamily="18" charset="0"/>
+                      </a:endParaRPr>
+                    </a:p>
+                  </a:txBody>
+                  <a:tcPr marL="68580" marR="68580" marT="0" marB="0"/>
+                </a:tc>
+                <a:tc>
+                  <a:txBody>
+                    <a:bodyPr/>
+                    <a:lstStyle/>
+                    <a:p>
+                      <a:pPr marL="0" marR="0">
+                        <a:lnSpc>
+                          <a:spcPct val="107000"/>
+                        </a:lnSpc>
+                        <a:spcBef>
+                          <a:spcPts val="0"/>
+                        </a:spcBef>
+                        <a:spcAft>
+                          <a:spcPts val="0"/>
+                        </a:spcAft>
+                      </a:pPr>
+                      <a:r>
+                        <a:rPr lang="en-US" sz="1050">
+                          <a:effectLst/>
+                        </a:rPr>
+                        <a:t>0.72</a:t>
+                      </a:r>
+                      <a:endParaRPr lang="en-US" sz="1100">
+                        <a:effectLst/>
+                        <a:latin typeface="Calibri" panose="020F0502020204030204" pitchFamily="34" charset="0"/>
+                        <a:ea typeface="Calibri" panose="020F0502020204030204" pitchFamily="34" charset="0"/>
+                        <a:cs typeface="Times New Roman" panose="02020603050405020304" pitchFamily="18" charset="0"/>
+                      </a:endParaRPr>
+                    </a:p>
+                  </a:txBody>
+                  <a:tcPr marL="68580" marR="68580" marT="0" marB="0"/>
+                </a:tc>
+                <a:tc>
+                  <a:txBody>
+                    <a:bodyPr/>
+                    <a:lstStyle/>
+                    <a:p>
+                      <a:pPr marL="0" marR="0">
+                        <a:lnSpc>
+                          <a:spcPct val="107000"/>
+                        </a:lnSpc>
+                        <a:spcBef>
+                          <a:spcPts val="0"/>
+                        </a:spcBef>
+                        <a:spcAft>
+                          <a:spcPts val="0"/>
+                        </a:spcAft>
+                      </a:pPr>
+                      <a:r>
+                        <a:rPr lang="en-US" sz="1050">
+                          <a:effectLst/>
+                        </a:rPr>
+                        <a:t>0.77</a:t>
+                      </a:r>
+                      <a:endParaRPr lang="en-US" sz="1100">
+                        <a:effectLst/>
+                        <a:latin typeface="Calibri" panose="020F0502020204030204" pitchFamily="34" charset="0"/>
+                        <a:ea typeface="Calibri" panose="020F0502020204030204" pitchFamily="34" charset="0"/>
+                        <a:cs typeface="Times New Roman" panose="02020603050405020304" pitchFamily="18" charset="0"/>
+                      </a:endParaRPr>
+                    </a:p>
+                  </a:txBody>
+                  <a:tcPr marL="68580" marR="68580" marT="0" marB="0"/>
+                </a:tc>
+                <a:tc>
+                  <a:txBody>
+                    <a:bodyPr/>
+                    <a:lstStyle/>
+                    <a:p>
+                      <a:pPr marL="0" marR="0">
+                        <a:lnSpc>
+                          <a:spcPct val="107000"/>
+                        </a:lnSpc>
+                        <a:spcBef>
+                          <a:spcPts val="0"/>
+                        </a:spcBef>
+                        <a:spcAft>
+                          <a:spcPts val="0"/>
+                        </a:spcAft>
+                      </a:pPr>
+                      <a:r>
+                        <a:rPr lang="en-US" sz="1050">
+                          <a:effectLst/>
+                        </a:rPr>
+                        <a:t>0.73</a:t>
+                      </a:r>
+                      <a:endParaRPr lang="en-US" sz="1100">
+                        <a:effectLst/>
+                        <a:latin typeface="Calibri" panose="020F0502020204030204" pitchFamily="34" charset="0"/>
+                        <a:ea typeface="Calibri" panose="020F0502020204030204" pitchFamily="34" charset="0"/>
+                        <a:cs typeface="Times New Roman" panose="02020603050405020304" pitchFamily="18" charset="0"/>
+                      </a:endParaRPr>
+                    </a:p>
+                  </a:txBody>
+                  <a:tcPr marL="68580" marR="68580" marT="0" marB="0"/>
+                </a:tc>
+                <a:tc>
+                  <a:txBody>
+                    <a:bodyPr/>
+                    <a:lstStyle/>
+                    <a:p>
+                      <a:pPr marL="0" marR="0">
+                        <a:lnSpc>
+                          <a:spcPct val="107000"/>
+                        </a:lnSpc>
+                        <a:spcBef>
+                          <a:spcPts val="0"/>
+                        </a:spcBef>
+                        <a:spcAft>
+                          <a:spcPts val="0"/>
+                        </a:spcAft>
+                      </a:pPr>
+                      <a:r>
+                        <a:rPr lang="en-US" sz="1050">
+                          <a:effectLst/>
+                        </a:rPr>
+                        <a:t>2113</a:t>
+                      </a:r>
+                      <a:endParaRPr lang="en-US" sz="1100">
+                        <a:effectLst/>
+                        <a:latin typeface="Calibri" panose="020F0502020204030204" pitchFamily="34" charset="0"/>
+                        <a:ea typeface="Calibri" panose="020F0502020204030204" pitchFamily="34" charset="0"/>
+                        <a:cs typeface="Times New Roman" panose="02020603050405020304" pitchFamily="18" charset="0"/>
+                      </a:endParaRPr>
+                    </a:p>
+                  </a:txBody>
+                  <a:tcPr marL="68580" marR="68580" marT="0" marB="0"/>
+                </a:tc>
+                <a:extLst>
+                  <a:ext uri="{0D108BD9-81ED-4DB2-BD59-A6C34878D82A}">
+                    <a16:rowId xmlns:a16="http://schemas.microsoft.com/office/drawing/2014/main" val="3017371655"/>
+                  </a:ext>
+                </a:extLst>
+              </a:tr>
+              <a:tr h="228913">
+                <a:tc>
+                  <a:txBody>
+                    <a:bodyPr/>
+                    <a:lstStyle/>
+                    <a:p>
+                      <a:r>
+                        <a:rPr lang="en-US" sz="1050">
+                          <a:effectLst/>
+                        </a:rPr>
+                        <a:t>weighted avg</a:t>
+                      </a:r>
+                      <a:endParaRPr lang="en-US" sz="1100">
+                        <a:effectLst/>
+                        <a:latin typeface="Calibri" panose="020F0502020204030204" pitchFamily="34" charset="0"/>
+                        <a:cs typeface="Times New Roman" panose="02020603050405020304" pitchFamily="18" charset="0"/>
+                      </a:endParaRPr>
+                    </a:p>
+                  </a:txBody>
+                  <a:tcPr marL="68580" marR="68580" marT="0" marB="0"/>
+                </a:tc>
+                <a:tc>
+                  <a:txBody>
+                    <a:bodyPr/>
+                    <a:lstStyle/>
+                    <a:p>
+                      <a:pPr marL="0" marR="0">
+                        <a:lnSpc>
+                          <a:spcPct val="107000"/>
+                        </a:lnSpc>
+                        <a:spcBef>
+                          <a:spcPts val="0"/>
+                        </a:spcBef>
+                        <a:spcAft>
+                          <a:spcPts val="0"/>
+                        </a:spcAft>
+                      </a:pPr>
+                      <a:r>
+                        <a:rPr lang="en-US" sz="1050">
+                          <a:effectLst/>
+                        </a:rPr>
+                        <a:t>0.80</a:t>
+                      </a:r>
+                      <a:endParaRPr lang="en-US" sz="1100">
+                        <a:effectLst/>
+                        <a:latin typeface="Calibri" panose="020F0502020204030204" pitchFamily="34" charset="0"/>
+                        <a:ea typeface="Calibri" panose="020F0502020204030204" pitchFamily="34" charset="0"/>
+                        <a:cs typeface="Times New Roman" panose="02020603050405020304" pitchFamily="18" charset="0"/>
+                      </a:endParaRPr>
+                    </a:p>
+                  </a:txBody>
+                  <a:tcPr marL="68580" marR="68580" marT="0" marB="0"/>
+                </a:tc>
+                <a:tc>
+                  <a:txBody>
+                    <a:bodyPr/>
+                    <a:lstStyle/>
+                    <a:p>
+                      <a:pPr marL="0" marR="0">
+                        <a:lnSpc>
+                          <a:spcPct val="107000"/>
+                        </a:lnSpc>
+                        <a:spcBef>
+                          <a:spcPts val="0"/>
+                        </a:spcBef>
+                        <a:spcAft>
+                          <a:spcPts val="0"/>
+                        </a:spcAft>
+                      </a:pPr>
+                      <a:r>
+                        <a:rPr lang="en-US" sz="1050">
+                          <a:effectLst/>
+                        </a:rPr>
+                        <a:t>0.75</a:t>
+                      </a:r>
+                      <a:endParaRPr lang="en-US" sz="1100">
+                        <a:effectLst/>
+                        <a:latin typeface="Calibri" panose="020F0502020204030204" pitchFamily="34" charset="0"/>
+                        <a:ea typeface="Calibri" panose="020F0502020204030204" pitchFamily="34" charset="0"/>
+                        <a:cs typeface="Times New Roman" panose="02020603050405020304" pitchFamily="18" charset="0"/>
+                      </a:endParaRPr>
+                    </a:p>
+                  </a:txBody>
+                  <a:tcPr marL="68580" marR="68580" marT="0" marB="0"/>
+                </a:tc>
+                <a:tc>
+                  <a:txBody>
+                    <a:bodyPr/>
+                    <a:lstStyle/>
+                    <a:p>
+                      <a:pPr marL="0" marR="0">
+                        <a:lnSpc>
+                          <a:spcPct val="107000"/>
+                        </a:lnSpc>
+                        <a:spcBef>
+                          <a:spcPts val="0"/>
+                        </a:spcBef>
+                        <a:spcAft>
+                          <a:spcPts val="0"/>
+                        </a:spcAft>
+                      </a:pPr>
+                      <a:r>
+                        <a:rPr lang="en-US" sz="1050">
+                          <a:effectLst/>
+                        </a:rPr>
+                        <a:t>0.77</a:t>
+                      </a:r>
+                      <a:endParaRPr lang="en-US" sz="1100">
+                        <a:effectLst/>
+                        <a:latin typeface="Calibri" panose="020F0502020204030204" pitchFamily="34" charset="0"/>
+                        <a:ea typeface="Calibri" panose="020F0502020204030204" pitchFamily="34" charset="0"/>
+                        <a:cs typeface="Times New Roman" panose="02020603050405020304" pitchFamily="18" charset="0"/>
+                      </a:endParaRPr>
+                    </a:p>
+                  </a:txBody>
+                  <a:tcPr marL="68580" marR="68580" marT="0" marB="0"/>
+                </a:tc>
+                <a:tc>
+                  <a:txBody>
+                    <a:bodyPr/>
+                    <a:lstStyle/>
+                    <a:p>
+                      <a:pPr marL="0" marR="0">
+                        <a:lnSpc>
+                          <a:spcPct val="107000"/>
+                        </a:lnSpc>
+                        <a:spcBef>
+                          <a:spcPts val="0"/>
+                        </a:spcBef>
+                        <a:spcAft>
+                          <a:spcPts val="0"/>
+                        </a:spcAft>
+                      </a:pPr>
+                      <a:r>
+                        <a:rPr lang="en-US" sz="1050" dirty="0">
+                          <a:effectLst/>
+                        </a:rPr>
+                        <a:t>2113</a:t>
+                      </a:r>
+                      <a:endParaRPr lang="en-US" sz="1100" dirty="0">
+                        <a:effectLst/>
+                        <a:latin typeface="Calibri" panose="020F0502020204030204" pitchFamily="34" charset="0"/>
+                        <a:ea typeface="Calibri" panose="020F0502020204030204" pitchFamily="34" charset="0"/>
+                        <a:cs typeface="Times New Roman" panose="02020603050405020304" pitchFamily="18" charset="0"/>
+                      </a:endParaRPr>
+                    </a:p>
+                  </a:txBody>
+                  <a:tcPr marL="68580" marR="68580" marT="0" marB="0"/>
+                </a:tc>
+                <a:extLst>
+                  <a:ext uri="{0D108BD9-81ED-4DB2-BD59-A6C34878D82A}">
+                    <a16:rowId xmlns:a16="http://schemas.microsoft.com/office/drawing/2014/main" val="2829699229"/>
+                  </a:ext>
+                </a:extLst>
+              </a:tr>
+            </a:tbl>
+          </a:graphicData>
+        </a:graphic>
+      </p:graphicFrame>
+      <p:pic>
+        <p:nvPicPr>
+          <p:cNvPr id="10" name="Picture 9">
+            <a:extLst>
+              <a:ext uri="{FF2B5EF4-FFF2-40B4-BE49-F238E27FC236}">
+                <a16:creationId xmlns:a16="http://schemas.microsoft.com/office/drawing/2014/main" id="{5614A5A3-7786-43D9-9685-44FCE9E8510E}"/>
+              </a:ext>
+            </a:extLst>
+          </p:cNvPr>
+          <p:cNvPicPr/>
+          <p:nvPr/>
+        </p:nvPicPr>
+        <p:blipFill>
+          <a:blip r:embed="rId2"/>
+          <a:stretch>
+            <a:fillRect/>
+          </a:stretch>
+        </p:blipFill>
+        <p:spPr>
+          <a:xfrm>
+            <a:off x="464890" y="4001548"/>
+            <a:ext cx="4887286" cy="2856451"/>
+          </a:xfrm>
+          <a:prstGeom prst="rect">
+            <a:avLst/>
+          </a:prstGeom>
+        </p:spPr>
+      </p:pic>
+    </p:spTree>
+    <p:extLst>
+      <p:ext uri="{BB962C8B-B14F-4D97-AF65-F5344CB8AC3E}">
+        <p14:creationId xmlns:p14="http://schemas.microsoft.com/office/powerpoint/2010/main" val="774653718"/>
       </p:ext>
     </p:extLst>
   </p:cSld>

--- a/Customer Churn Prediction in Telecom using Machine Learning.pptx
+++ b/Customer Churn Prediction in Telecom using Machine Learning.pptx
@@ -1,6 +1,6 @@
 
 <file path=ppt/presentation.xml><?xml version="1.0" encoding="utf-8"?>
-<p:presentation xmlns:a="http://schemas.openxmlformats.org/drawingml/2006/main" xmlns:r="http://schemas.openxmlformats.org/officeDocument/2006/relationships" xmlns:p="http://schemas.openxmlformats.org/presentationml/2006/main" saveSubsetFonts="1" bookmarkIdSeed="7">
+<p:presentation xmlns:a="http://schemas.openxmlformats.org/drawingml/2006/main" xmlns:r="http://schemas.openxmlformats.org/officeDocument/2006/relationships" xmlns:p="http://schemas.openxmlformats.org/presentationml/2006/main" saveSubsetFonts="1" bookmarkIdSeed="9">
   <p:sldMasterIdLst>
     <p:sldMasterId id="2147483648" r:id="rId1"/>
   </p:sldMasterIdLst>
@@ -36,6 +36,19 @@
     <p:sldId id="284" r:id="rId30"/>
     <p:sldId id="285" r:id="rId31"/>
     <p:sldId id="286" r:id="rId32"/>
+    <p:sldId id="287" r:id="rId33"/>
+    <p:sldId id="288" r:id="rId34"/>
+    <p:sldId id="289" r:id="rId35"/>
+    <p:sldId id="290" r:id="rId36"/>
+    <p:sldId id="291" r:id="rId37"/>
+    <p:sldId id="292" r:id="rId38"/>
+    <p:sldId id="293" r:id="rId39"/>
+    <p:sldId id="294" r:id="rId40"/>
+    <p:sldId id="295" r:id="rId41"/>
+    <p:sldId id="296" r:id="rId42"/>
+    <p:sldId id="297" r:id="rId43"/>
+    <p:sldId id="298" r:id="rId44"/>
+    <p:sldId id="299" r:id="rId45"/>
   </p:sldIdLst>
   <p:sldSz cx="12192000" cy="6858000"/>
   <p:notesSz cx="6858000" cy="9144000"/>
@@ -144,7 +157,7 @@
 
 <file path=ppt/commentAuthors.xml><?xml version="1.0" encoding="utf-8"?>
 <p:cmAuthorLst xmlns:a="http://schemas.openxmlformats.org/drawingml/2006/main" xmlns:r="http://schemas.openxmlformats.org/officeDocument/2006/relationships" xmlns:p="http://schemas.openxmlformats.org/presentationml/2006/main">
-  <p:cmAuthor id="1" name="Samarth Malhotra" initials="SM" lastIdx="1" clrIdx="0">
+  <p:cmAuthor id="1" name="Samarth Malhotra" initials="SM" lastIdx="2" clrIdx="0">
     <p:extLst>
       <p:ext uri="{19B8F6BF-5375-455C-9EA6-DF929625EA0E}">
         <p15:presenceInfo xmlns:p15="http://schemas.microsoft.com/office/powerpoint/2012/main" userId="7610b35c8aeb0bee" providerId="Windows Live"/>
@@ -301,7 +314,7 @@
           <a:p>
             <a:fld id="{EBD7279A-E140-483C-96CB-95C0D4A7DA52}" type="datetimeFigureOut">
               <a:rPr lang="en-US" smtClean="0"/>
-              <a:t>8/7/2021</a:t>
+              <a:t>8/8/2021</a:t>
             </a:fld>
             <a:endParaRPr lang="en-US"/>
           </a:p>
@@ -499,7 +512,7 @@
           <a:p>
             <a:fld id="{EBD7279A-E140-483C-96CB-95C0D4A7DA52}" type="datetimeFigureOut">
               <a:rPr lang="en-US" smtClean="0"/>
-              <a:t>8/7/2021</a:t>
+              <a:t>8/8/2021</a:t>
             </a:fld>
             <a:endParaRPr lang="en-US"/>
           </a:p>
@@ -707,7 +720,7 @@
           <a:p>
             <a:fld id="{EBD7279A-E140-483C-96CB-95C0D4A7DA52}" type="datetimeFigureOut">
               <a:rPr lang="en-US" smtClean="0"/>
-              <a:t>8/7/2021</a:t>
+              <a:t>8/8/2021</a:t>
             </a:fld>
             <a:endParaRPr lang="en-US"/>
           </a:p>
@@ -905,7 +918,7 @@
           <a:p>
             <a:fld id="{EBD7279A-E140-483C-96CB-95C0D4A7DA52}" type="datetimeFigureOut">
               <a:rPr lang="en-US" smtClean="0"/>
-              <a:t>8/7/2021</a:t>
+              <a:t>8/8/2021</a:t>
             </a:fld>
             <a:endParaRPr lang="en-US"/>
           </a:p>
@@ -1180,7 +1193,7 @@
           <a:p>
             <a:fld id="{EBD7279A-E140-483C-96CB-95C0D4A7DA52}" type="datetimeFigureOut">
               <a:rPr lang="en-US" smtClean="0"/>
-              <a:t>8/7/2021</a:t>
+              <a:t>8/8/2021</a:t>
             </a:fld>
             <a:endParaRPr lang="en-US"/>
           </a:p>
@@ -1445,7 +1458,7 @@
           <a:p>
             <a:fld id="{EBD7279A-E140-483C-96CB-95C0D4A7DA52}" type="datetimeFigureOut">
               <a:rPr lang="en-US" smtClean="0"/>
-              <a:t>8/7/2021</a:t>
+              <a:t>8/8/2021</a:t>
             </a:fld>
             <a:endParaRPr lang="en-US"/>
           </a:p>
@@ -1857,7 +1870,7 @@
           <a:p>
             <a:fld id="{EBD7279A-E140-483C-96CB-95C0D4A7DA52}" type="datetimeFigureOut">
               <a:rPr lang="en-US" smtClean="0"/>
-              <a:t>8/7/2021</a:t>
+              <a:t>8/8/2021</a:t>
             </a:fld>
             <a:endParaRPr lang="en-US"/>
           </a:p>
@@ -1998,7 +2011,7 @@
           <a:p>
             <a:fld id="{EBD7279A-E140-483C-96CB-95C0D4A7DA52}" type="datetimeFigureOut">
               <a:rPr lang="en-US" smtClean="0"/>
-              <a:t>8/7/2021</a:t>
+              <a:t>8/8/2021</a:t>
             </a:fld>
             <a:endParaRPr lang="en-US"/>
           </a:p>
@@ -2111,7 +2124,7 @@
           <a:p>
             <a:fld id="{EBD7279A-E140-483C-96CB-95C0D4A7DA52}" type="datetimeFigureOut">
               <a:rPr lang="en-US" smtClean="0"/>
-              <a:t>8/7/2021</a:t>
+              <a:t>8/8/2021</a:t>
             </a:fld>
             <a:endParaRPr lang="en-US"/>
           </a:p>
@@ -2422,7 +2435,7 @@
           <a:p>
             <a:fld id="{EBD7279A-E140-483C-96CB-95C0D4A7DA52}" type="datetimeFigureOut">
               <a:rPr lang="en-US" smtClean="0"/>
-              <a:t>8/7/2021</a:t>
+              <a:t>8/8/2021</a:t>
             </a:fld>
             <a:endParaRPr lang="en-US"/>
           </a:p>
@@ -2710,7 +2723,7 @@
           <a:p>
             <a:fld id="{EBD7279A-E140-483C-96CB-95C0D4A7DA52}" type="datetimeFigureOut">
               <a:rPr lang="en-US" smtClean="0"/>
-              <a:t>8/7/2021</a:t>
+              <a:t>8/8/2021</a:t>
             </a:fld>
             <a:endParaRPr lang="en-US"/>
           </a:p>
@@ -2951,7 +2964,7 @@
           <a:p>
             <a:fld id="{EBD7279A-E140-483C-96CB-95C0D4A7DA52}" type="datetimeFigureOut">
               <a:rPr lang="en-US" smtClean="0"/>
-              <a:t>8/7/2021</a:t>
+              <a:t>8/8/2021</a:t>
             </a:fld>
             <a:endParaRPr lang="en-US"/>
           </a:p>
@@ -7627,7 +7640,7 @@
         <p:spPr>
           <a:xfrm>
             <a:off x="621631" y="160421"/>
-            <a:ext cx="10732169" cy="3882190"/>
+            <a:ext cx="8158159" cy="3636664"/>
           </a:xfrm>
           <a:prstGeom prst="rect">
             <a:avLst/>
@@ -9287,6 +9300,4002 @@
 </p:sld>
 </file>
 
+<file path=ppt/slides/slide32.xml><?xml version="1.0" encoding="utf-8"?>
+<p:sld xmlns:a="http://schemas.openxmlformats.org/drawingml/2006/main" xmlns:r="http://schemas.openxmlformats.org/officeDocument/2006/relationships" xmlns:p="http://schemas.openxmlformats.org/presentationml/2006/main">
+  <p:cSld>
+    <p:spTree>
+      <p:nvGrpSpPr>
+        <p:cNvPr id="1" name=""/>
+        <p:cNvGrpSpPr/>
+        <p:nvPr/>
+      </p:nvGrpSpPr>
+      <p:grpSpPr>
+        <a:xfrm>
+          <a:off x="0" y="0"/>
+          <a:ext cx="0" cy="0"/>
+          <a:chOff x="0" y="0"/>
+          <a:chExt cx="0" cy="0"/>
+        </a:xfrm>
+      </p:grpSpPr>
+      <p:sp>
+        <p:nvSpPr>
+          <p:cNvPr id="3" name="TextBox 2">
+            <a:extLst>
+              <a:ext uri="{FF2B5EF4-FFF2-40B4-BE49-F238E27FC236}">
+                <a16:creationId xmlns:a16="http://schemas.microsoft.com/office/drawing/2014/main" id="{FCF5D5DC-78C4-4161-B371-1453B80F9399}"/>
+              </a:ext>
+            </a:extLst>
+          </p:cNvPr>
+          <p:cNvSpPr txBox="1"/>
+          <p:nvPr/>
+        </p:nvSpPr>
+        <p:spPr>
+          <a:xfrm>
+            <a:off x="561474" y="449178"/>
+            <a:ext cx="11020926" cy="5288499"/>
+          </a:xfrm>
+          <a:prstGeom prst="rect">
+            <a:avLst/>
+          </a:prstGeom>
+          <a:noFill/>
+        </p:spPr>
+        <p:txBody>
+          <a:bodyPr wrap="square" rtlCol="0">
+            <a:spAutoFit/>
+          </a:bodyPr>
+          <a:lstStyle/>
+          <a:p>
+            <a:r>
+              <a:rPr lang="en-US" sz="1800" dirty="0">
+                <a:effectLst/>
+                <a:latin typeface="Times New Roman" panose="02020603050405020304" pitchFamily="18" charset="0"/>
+                <a:ea typeface="Calibri" panose="020F0502020204030204" pitchFamily="34" charset="0"/>
+                <a:cs typeface="Times New Roman" panose="02020603050405020304" pitchFamily="18" charset="0"/>
+              </a:rPr>
+              <a:t>Here the function takes both the true outcomes (0,1) from the test set and the predicted probabilities for the 1 class. The function returns the false positive rates for each threshold, true positive rates for each threshold and thresholds.</a:t>
+            </a:r>
+          </a:p>
+          <a:p>
+            <a:endParaRPr lang="en-US" dirty="0">
+              <a:latin typeface="Times New Roman" panose="02020603050405020304" pitchFamily="18" charset="0"/>
+              <a:ea typeface="Calibri" panose="020F0502020204030204" pitchFamily="34" charset="0"/>
+              <a:cs typeface="Times New Roman" panose="02020603050405020304" pitchFamily="18" charset="0"/>
+            </a:endParaRPr>
+          </a:p>
+          <a:p>
+            <a:pPr marL="0" marR="0">
+              <a:lnSpc>
+                <a:spcPct val="107000"/>
+              </a:lnSpc>
+              <a:spcBef>
+                <a:spcPts val="0"/>
+              </a:spcBef>
+              <a:spcAft>
+                <a:spcPts val="800"/>
+              </a:spcAft>
+            </a:pPr>
+            <a:r>
+              <a:rPr lang="en-US" sz="1800" b="1" dirty="0">
+                <a:effectLst/>
+                <a:latin typeface="Times New Roman" panose="02020603050405020304" pitchFamily="18" charset="0"/>
+                <a:ea typeface="Calibri" panose="020F0502020204030204" pitchFamily="34" charset="0"/>
+                <a:cs typeface="Times New Roman" panose="02020603050405020304" pitchFamily="18" charset="0"/>
+              </a:rPr>
+              <a:t>Naive Bayes</a:t>
+            </a:r>
+            <a:endParaRPr lang="en-US" sz="1800" dirty="0">
+              <a:effectLst/>
+              <a:latin typeface="Calibri" panose="020F0502020204030204" pitchFamily="34" charset="0"/>
+              <a:ea typeface="Calibri" panose="020F0502020204030204" pitchFamily="34" charset="0"/>
+              <a:cs typeface="Times New Roman" panose="02020603050405020304" pitchFamily="18" charset="0"/>
+            </a:endParaRPr>
+          </a:p>
+          <a:p>
+            <a:pPr marL="0" marR="0" algn="just">
+              <a:lnSpc>
+                <a:spcPct val="107000"/>
+              </a:lnSpc>
+              <a:spcBef>
+                <a:spcPts val="0"/>
+              </a:spcBef>
+              <a:spcAft>
+                <a:spcPts val="800"/>
+              </a:spcAft>
+            </a:pPr>
+            <a:r>
+              <a:rPr lang="en-US" sz="2000" dirty="0">
+                <a:effectLst/>
+                <a:latin typeface="Times New Roman" panose="02020603050405020304" pitchFamily="18" charset="0"/>
+                <a:ea typeface="Calibri" panose="020F0502020204030204" pitchFamily="34" charset="0"/>
+                <a:cs typeface="Times New Roman" panose="02020603050405020304" pitchFamily="18" charset="0"/>
+              </a:rPr>
+              <a:t>Naïve Bayes classifiers in machine learning are a family of probabilistic classifiers based on applying Bayes Theorem with strong (naive) independence assumptions between the features. They are among the simplest Bayesian network models and with KDE they can achieve very good accuracy scores.</a:t>
+            </a:r>
+            <a:endParaRPr lang="en-US" sz="2000" dirty="0">
+              <a:effectLst/>
+              <a:latin typeface="Calibri" panose="020F0502020204030204" pitchFamily="34" charset="0"/>
+              <a:ea typeface="Calibri" panose="020F0502020204030204" pitchFamily="34" charset="0"/>
+              <a:cs typeface="Times New Roman" panose="02020603050405020304" pitchFamily="18" charset="0"/>
+            </a:endParaRPr>
+          </a:p>
+          <a:p>
+            <a:pPr marL="0" marR="0" algn="just">
+              <a:lnSpc>
+                <a:spcPct val="107000"/>
+              </a:lnSpc>
+              <a:spcBef>
+                <a:spcPts val="0"/>
+              </a:spcBef>
+              <a:spcAft>
+                <a:spcPts val="800"/>
+              </a:spcAft>
+            </a:pPr>
+            <a:r>
+              <a:rPr lang="en-US" sz="2000" dirty="0">
+                <a:effectLst/>
+                <a:latin typeface="Times New Roman" panose="02020603050405020304" pitchFamily="18" charset="0"/>
+                <a:ea typeface="Calibri" panose="020F0502020204030204" pitchFamily="34" charset="0"/>
+                <a:cs typeface="Times New Roman" panose="02020603050405020304" pitchFamily="18" charset="0"/>
+              </a:rPr>
+              <a:t>These are generative classifiers i.e.; it tries to model class or features of class means it models how a particular class would generate input data. When a new observation is given to these classifiers, it tries to predict which class would have most likely generated the given observation. </a:t>
+            </a:r>
+            <a:endParaRPr lang="en-US" sz="2000" dirty="0">
+              <a:effectLst/>
+              <a:latin typeface="Calibri" panose="020F0502020204030204" pitchFamily="34" charset="0"/>
+              <a:ea typeface="Calibri" panose="020F0502020204030204" pitchFamily="34" charset="0"/>
+              <a:cs typeface="Times New Roman" panose="02020603050405020304" pitchFamily="18" charset="0"/>
+            </a:endParaRPr>
+          </a:p>
+          <a:p>
+            <a:r>
+              <a:rPr lang="en-US" sz="2000" dirty="0">
+                <a:effectLst/>
+                <a:latin typeface="Times New Roman" panose="02020603050405020304" pitchFamily="18" charset="0"/>
+                <a:ea typeface="Calibri" panose="020F0502020204030204" pitchFamily="34" charset="0"/>
+              </a:rPr>
+              <a:t>As with Logistic regression classifier before we have trained the classifier, we are normalizing the data and splitting it into train test and then fitting the model, for this project we have used Gaussian Naïve Bayes Classifier as it was providing better scores. The accuracy score we have received from this classifier is ~ 0.72. Also, the confusion matrix, classification report and the ROC-AUC is mention below.</a:t>
+            </a:r>
+            <a:endParaRPr lang="en-US" sz="2000" dirty="0">
+              <a:effectLst/>
+              <a:latin typeface="Times New Roman" panose="02020603050405020304" pitchFamily="18" charset="0"/>
+              <a:ea typeface="Calibri" panose="020F0502020204030204" pitchFamily="34" charset="0"/>
+              <a:cs typeface="Times New Roman" panose="02020603050405020304" pitchFamily="18" charset="0"/>
+            </a:endParaRPr>
+          </a:p>
+          <a:p>
+            <a:endParaRPr lang="en-US" sz="1800" dirty="0">
+              <a:effectLst/>
+              <a:latin typeface="Calibri" panose="020F0502020204030204" pitchFamily="34" charset="0"/>
+              <a:ea typeface="Calibri" panose="020F0502020204030204" pitchFamily="34" charset="0"/>
+              <a:cs typeface="Times New Roman" panose="02020603050405020304" pitchFamily="18" charset="0"/>
+            </a:endParaRPr>
+          </a:p>
+          <a:p>
+            <a:endParaRPr lang="en-US" dirty="0"/>
+          </a:p>
+        </p:txBody>
+      </p:sp>
+    </p:spTree>
+    <p:extLst>
+      <p:ext uri="{BB962C8B-B14F-4D97-AF65-F5344CB8AC3E}">
+        <p14:creationId xmlns:p14="http://schemas.microsoft.com/office/powerpoint/2010/main" val="563689277"/>
+      </p:ext>
+    </p:extLst>
+  </p:cSld>
+  <p:clrMapOvr>
+    <a:masterClrMapping/>
+  </p:clrMapOvr>
+</p:sld>
+</file>
+
+<file path=ppt/slides/slide33.xml><?xml version="1.0" encoding="utf-8"?>
+<p:sld xmlns:a="http://schemas.openxmlformats.org/drawingml/2006/main" xmlns:r="http://schemas.openxmlformats.org/officeDocument/2006/relationships" xmlns:p="http://schemas.openxmlformats.org/presentationml/2006/main">
+  <p:cSld>
+    <p:spTree>
+      <p:nvGrpSpPr>
+        <p:cNvPr id="1" name=""/>
+        <p:cNvGrpSpPr/>
+        <p:nvPr/>
+      </p:nvGrpSpPr>
+      <p:grpSpPr>
+        <a:xfrm>
+          <a:off x="0" y="0"/>
+          <a:ext cx="0" cy="0"/>
+          <a:chOff x="0" y="0"/>
+          <a:chExt cx="0" cy="0"/>
+        </a:xfrm>
+      </p:grpSpPr>
+      <p:pic>
+        <p:nvPicPr>
+          <p:cNvPr id="3" name="Picture 2">
+            <a:extLst>
+              <a:ext uri="{FF2B5EF4-FFF2-40B4-BE49-F238E27FC236}">
+                <a16:creationId xmlns:a16="http://schemas.microsoft.com/office/drawing/2014/main" id="{85BAC204-2297-423F-AB13-08FD9BE90343}"/>
+              </a:ext>
+            </a:extLst>
+          </p:cNvPr>
+          <p:cNvPicPr/>
+          <p:nvPr/>
+        </p:nvPicPr>
+        <p:blipFill>
+          <a:blip r:embed="rId2"/>
+          <a:stretch>
+            <a:fillRect/>
+          </a:stretch>
+        </p:blipFill>
+        <p:spPr>
+          <a:xfrm>
+            <a:off x="320842" y="336883"/>
+            <a:ext cx="4730750" cy="3653155"/>
+          </a:xfrm>
+          <a:prstGeom prst="rect">
+            <a:avLst/>
+          </a:prstGeom>
+        </p:spPr>
+      </p:pic>
+      <p:graphicFrame>
+        <p:nvGraphicFramePr>
+          <p:cNvPr id="6" name="Table 5">
+            <a:extLst>
+              <a:ext uri="{FF2B5EF4-FFF2-40B4-BE49-F238E27FC236}">
+                <a16:creationId xmlns:a16="http://schemas.microsoft.com/office/drawing/2014/main" id="{6ACD3D0F-89E4-4417-8A41-9B18D14B2C54}"/>
+              </a:ext>
+            </a:extLst>
+          </p:cNvPr>
+          <p:cNvGraphicFramePr>
+            <a:graphicFrameLocks noGrp="1"/>
+          </p:cNvGraphicFramePr>
+          <p:nvPr>
+            <p:extLst>
+              <p:ext uri="{D42A27DB-BD31-4B8C-83A1-F6EECF244321}">
+                <p14:modId xmlns:p14="http://schemas.microsoft.com/office/powerpoint/2010/main" val="478500033"/>
+              </p:ext>
+            </p:extLst>
+          </p:nvPr>
+        </p:nvGraphicFramePr>
+        <p:xfrm>
+          <a:off x="320842" y="4418505"/>
+          <a:ext cx="5965825" cy="1668145"/>
+        </p:xfrm>
+        <a:graphic>
+          <a:graphicData uri="http://schemas.openxmlformats.org/drawingml/2006/table">
+            <a:tbl>
+              <a:tblPr firstRow="1" firstCol="1" bandRow="1">
+                <a:tableStyleId>{5C22544A-7EE6-4342-B048-85BDC9FD1C3A}</a:tableStyleId>
+              </a:tblPr>
+              <a:tblGrid>
+                <a:gridCol w="1193165">
+                  <a:extLst>
+                    <a:ext uri="{9D8B030D-6E8A-4147-A177-3AD203B41FA5}">
+                      <a16:colId xmlns:a16="http://schemas.microsoft.com/office/drawing/2014/main" val="1127526337"/>
+                    </a:ext>
+                  </a:extLst>
+                </a:gridCol>
+                <a:gridCol w="1193165">
+                  <a:extLst>
+                    <a:ext uri="{9D8B030D-6E8A-4147-A177-3AD203B41FA5}">
+                      <a16:colId xmlns:a16="http://schemas.microsoft.com/office/drawing/2014/main" val="2641402823"/>
+                    </a:ext>
+                  </a:extLst>
+                </a:gridCol>
+                <a:gridCol w="1193165">
+                  <a:extLst>
+                    <a:ext uri="{9D8B030D-6E8A-4147-A177-3AD203B41FA5}">
+                      <a16:colId xmlns:a16="http://schemas.microsoft.com/office/drawing/2014/main" val="4251092866"/>
+                    </a:ext>
+                  </a:extLst>
+                </a:gridCol>
+                <a:gridCol w="1193165">
+                  <a:extLst>
+                    <a:ext uri="{9D8B030D-6E8A-4147-A177-3AD203B41FA5}">
+                      <a16:colId xmlns:a16="http://schemas.microsoft.com/office/drawing/2014/main" val="1473158066"/>
+                    </a:ext>
+                  </a:extLst>
+                </a:gridCol>
+                <a:gridCol w="1193165">
+                  <a:extLst>
+                    <a:ext uri="{9D8B030D-6E8A-4147-A177-3AD203B41FA5}">
+                      <a16:colId xmlns:a16="http://schemas.microsoft.com/office/drawing/2014/main" val="3927051357"/>
+                    </a:ext>
+                  </a:extLst>
+                </a:gridCol>
+              </a:tblGrid>
+              <a:tr h="280670">
+                <a:tc>
+                  <a:txBody>
+                    <a:bodyPr/>
+                    <a:lstStyle/>
+                    <a:p>
+                      <a:r>
+                        <a:rPr lang="en-US" sz="1200">
+                          <a:effectLst/>
+                        </a:rPr>
+                        <a:t> </a:t>
+                      </a:r>
+                      <a:endParaRPr lang="en-US" sz="1100">
+                        <a:effectLst/>
+                        <a:latin typeface="Calibri" panose="020F0502020204030204" pitchFamily="34" charset="0"/>
+                        <a:cs typeface="Times New Roman" panose="02020603050405020304" pitchFamily="18" charset="0"/>
+                      </a:endParaRPr>
+                    </a:p>
+                  </a:txBody>
+                  <a:tcPr marL="68580" marR="68580" marT="0" marB="0"/>
+                </a:tc>
+                <a:tc>
+                  <a:txBody>
+                    <a:bodyPr/>
+                    <a:lstStyle/>
+                    <a:p>
+                      <a:r>
+                        <a:rPr lang="en-US" sz="1200">
+                          <a:effectLst/>
+                        </a:rPr>
+                        <a:t>precision</a:t>
+                      </a:r>
+                      <a:endParaRPr lang="en-US" sz="1100">
+                        <a:effectLst/>
+                        <a:latin typeface="Calibri" panose="020F0502020204030204" pitchFamily="34" charset="0"/>
+                        <a:cs typeface="Times New Roman" panose="02020603050405020304" pitchFamily="18" charset="0"/>
+                      </a:endParaRPr>
+                    </a:p>
+                  </a:txBody>
+                  <a:tcPr marL="68580" marR="68580" marT="0" marB="0"/>
+                </a:tc>
+                <a:tc>
+                  <a:txBody>
+                    <a:bodyPr/>
+                    <a:lstStyle/>
+                    <a:p>
+                      <a:r>
+                        <a:rPr lang="en-US" sz="1200">
+                          <a:effectLst/>
+                        </a:rPr>
+                        <a:t>recall</a:t>
+                      </a:r>
+                      <a:endParaRPr lang="en-US" sz="1100">
+                        <a:effectLst/>
+                        <a:latin typeface="Calibri" panose="020F0502020204030204" pitchFamily="34" charset="0"/>
+                        <a:cs typeface="Times New Roman" panose="02020603050405020304" pitchFamily="18" charset="0"/>
+                      </a:endParaRPr>
+                    </a:p>
+                  </a:txBody>
+                  <a:tcPr marL="68580" marR="68580" marT="0" marB="0"/>
+                </a:tc>
+                <a:tc>
+                  <a:txBody>
+                    <a:bodyPr/>
+                    <a:lstStyle/>
+                    <a:p>
+                      <a:r>
+                        <a:rPr lang="en-US" sz="1200">
+                          <a:effectLst/>
+                        </a:rPr>
+                        <a:t>f1-score</a:t>
+                      </a:r>
+                      <a:endParaRPr lang="en-US" sz="1100">
+                        <a:effectLst/>
+                        <a:latin typeface="Calibri" panose="020F0502020204030204" pitchFamily="34" charset="0"/>
+                        <a:cs typeface="Times New Roman" panose="02020603050405020304" pitchFamily="18" charset="0"/>
+                      </a:endParaRPr>
+                    </a:p>
+                  </a:txBody>
+                  <a:tcPr marL="68580" marR="68580" marT="0" marB="0"/>
+                </a:tc>
+                <a:tc>
+                  <a:txBody>
+                    <a:bodyPr/>
+                    <a:lstStyle/>
+                    <a:p>
+                      <a:r>
+                        <a:rPr lang="en-US" sz="1200">
+                          <a:effectLst/>
+                        </a:rPr>
+                        <a:t>support</a:t>
+                      </a:r>
+                      <a:endParaRPr lang="en-US" sz="1100">
+                        <a:effectLst/>
+                        <a:latin typeface="Calibri" panose="020F0502020204030204" pitchFamily="34" charset="0"/>
+                        <a:cs typeface="Times New Roman" panose="02020603050405020304" pitchFamily="18" charset="0"/>
+                      </a:endParaRPr>
+                    </a:p>
+                  </a:txBody>
+                  <a:tcPr marL="68580" marR="68580" marT="0" marB="0"/>
+                </a:tc>
+                <a:extLst>
+                  <a:ext uri="{0D108BD9-81ED-4DB2-BD59-A6C34878D82A}">
+                    <a16:rowId xmlns:a16="http://schemas.microsoft.com/office/drawing/2014/main" val="1683045712"/>
+                  </a:ext>
+                </a:extLst>
+              </a:tr>
+              <a:tr h="280670">
+                <a:tc>
+                  <a:txBody>
+                    <a:bodyPr/>
+                    <a:lstStyle/>
+                    <a:p>
+                      <a:r>
+                        <a:rPr lang="en-US" sz="1200">
+                          <a:effectLst/>
+                        </a:rPr>
+                        <a:t>0</a:t>
+                      </a:r>
+                      <a:endParaRPr lang="en-US" sz="1100">
+                        <a:effectLst/>
+                        <a:latin typeface="Calibri" panose="020F0502020204030204" pitchFamily="34" charset="0"/>
+                        <a:cs typeface="Times New Roman" panose="02020603050405020304" pitchFamily="18" charset="0"/>
+                      </a:endParaRPr>
+                    </a:p>
+                  </a:txBody>
+                  <a:tcPr marL="68580" marR="68580" marT="0" marB="0"/>
+                </a:tc>
+                <a:tc>
+                  <a:txBody>
+                    <a:bodyPr/>
+                    <a:lstStyle/>
+                    <a:p>
+                      <a:r>
+                        <a:rPr lang="en-US" sz="1200">
+                          <a:effectLst/>
+                        </a:rPr>
+                        <a:t>0.91</a:t>
+                      </a:r>
+                      <a:endParaRPr lang="en-US" sz="1100">
+                        <a:effectLst/>
+                        <a:latin typeface="Calibri" panose="020F0502020204030204" pitchFamily="34" charset="0"/>
+                        <a:cs typeface="Times New Roman" panose="02020603050405020304" pitchFamily="18" charset="0"/>
+                      </a:endParaRPr>
+                    </a:p>
+                  </a:txBody>
+                  <a:tcPr marL="68580" marR="68580" marT="0" marB="0"/>
+                </a:tc>
+                <a:tc>
+                  <a:txBody>
+                    <a:bodyPr/>
+                    <a:lstStyle/>
+                    <a:p>
+                      <a:r>
+                        <a:rPr lang="en-US" sz="1200">
+                          <a:effectLst/>
+                        </a:rPr>
+                        <a:t>0.68</a:t>
+                      </a:r>
+                      <a:endParaRPr lang="en-US" sz="1100">
+                        <a:effectLst/>
+                        <a:latin typeface="Calibri" panose="020F0502020204030204" pitchFamily="34" charset="0"/>
+                        <a:cs typeface="Times New Roman" panose="02020603050405020304" pitchFamily="18" charset="0"/>
+                      </a:endParaRPr>
+                    </a:p>
+                  </a:txBody>
+                  <a:tcPr marL="68580" marR="68580" marT="0" marB="0"/>
+                </a:tc>
+                <a:tc>
+                  <a:txBody>
+                    <a:bodyPr/>
+                    <a:lstStyle/>
+                    <a:p>
+                      <a:r>
+                        <a:rPr lang="en-US" sz="1200">
+                          <a:effectLst/>
+                        </a:rPr>
+                        <a:t>0.78</a:t>
+                      </a:r>
+                      <a:endParaRPr lang="en-US" sz="1100">
+                        <a:effectLst/>
+                        <a:latin typeface="Calibri" panose="020F0502020204030204" pitchFamily="34" charset="0"/>
+                        <a:cs typeface="Times New Roman" panose="02020603050405020304" pitchFamily="18" charset="0"/>
+                      </a:endParaRPr>
+                    </a:p>
+                  </a:txBody>
+                  <a:tcPr marL="68580" marR="68580" marT="0" marB="0"/>
+                </a:tc>
+                <a:tc>
+                  <a:txBody>
+                    <a:bodyPr/>
+                    <a:lstStyle/>
+                    <a:p>
+                      <a:r>
+                        <a:rPr lang="en-US" sz="1200">
+                          <a:effectLst/>
+                        </a:rPr>
+                        <a:t>1524</a:t>
+                      </a:r>
+                      <a:endParaRPr lang="en-US" sz="1100">
+                        <a:effectLst/>
+                        <a:latin typeface="Calibri" panose="020F0502020204030204" pitchFamily="34" charset="0"/>
+                        <a:cs typeface="Times New Roman" panose="02020603050405020304" pitchFamily="18" charset="0"/>
+                      </a:endParaRPr>
+                    </a:p>
+                  </a:txBody>
+                  <a:tcPr marL="68580" marR="68580" marT="0" marB="0"/>
+                </a:tc>
+                <a:extLst>
+                  <a:ext uri="{0D108BD9-81ED-4DB2-BD59-A6C34878D82A}">
+                    <a16:rowId xmlns:a16="http://schemas.microsoft.com/office/drawing/2014/main" val="3858409897"/>
+                  </a:ext>
+                </a:extLst>
+              </a:tr>
+              <a:tr h="264795">
+                <a:tc>
+                  <a:txBody>
+                    <a:bodyPr/>
+                    <a:lstStyle/>
+                    <a:p>
+                      <a:r>
+                        <a:rPr lang="en-US" sz="1200">
+                          <a:effectLst/>
+                        </a:rPr>
+                        <a:t>1</a:t>
+                      </a:r>
+                      <a:endParaRPr lang="en-US" sz="1100">
+                        <a:effectLst/>
+                        <a:latin typeface="Calibri" panose="020F0502020204030204" pitchFamily="34" charset="0"/>
+                        <a:cs typeface="Times New Roman" panose="02020603050405020304" pitchFamily="18" charset="0"/>
+                      </a:endParaRPr>
+                    </a:p>
+                  </a:txBody>
+                  <a:tcPr marL="68580" marR="68580" marT="0" marB="0"/>
+                </a:tc>
+                <a:tc>
+                  <a:txBody>
+                    <a:bodyPr/>
+                    <a:lstStyle/>
+                    <a:p>
+                      <a:r>
+                        <a:rPr lang="en-US" sz="1200" dirty="0">
+                          <a:effectLst/>
+                        </a:rPr>
+                        <a:t>0.50</a:t>
+                      </a:r>
+                      <a:endParaRPr lang="en-US" sz="1100" dirty="0">
+                        <a:effectLst/>
+                        <a:latin typeface="Calibri" panose="020F0502020204030204" pitchFamily="34" charset="0"/>
+                        <a:cs typeface="Times New Roman" panose="02020603050405020304" pitchFamily="18" charset="0"/>
+                      </a:endParaRPr>
+                    </a:p>
+                  </a:txBody>
+                  <a:tcPr marL="68580" marR="68580" marT="0" marB="0"/>
+                </a:tc>
+                <a:tc>
+                  <a:txBody>
+                    <a:bodyPr/>
+                    <a:lstStyle/>
+                    <a:p>
+                      <a:r>
+                        <a:rPr lang="en-US" sz="1200">
+                          <a:effectLst/>
+                        </a:rPr>
+                        <a:t>0.82</a:t>
+                      </a:r>
+                      <a:endParaRPr lang="en-US" sz="1100">
+                        <a:effectLst/>
+                        <a:latin typeface="Calibri" panose="020F0502020204030204" pitchFamily="34" charset="0"/>
+                        <a:cs typeface="Times New Roman" panose="02020603050405020304" pitchFamily="18" charset="0"/>
+                      </a:endParaRPr>
+                    </a:p>
+                  </a:txBody>
+                  <a:tcPr marL="68580" marR="68580" marT="0" marB="0"/>
+                </a:tc>
+                <a:tc>
+                  <a:txBody>
+                    <a:bodyPr/>
+                    <a:lstStyle/>
+                    <a:p>
+                      <a:r>
+                        <a:rPr lang="en-US" sz="1200">
+                          <a:effectLst/>
+                        </a:rPr>
+                        <a:t>0.62</a:t>
+                      </a:r>
+                      <a:endParaRPr lang="en-US" sz="1100">
+                        <a:effectLst/>
+                        <a:latin typeface="Calibri" panose="020F0502020204030204" pitchFamily="34" charset="0"/>
+                        <a:cs typeface="Times New Roman" panose="02020603050405020304" pitchFamily="18" charset="0"/>
+                      </a:endParaRPr>
+                    </a:p>
+                  </a:txBody>
+                  <a:tcPr marL="68580" marR="68580" marT="0" marB="0"/>
+                </a:tc>
+                <a:tc>
+                  <a:txBody>
+                    <a:bodyPr/>
+                    <a:lstStyle/>
+                    <a:p>
+                      <a:r>
+                        <a:rPr lang="en-US" sz="1200">
+                          <a:effectLst/>
+                        </a:rPr>
+                        <a:t>589</a:t>
+                      </a:r>
+                      <a:endParaRPr lang="en-US" sz="1100">
+                        <a:effectLst/>
+                        <a:latin typeface="Calibri" panose="020F0502020204030204" pitchFamily="34" charset="0"/>
+                        <a:cs typeface="Times New Roman" panose="02020603050405020304" pitchFamily="18" charset="0"/>
+                      </a:endParaRPr>
+                    </a:p>
+                  </a:txBody>
+                  <a:tcPr marL="68580" marR="68580" marT="0" marB="0"/>
+                </a:tc>
+                <a:extLst>
+                  <a:ext uri="{0D108BD9-81ED-4DB2-BD59-A6C34878D82A}">
+                    <a16:rowId xmlns:a16="http://schemas.microsoft.com/office/drawing/2014/main" val="1258215388"/>
+                  </a:ext>
+                </a:extLst>
+              </a:tr>
+              <a:tr h="280670">
+                <a:tc>
+                  <a:txBody>
+                    <a:bodyPr/>
+                    <a:lstStyle/>
+                    <a:p>
+                      <a:r>
+                        <a:rPr lang="en-US" sz="1200">
+                          <a:effectLst/>
+                        </a:rPr>
+                        <a:t>accuracy</a:t>
+                      </a:r>
+                      <a:endParaRPr lang="en-US" sz="1100">
+                        <a:effectLst/>
+                        <a:latin typeface="Calibri" panose="020F0502020204030204" pitchFamily="34" charset="0"/>
+                        <a:cs typeface="Times New Roman" panose="02020603050405020304" pitchFamily="18" charset="0"/>
+                      </a:endParaRPr>
+                    </a:p>
+                  </a:txBody>
+                  <a:tcPr marL="68580" marR="68580" marT="0" marB="0"/>
+                </a:tc>
+                <a:tc>
+                  <a:txBody>
+                    <a:bodyPr/>
+                    <a:lstStyle/>
+                    <a:p>
+                      <a:pPr marL="0" marR="0" algn="r">
+                        <a:lnSpc>
+                          <a:spcPct val="107000"/>
+                        </a:lnSpc>
+                        <a:spcBef>
+                          <a:spcPts val="0"/>
+                        </a:spcBef>
+                        <a:spcAft>
+                          <a:spcPts val="0"/>
+                        </a:spcAft>
+                      </a:pPr>
+                      <a:r>
+                        <a:rPr lang="en-US" sz="1200" dirty="0">
+                          <a:effectLst/>
+                        </a:rPr>
+                        <a:t> </a:t>
+                      </a:r>
+                      <a:endParaRPr lang="en-US" sz="1100" dirty="0">
+                        <a:effectLst/>
+                        <a:latin typeface="Calibri" panose="020F0502020204030204" pitchFamily="34" charset="0"/>
+                        <a:ea typeface="Calibri" panose="020F0502020204030204" pitchFamily="34" charset="0"/>
+                        <a:cs typeface="Times New Roman" panose="02020603050405020304" pitchFamily="18" charset="0"/>
+                      </a:endParaRPr>
+                    </a:p>
+                  </a:txBody>
+                  <a:tcPr marL="68580" marR="68580" marT="0" marB="0"/>
+                </a:tc>
+                <a:tc>
+                  <a:txBody>
+                    <a:bodyPr/>
+                    <a:lstStyle/>
+                    <a:p>
+                      <a:pPr marL="0" marR="0" algn="r">
+                        <a:lnSpc>
+                          <a:spcPct val="107000"/>
+                        </a:lnSpc>
+                        <a:spcBef>
+                          <a:spcPts val="0"/>
+                        </a:spcBef>
+                        <a:spcAft>
+                          <a:spcPts val="0"/>
+                        </a:spcAft>
+                      </a:pPr>
+                      <a:r>
+                        <a:rPr lang="en-US" sz="1200">
+                          <a:effectLst/>
+                        </a:rPr>
+                        <a:t> </a:t>
+                      </a:r>
+                      <a:endParaRPr lang="en-US" sz="1100">
+                        <a:effectLst/>
+                        <a:latin typeface="Calibri" panose="020F0502020204030204" pitchFamily="34" charset="0"/>
+                        <a:ea typeface="Calibri" panose="020F0502020204030204" pitchFamily="34" charset="0"/>
+                        <a:cs typeface="Times New Roman" panose="02020603050405020304" pitchFamily="18" charset="0"/>
+                      </a:endParaRPr>
+                    </a:p>
+                  </a:txBody>
+                  <a:tcPr marL="68580" marR="68580" marT="0" marB="0"/>
+                </a:tc>
+                <a:tc>
+                  <a:txBody>
+                    <a:bodyPr/>
+                    <a:lstStyle/>
+                    <a:p>
+                      <a:pPr marL="0" marR="0" algn="r">
+                        <a:lnSpc>
+                          <a:spcPct val="107000"/>
+                        </a:lnSpc>
+                        <a:spcBef>
+                          <a:spcPts val="0"/>
+                        </a:spcBef>
+                        <a:spcAft>
+                          <a:spcPts val="0"/>
+                        </a:spcAft>
+                      </a:pPr>
+                      <a:r>
+                        <a:rPr lang="en-US" sz="1200">
+                          <a:effectLst/>
+                        </a:rPr>
+                        <a:t>0.72</a:t>
+                      </a:r>
+                      <a:endParaRPr lang="en-US" sz="1100">
+                        <a:effectLst/>
+                        <a:latin typeface="Calibri" panose="020F0502020204030204" pitchFamily="34" charset="0"/>
+                        <a:ea typeface="Calibri" panose="020F0502020204030204" pitchFamily="34" charset="0"/>
+                        <a:cs typeface="Times New Roman" panose="02020603050405020304" pitchFamily="18" charset="0"/>
+                      </a:endParaRPr>
+                    </a:p>
+                  </a:txBody>
+                  <a:tcPr marL="68580" marR="68580" marT="0" marB="0"/>
+                </a:tc>
+                <a:tc>
+                  <a:txBody>
+                    <a:bodyPr/>
+                    <a:lstStyle/>
+                    <a:p>
+                      <a:pPr marL="0" marR="0" algn="r">
+                        <a:lnSpc>
+                          <a:spcPct val="107000"/>
+                        </a:lnSpc>
+                        <a:spcBef>
+                          <a:spcPts val="0"/>
+                        </a:spcBef>
+                        <a:spcAft>
+                          <a:spcPts val="0"/>
+                        </a:spcAft>
+                      </a:pPr>
+                      <a:r>
+                        <a:rPr lang="en-US" sz="1200">
+                          <a:effectLst/>
+                        </a:rPr>
+                        <a:t>2113</a:t>
+                      </a:r>
+                      <a:endParaRPr lang="en-US" sz="1100">
+                        <a:effectLst/>
+                        <a:latin typeface="Calibri" panose="020F0502020204030204" pitchFamily="34" charset="0"/>
+                        <a:ea typeface="Calibri" panose="020F0502020204030204" pitchFamily="34" charset="0"/>
+                        <a:cs typeface="Times New Roman" panose="02020603050405020304" pitchFamily="18" charset="0"/>
+                      </a:endParaRPr>
+                    </a:p>
+                  </a:txBody>
+                  <a:tcPr marL="68580" marR="68580" marT="0" marB="0"/>
+                </a:tc>
+                <a:extLst>
+                  <a:ext uri="{0D108BD9-81ED-4DB2-BD59-A6C34878D82A}">
+                    <a16:rowId xmlns:a16="http://schemas.microsoft.com/office/drawing/2014/main" val="4222154575"/>
+                  </a:ext>
+                </a:extLst>
+              </a:tr>
+              <a:tr h="280670">
+                <a:tc>
+                  <a:txBody>
+                    <a:bodyPr/>
+                    <a:lstStyle/>
+                    <a:p>
+                      <a:r>
+                        <a:rPr lang="en-US" sz="1200">
+                          <a:effectLst/>
+                        </a:rPr>
+                        <a:t>macro avg</a:t>
+                      </a:r>
+                      <a:endParaRPr lang="en-US" sz="1100">
+                        <a:effectLst/>
+                        <a:latin typeface="Calibri" panose="020F0502020204030204" pitchFamily="34" charset="0"/>
+                        <a:cs typeface="Times New Roman" panose="02020603050405020304" pitchFamily="18" charset="0"/>
+                      </a:endParaRPr>
+                    </a:p>
+                  </a:txBody>
+                  <a:tcPr marL="68580" marR="68580" marT="0" marB="0"/>
+                </a:tc>
+                <a:tc>
+                  <a:txBody>
+                    <a:bodyPr/>
+                    <a:lstStyle/>
+                    <a:p>
+                      <a:pPr marL="0" marR="0" algn="r">
+                        <a:lnSpc>
+                          <a:spcPct val="107000"/>
+                        </a:lnSpc>
+                        <a:spcBef>
+                          <a:spcPts val="0"/>
+                        </a:spcBef>
+                        <a:spcAft>
+                          <a:spcPts val="0"/>
+                        </a:spcAft>
+                      </a:pPr>
+                      <a:r>
+                        <a:rPr lang="en-US" sz="1200">
+                          <a:effectLst/>
+                        </a:rPr>
+                        <a:t>0.70</a:t>
+                      </a:r>
+                      <a:endParaRPr lang="en-US" sz="1100">
+                        <a:effectLst/>
+                        <a:latin typeface="Calibri" panose="020F0502020204030204" pitchFamily="34" charset="0"/>
+                        <a:ea typeface="Calibri" panose="020F0502020204030204" pitchFamily="34" charset="0"/>
+                        <a:cs typeface="Times New Roman" panose="02020603050405020304" pitchFamily="18" charset="0"/>
+                      </a:endParaRPr>
+                    </a:p>
+                  </a:txBody>
+                  <a:tcPr marL="68580" marR="68580" marT="0" marB="0"/>
+                </a:tc>
+                <a:tc>
+                  <a:txBody>
+                    <a:bodyPr/>
+                    <a:lstStyle/>
+                    <a:p>
+                      <a:pPr marL="0" marR="0" algn="r">
+                        <a:lnSpc>
+                          <a:spcPct val="107000"/>
+                        </a:lnSpc>
+                        <a:spcBef>
+                          <a:spcPts val="0"/>
+                        </a:spcBef>
+                        <a:spcAft>
+                          <a:spcPts val="0"/>
+                        </a:spcAft>
+                      </a:pPr>
+                      <a:r>
+                        <a:rPr lang="en-US" sz="1200">
+                          <a:effectLst/>
+                        </a:rPr>
+                        <a:t>0.75</a:t>
+                      </a:r>
+                      <a:endParaRPr lang="en-US" sz="1100">
+                        <a:effectLst/>
+                        <a:latin typeface="Calibri" panose="020F0502020204030204" pitchFamily="34" charset="0"/>
+                        <a:ea typeface="Calibri" panose="020F0502020204030204" pitchFamily="34" charset="0"/>
+                        <a:cs typeface="Times New Roman" panose="02020603050405020304" pitchFamily="18" charset="0"/>
+                      </a:endParaRPr>
+                    </a:p>
+                  </a:txBody>
+                  <a:tcPr marL="68580" marR="68580" marT="0" marB="0"/>
+                </a:tc>
+                <a:tc>
+                  <a:txBody>
+                    <a:bodyPr/>
+                    <a:lstStyle/>
+                    <a:p>
+                      <a:pPr marL="0" marR="0" algn="r">
+                        <a:lnSpc>
+                          <a:spcPct val="107000"/>
+                        </a:lnSpc>
+                        <a:spcBef>
+                          <a:spcPts val="0"/>
+                        </a:spcBef>
+                        <a:spcAft>
+                          <a:spcPts val="0"/>
+                        </a:spcAft>
+                      </a:pPr>
+                      <a:r>
+                        <a:rPr lang="en-US" sz="1200">
+                          <a:effectLst/>
+                        </a:rPr>
+                        <a:t>0.70</a:t>
+                      </a:r>
+                      <a:endParaRPr lang="en-US" sz="1100">
+                        <a:effectLst/>
+                        <a:latin typeface="Calibri" panose="020F0502020204030204" pitchFamily="34" charset="0"/>
+                        <a:ea typeface="Calibri" panose="020F0502020204030204" pitchFamily="34" charset="0"/>
+                        <a:cs typeface="Times New Roman" panose="02020603050405020304" pitchFamily="18" charset="0"/>
+                      </a:endParaRPr>
+                    </a:p>
+                  </a:txBody>
+                  <a:tcPr marL="68580" marR="68580" marT="0" marB="0"/>
+                </a:tc>
+                <a:tc>
+                  <a:txBody>
+                    <a:bodyPr/>
+                    <a:lstStyle/>
+                    <a:p>
+                      <a:pPr marL="0" marR="0" algn="r">
+                        <a:lnSpc>
+                          <a:spcPct val="107000"/>
+                        </a:lnSpc>
+                        <a:spcBef>
+                          <a:spcPts val="0"/>
+                        </a:spcBef>
+                        <a:spcAft>
+                          <a:spcPts val="0"/>
+                        </a:spcAft>
+                      </a:pPr>
+                      <a:r>
+                        <a:rPr lang="en-US" sz="1200">
+                          <a:effectLst/>
+                        </a:rPr>
+                        <a:t>2113</a:t>
+                      </a:r>
+                      <a:endParaRPr lang="en-US" sz="1100">
+                        <a:effectLst/>
+                        <a:latin typeface="Calibri" panose="020F0502020204030204" pitchFamily="34" charset="0"/>
+                        <a:ea typeface="Calibri" panose="020F0502020204030204" pitchFamily="34" charset="0"/>
+                        <a:cs typeface="Times New Roman" panose="02020603050405020304" pitchFamily="18" charset="0"/>
+                      </a:endParaRPr>
+                    </a:p>
+                  </a:txBody>
+                  <a:tcPr marL="68580" marR="68580" marT="0" marB="0"/>
+                </a:tc>
+                <a:extLst>
+                  <a:ext uri="{0D108BD9-81ED-4DB2-BD59-A6C34878D82A}">
+                    <a16:rowId xmlns:a16="http://schemas.microsoft.com/office/drawing/2014/main" val="2660116374"/>
+                  </a:ext>
+                </a:extLst>
+              </a:tr>
+              <a:tr h="280670">
+                <a:tc>
+                  <a:txBody>
+                    <a:bodyPr/>
+                    <a:lstStyle/>
+                    <a:p>
+                      <a:r>
+                        <a:rPr lang="en-US" sz="1200">
+                          <a:effectLst/>
+                        </a:rPr>
+                        <a:t>weighted avg</a:t>
+                      </a:r>
+                      <a:endParaRPr lang="en-US" sz="1100">
+                        <a:effectLst/>
+                        <a:latin typeface="Calibri" panose="020F0502020204030204" pitchFamily="34" charset="0"/>
+                        <a:cs typeface="Times New Roman" panose="02020603050405020304" pitchFamily="18" charset="0"/>
+                      </a:endParaRPr>
+                    </a:p>
+                  </a:txBody>
+                  <a:tcPr marL="68580" marR="68580" marT="0" marB="0"/>
+                </a:tc>
+                <a:tc>
+                  <a:txBody>
+                    <a:bodyPr/>
+                    <a:lstStyle/>
+                    <a:p>
+                      <a:pPr marL="0" marR="0" algn="r">
+                        <a:lnSpc>
+                          <a:spcPct val="107000"/>
+                        </a:lnSpc>
+                        <a:spcBef>
+                          <a:spcPts val="0"/>
+                        </a:spcBef>
+                        <a:spcAft>
+                          <a:spcPts val="0"/>
+                        </a:spcAft>
+                      </a:pPr>
+                      <a:r>
+                        <a:rPr lang="en-US" sz="1200">
+                          <a:effectLst/>
+                        </a:rPr>
+                        <a:t>0.79</a:t>
+                      </a:r>
+                      <a:endParaRPr lang="en-US" sz="1100">
+                        <a:effectLst/>
+                        <a:latin typeface="Calibri" panose="020F0502020204030204" pitchFamily="34" charset="0"/>
+                        <a:ea typeface="Calibri" panose="020F0502020204030204" pitchFamily="34" charset="0"/>
+                        <a:cs typeface="Times New Roman" panose="02020603050405020304" pitchFamily="18" charset="0"/>
+                      </a:endParaRPr>
+                    </a:p>
+                  </a:txBody>
+                  <a:tcPr marL="68580" marR="68580" marT="0" marB="0"/>
+                </a:tc>
+                <a:tc>
+                  <a:txBody>
+                    <a:bodyPr/>
+                    <a:lstStyle/>
+                    <a:p>
+                      <a:pPr marL="0" marR="0" algn="r">
+                        <a:lnSpc>
+                          <a:spcPct val="107000"/>
+                        </a:lnSpc>
+                        <a:spcBef>
+                          <a:spcPts val="0"/>
+                        </a:spcBef>
+                        <a:spcAft>
+                          <a:spcPts val="0"/>
+                        </a:spcAft>
+                      </a:pPr>
+                      <a:r>
+                        <a:rPr lang="en-US" sz="1200">
+                          <a:effectLst/>
+                        </a:rPr>
+                        <a:t>0.72</a:t>
+                      </a:r>
+                      <a:endParaRPr lang="en-US" sz="1100">
+                        <a:effectLst/>
+                        <a:latin typeface="Calibri" panose="020F0502020204030204" pitchFamily="34" charset="0"/>
+                        <a:ea typeface="Calibri" panose="020F0502020204030204" pitchFamily="34" charset="0"/>
+                        <a:cs typeface="Times New Roman" panose="02020603050405020304" pitchFamily="18" charset="0"/>
+                      </a:endParaRPr>
+                    </a:p>
+                  </a:txBody>
+                  <a:tcPr marL="68580" marR="68580" marT="0" marB="0"/>
+                </a:tc>
+                <a:tc>
+                  <a:txBody>
+                    <a:bodyPr/>
+                    <a:lstStyle/>
+                    <a:p>
+                      <a:pPr marL="0" marR="0" algn="r">
+                        <a:lnSpc>
+                          <a:spcPct val="107000"/>
+                        </a:lnSpc>
+                        <a:spcBef>
+                          <a:spcPts val="0"/>
+                        </a:spcBef>
+                        <a:spcAft>
+                          <a:spcPts val="0"/>
+                        </a:spcAft>
+                      </a:pPr>
+                      <a:r>
+                        <a:rPr lang="en-US" sz="1200">
+                          <a:effectLst/>
+                        </a:rPr>
+                        <a:t>0.73</a:t>
+                      </a:r>
+                      <a:endParaRPr lang="en-US" sz="1100">
+                        <a:effectLst/>
+                        <a:latin typeface="Calibri" panose="020F0502020204030204" pitchFamily="34" charset="0"/>
+                        <a:ea typeface="Calibri" panose="020F0502020204030204" pitchFamily="34" charset="0"/>
+                        <a:cs typeface="Times New Roman" panose="02020603050405020304" pitchFamily="18" charset="0"/>
+                      </a:endParaRPr>
+                    </a:p>
+                  </a:txBody>
+                  <a:tcPr marL="68580" marR="68580" marT="0" marB="0"/>
+                </a:tc>
+                <a:tc>
+                  <a:txBody>
+                    <a:bodyPr/>
+                    <a:lstStyle/>
+                    <a:p>
+                      <a:pPr marL="0" marR="0" algn="r">
+                        <a:lnSpc>
+                          <a:spcPct val="107000"/>
+                        </a:lnSpc>
+                        <a:spcBef>
+                          <a:spcPts val="0"/>
+                        </a:spcBef>
+                        <a:spcAft>
+                          <a:spcPts val="0"/>
+                        </a:spcAft>
+                      </a:pPr>
+                      <a:r>
+                        <a:rPr lang="en-US" sz="1200" dirty="0">
+                          <a:effectLst/>
+                        </a:rPr>
+                        <a:t>2113</a:t>
+                      </a:r>
+                      <a:endParaRPr lang="en-US" sz="1100" dirty="0">
+                        <a:effectLst/>
+                        <a:latin typeface="Calibri" panose="020F0502020204030204" pitchFamily="34" charset="0"/>
+                        <a:ea typeface="Calibri" panose="020F0502020204030204" pitchFamily="34" charset="0"/>
+                        <a:cs typeface="Times New Roman" panose="02020603050405020304" pitchFamily="18" charset="0"/>
+                      </a:endParaRPr>
+                    </a:p>
+                  </a:txBody>
+                  <a:tcPr marL="68580" marR="68580" marT="0" marB="0"/>
+                </a:tc>
+                <a:extLst>
+                  <a:ext uri="{0D108BD9-81ED-4DB2-BD59-A6C34878D82A}">
+                    <a16:rowId xmlns:a16="http://schemas.microsoft.com/office/drawing/2014/main" val="3024610123"/>
+                  </a:ext>
+                </a:extLst>
+              </a:tr>
+            </a:tbl>
+          </a:graphicData>
+        </a:graphic>
+      </p:graphicFrame>
+    </p:spTree>
+    <p:extLst>
+      <p:ext uri="{BB962C8B-B14F-4D97-AF65-F5344CB8AC3E}">
+        <p14:creationId xmlns:p14="http://schemas.microsoft.com/office/powerpoint/2010/main" val="2897181359"/>
+      </p:ext>
+    </p:extLst>
+  </p:cSld>
+  <p:clrMapOvr>
+    <a:masterClrMapping/>
+  </p:clrMapOvr>
+</p:sld>
+</file>
+
+<file path=ppt/slides/slide34.xml><?xml version="1.0" encoding="utf-8"?>
+<p:sld xmlns:a="http://schemas.openxmlformats.org/drawingml/2006/main" xmlns:r="http://schemas.openxmlformats.org/officeDocument/2006/relationships" xmlns:p="http://schemas.openxmlformats.org/presentationml/2006/main">
+  <p:cSld>
+    <p:spTree>
+      <p:nvGrpSpPr>
+        <p:cNvPr id="1" name=""/>
+        <p:cNvGrpSpPr/>
+        <p:nvPr/>
+      </p:nvGrpSpPr>
+      <p:grpSpPr>
+        <a:xfrm>
+          <a:off x="0" y="0"/>
+          <a:ext cx="0" cy="0"/>
+          <a:chOff x="0" y="0"/>
+          <a:chExt cx="0" cy="0"/>
+        </a:xfrm>
+      </p:grpSpPr>
+      <p:sp>
+        <p:nvSpPr>
+          <p:cNvPr id="2" name="TextBox 1">
+            <a:extLst>
+              <a:ext uri="{FF2B5EF4-FFF2-40B4-BE49-F238E27FC236}">
+                <a16:creationId xmlns:a16="http://schemas.microsoft.com/office/drawing/2014/main" id="{52C4EE48-42A6-4368-8DA0-CAA97854758D}"/>
+              </a:ext>
+            </a:extLst>
+          </p:cNvPr>
+          <p:cNvSpPr txBox="1"/>
+          <p:nvPr/>
+        </p:nvSpPr>
+        <p:spPr>
+          <a:xfrm>
+            <a:off x="352926" y="561474"/>
+            <a:ext cx="11614485" cy="6220293"/>
+          </a:xfrm>
+          <a:prstGeom prst="rect">
+            <a:avLst/>
+          </a:prstGeom>
+          <a:noFill/>
+        </p:spPr>
+        <p:txBody>
+          <a:bodyPr wrap="square" rtlCol="0">
+            <a:spAutoFit/>
+          </a:bodyPr>
+          <a:lstStyle/>
+          <a:p>
+            <a:pPr marL="0" marR="0" algn="just">
+              <a:lnSpc>
+                <a:spcPct val="107000"/>
+              </a:lnSpc>
+              <a:spcBef>
+                <a:spcPts val="0"/>
+              </a:spcBef>
+              <a:spcAft>
+                <a:spcPts val="800"/>
+              </a:spcAft>
+            </a:pPr>
+            <a:endParaRPr lang="en-US" sz="1800" dirty="0">
+              <a:effectLst/>
+              <a:latin typeface="Times New Roman" panose="02020603050405020304" pitchFamily="18" charset="0"/>
+              <a:ea typeface="Calibri" panose="020F0502020204030204" pitchFamily="34" charset="0"/>
+              <a:cs typeface="Times New Roman" panose="02020603050405020304" pitchFamily="18" charset="0"/>
+            </a:endParaRPr>
+          </a:p>
+          <a:p>
+            <a:pPr marL="0" marR="0" algn="just">
+              <a:lnSpc>
+                <a:spcPct val="107000"/>
+              </a:lnSpc>
+              <a:spcBef>
+                <a:spcPts val="0"/>
+              </a:spcBef>
+              <a:spcAft>
+                <a:spcPts val="800"/>
+              </a:spcAft>
+            </a:pPr>
+            <a:endParaRPr lang="en-US" dirty="0">
+              <a:latin typeface="Times New Roman" panose="02020603050405020304" pitchFamily="18" charset="0"/>
+              <a:ea typeface="Calibri" panose="020F0502020204030204" pitchFamily="34" charset="0"/>
+              <a:cs typeface="Times New Roman" panose="02020603050405020304" pitchFamily="18" charset="0"/>
+            </a:endParaRPr>
+          </a:p>
+          <a:p>
+            <a:pPr marL="0" marR="0" algn="just">
+              <a:lnSpc>
+                <a:spcPct val="107000"/>
+              </a:lnSpc>
+              <a:spcBef>
+                <a:spcPts val="0"/>
+              </a:spcBef>
+              <a:spcAft>
+                <a:spcPts val="800"/>
+              </a:spcAft>
+            </a:pPr>
+            <a:endParaRPr lang="en-US" sz="1800" dirty="0">
+              <a:effectLst/>
+              <a:latin typeface="Times New Roman" panose="02020603050405020304" pitchFamily="18" charset="0"/>
+              <a:ea typeface="Calibri" panose="020F0502020204030204" pitchFamily="34" charset="0"/>
+              <a:cs typeface="Times New Roman" panose="02020603050405020304" pitchFamily="18" charset="0"/>
+            </a:endParaRPr>
+          </a:p>
+          <a:p>
+            <a:pPr marL="0" marR="0" algn="just">
+              <a:lnSpc>
+                <a:spcPct val="107000"/>
+              </a:lnSpc>
+              <a:spcBef>
+                <a:spcPts val="0"/>
+              </a:spcBef>
+              <a:spcAft>
+                <a:spcPts val="800"/>
+              </a:spcAft>
+            </a:pPr>
+            <a:endParaRPr lang="en-US" dirty="0">
+              <a:latin typeface="Times New Roman" panose="02020603050405020304" pitchFamily="18" charset="0"/>
+              <a:ea typeface="Calibri" panose="020F0502020204030204" pitchFamily="34" charset="0"/>
+              <a:cs typeface="Times New Roman" panose="02020603050405020304" pitchFamily="18" charset="0"/>
+            </a:endParaRPr>
+          </a:p>
+          <a:p>
+            <a:pPr marL="0" marR="0" algn="just">
+              <a:lnSpc>
+                <a:spcPct val="107000"/>
+              </a:lnSpc>
+              <a:spcBef>
+                <a:spcPts val="0"/>
+              </a:spcBef>
+              <a:spcAft>
+                <a:spcPts val="800"/>
+              </a:spcAft>
+            </a:pPr>
+            <a:endParaRPr lang="en-US" sz="1800" dirty="0">
+              <a:effectLst/>
+              <a:latin typeface="Times New Roman" panose="02020603050405020304" pitchFamily="18" charset="0"/>
+              <a:ea typeface="Calibri" panose="020F0502020204030204" pitchFamily="34" charset="0"/>
+              <a:cs typeface="Times New Roman" panose="02020603050405020304" pitchFamily="18" charset="0"/>
+            </a:endParaRPr>
+          </a:p>
+          <a:p>
+            <a:pPr marL="0" marR="0" algn="just">
+              <a:lnSpc>
+                <a:spcPct val="107000"/>
+              </a:lnSpc>
+              <a:spcBef>
+                <a:spcPts val="0"/>
+              </a:spcBef>
+              <a:spcAft>
+                <a:spcPts val="800"/>
+              </a:spcAft>
+            </a:pPr>
+            <a:endParaRPr lang="en-US" dirty="0">
+              <a:latin typeface="Times New Roman" panose="02020603050405020304" pitchFamily="18" charset="0"/>
+              <a:ea typeface="Calibri" panose="020F0502020204030204" pitchFamily="34" charset="0"/>
+              <a:cs typeface="Times New Roman" panose="02020603050405020304" pitchFamily="18" charset="0"/>
+            </a:endParaRPr>
+          </a:p>
+          <a:p>
+            <a:pPr marL="0" marR="0" algn="just">
+              <a:lnSpc>
+                <a:spcPct val="107000"/>
+              </a:lnSpc>
+              <a:spcBef>
+                <a:spcPts val="0"/>
+              </a:spcBef>
+              <a:spcAft>
+                <a:spcPts val="800"/>
+              </a:spcAft>
+            </a:pPr>
+            <a:endParaRPr lang="en-US" sz="1800" dirty="0">
+              <a:effectLst/>
+              <a:latin typeface="Times New Roman" panose="02020603050405020304" pitchFamily="18" charset="0"/>
+              <a:ea typeface="Calibri" panose="020F0502020204030204" pitchFamily="34" charset="0"/>
+              <a:cs typeface="Times New Roman" panose="02020603050405020304" pitchFamily="18" charset="0"/>
+            </a:endParaRPr>
+          </a:p>
+          <a:p>
+            <a:pPr marL="0" marR="0" algn="just">
+              <a:lnSpc>
+                <a:spcPct val="107000"/>
+              </a:lnSpc>
+              <a:spcBef>
+                <a:spcPts val="0"/>
+              </a:spcBef>
+              <a:spcAft>
+                <a:spcPts val="800"/>
+              </a:spcAft>
+            </a:pPr>
+            <a:r>
+              <a:rPr lang="en-US" sz="1800" dirty="0">
+                <a:effectLst/>
+                <a:latin typeface="Times New Roman" panose="02020603050405020304" pitchFamily="18" charset="0"/>
+                <a:ea typeface="Calibri" panose="020F0502020204030204" pitchFamily="34" charset="0"/>
+                <a:cs typeface="Times New Roman" panose="02020603050405020304" pitchFamily="18" charset="0"/>
+              </a:rPr>
+              <a:t>We have also included some ensemble methods which use bagging and boosting to see what performance we get for our dataset, to start with we used Random Forest Classifier.</a:t>
+            </a:r>
+            <a:endParaRPr lang="en-US" sz="1800" dirty="0">
+              <a:effectLst/>
+              <a:latin typeface="Calibri" panose="020F0502020204030204" pitchFamily="34" charset="0"/>
+              <a:ea typeface="Calibri" panose="020F0502020204030204" pitchFamily="34" charset="0"/>
+              <a:cs typeface="Times New Roman" panose="02020603050405020304" pitchFamily="18" charset="0"/>
+            </a:endParaRPr>
+          </a:p>
+          <a:p>
+            <a:pPr marL="0" marR="0">
+              <a:lnSpc>
+                <a:spcPct val="107000"/>
+              </a:lnSpc>
+              <a:spcBef>
+                <a:spcPts val="0"/>
+              </a:spcBef>
+              <a:spcAft>
+                <a:spcPts val="800"/>
+              </a:spcAft>
+            </a:pPr>
+            <a:r>
+              <a:rPr lang="en-US" sz="1800" dirty="0">
+                <a:effectLst/>
+                <a:latin typeface="Times New Roman" panose="02020603050405020304" pitchFamily="18" charset="0"/>
+                <a:ea typeface="Calibri" panose="020F0502020204030204" pitchFamily="34" charset="0"/>
+                <a:cs typeface="Times New Roman" panose="02020603050405020304" pitchFamily="18" charset="0"/>
+              </a:rPr>
+              <a:t> </a:t>
+            </a:r>
+            <a:endParaRPr lang="en-US" sz="1800" dirty="0">
+              <a:effectLst/>
+              <a:latin typeface="Calibri" panose="020F0502020204030204" pitchFamily="34" charset="0"/>
+              <a:ea typeface="Calibri" panose="020F0502020204030204" pitchFamily="34" charset="0"/>
+              <a:cs typeface="Times New Roman" panose="02020603050405020304" pitchFamily="18" charset="0"/>
+            </a:endParaRPr>
+          </a:p>
+          <a:p>
+            <a:pPr marL="0" marR="0">
+              <a:lnSpc>
+                <a:spcPct val="107000"/>
+              </a:lnSpc>
+              <a:spcBef>
+                <a:spcPts val="0"/>
+              </a:spcBef>
+              <a:spcAft>
+                <a:spcPts val="800"/>
+              </a:spcAft>
+            </a:pPr>
+            <a:r>
+              <a:rPr lang="en-US" sz="1800" b="1" dirty="0">
+                <a:effectLst/>
+                <a:latin typeface="Times New Roman" panose="02020603050405020304" pitchFamily="18" charset="0"/>
+                <a:ea typeface="Calibri" panose="020F0502020204030204" pitchFamily="34" charset="0"/>
+                <a:cs typeface="Times New Roman" panose="02020603050405020304" pitchFamily="18" charset="0"/>
+              </a:rPr>
+              <a:t>Random Forest</a:t>
+            </a:r>
+            <a:endParaRPr lang="en-US" sz="1800" dirty="0">
+              <a:effectLst/>
+              <a:latin typeface="Calibri" panose="020F0502020204030204" pitchFamily="34" charset="0"/>
+              <a:ea typeface="Calibri" panose="020F0502020204030204" pitchFamily="34" charset="0"/>
+              <a:cs typeface="Times New Roman" panose="02020603050405020304" pitchFamily="18" charset="0"/>
+            </a:endParaRPr>
+          </a:p>
+          <a:p>
+            <a:pPr marL="0" marR="0" algn="just">
+              <a:lnSpc>
+                <a:spcPct val="107000"/>
+              </a:lnSpc>
+              <a:spcBef>
+                <a:spcPts val="0"/>
+              </a:spcBef>
+              <a:spcAft>
+                <a:spcPts val="800"/>
+              </a:spcAft>
+            </a:pPr>
+            <a:r>
+              <a:rPr lang="en-US" sz="1800" dirty="0">
+                <a:effectLst/>
+                <a:latin typeface="Times New Roman" panose="02020603050405020304" pitchFamily="18" charset="0"/>
+                <a:ea typeface="Calibri" panose="020F0502020204030204" pitchFamily="34" charset="0"/>
+                <a:cs typeface="Times New Roman" panose="02020603050405020304" pitchFamily="18" charset="0"/>
+              </a:rPr>
+              <a:t>Random Forest is an ensemble classifier which basically means it uses many base classifiers, here the base classifier mostly used is decision tree classifier. Random Forest uses bagging technique, it trains many classifiers in parallel, there is no interaction between these trees while building the trees. Once all the trees are built then voting or average is taken across all the trees. </a:t>
+            </a:r>
+            <a:endParaRPr lang="en-US" sz="1800" dirty="0">
+              <a:effectLst/>
+              <a:latin typeface="Calibri" panose="020F0502020204030204" pitchFamily="34" charset="0"/>
+              <a:ea typeface="Calibri" panose="020F0502020204030204" pitchFamily="34" charset="0"/>
+              <a:cs typeface="Times New Roman" panose="02020603050405020304" pitchFamily="18" charset="0"/>
+            </a:endParaRPr>
+          </a:p>
+          <a:p>
+            <a:r>
+              <a:rPr lang="en-US" sz="1800" dirty="0">
+                <a:effectLst/>
+                <a:latin typeface="Times New Roman" panose="02020603050405020304" pitchFamily="18" charset="0"/>
+                <a:ea typeface="Calibri" panose="020F0502020204030204" pitchFamily="34" charset="0"/>
+              </a:rPr>
+              <a:t>Similar to previous methods before training random forest classifier we have normalized the data and split it into train and test. The model is trained on training data and is evaluated using a</a:t>
+            </a:r>
+            <a:endParaRPr lang="en-US" dirty="0"/>
+          </a:p>
+        </p:txBody>
+      </p:sp>
+      <p:pic>
+        <p:nvPicPr>
+          <p:cNvPr id="3" name="Picture 2">
+            <a:extLst>
+              <a:ext uri="{FF2B5EF4-FFF2-40B4-BE49-F238E27FC236}">
+                <a16:creationId xmlns:a16="http://schemas.microsoft.com/office/drawing/2014/main" id="{747BE036-1C88-4523-8A80-580ADA3F863D}"/>
+              </a:ext>
+            </a:extLst>
+          </p:cNvPr>
+          <p:cNvPicPr/>
+          <p:nvPr/>
+        </p:nvPicPr>
+        <p:blipFill>
+          <a:blip r:embed="rId2"/>
+          <a:stretch>
+            <a:fillRect/>
+          </a:stretch>
+        </p:blipFill>
+        <p:spPr>
+          <a:xfrm>
+            <a:off x="635250" y="317583"/>
+            <a:ext cx="3959225" cy="2886075"/>
+          </a:xfrm>
+          <a:prstGeom prst="rect">
+            <a:avLst/>
+          </a:prstGeom>
+        </p:spPr>
+      </p:pic>
+    </p:spTree>
+    <p:extLst>
+      <p:ext uri="{BB962C8B-B14F-4D97-AF65-F5344CB8AC3E}">
+        <p14:creationId xmlns:p14="http://schemas.microsoft.com/office/powerpoint/2010/main" val="978045845"/>
+      </p:ext>
+    </p:extLst>
+  </p:cSld>
+  <p:clrMapOvr>
+    <a:masterClrMapping/>
+  </p:clrMapOvr>
+</p:sld>
+</file>
+
+<file path=ppt/slides/slide35.xml><?xml version="1.0" encoding="utf-8"?>
+<p:sld xmlns:a="http://schemas.openxmlformats.org/drawingml/2006/main" xmlns:r="http://schemas.openxmlformats.org/officeDocument/2006/relationships" xmlns:p="http://schemas.openxmlformats.org/presentationml/2006/main">
+  <p:cSld>
+    <p:spTree>
+      <p:nvGrpSpPr>
+        <p:cNvPr id="1" name=""/>
+        <p:cNvGrpSpPr/>
+        <p:nvPr/>
+      </p:nvGrpSpPr>
+      <p:grpSpPr>
+        <a:xfrm>
+          <a:off x="0" y="0"/>
+          <a:ext cx="0" cy="0"/>
+          <a:chOff x="0" y="0"/>
+          <a:chExt cx="0" cy="0"/>
+        </a:xfrm>
+      </p:grpSpPr>
+      <p:sp>
+        <p:nvSpPr>
+          <p:cNvPr id="3" name="TextBox 2">
+            <a:extLst>
+              <a:ext uri="{FF2B5EF4-FFF2-40B4-BE49-F238E27FC236}">
+                <a16:creationId xmlns:a16="http://schemas.microsoft.com/office/drawing/2014/main" id="{66C74F2E-A987-4BC2-B18B-1F1EE62AA820}"/>
+              </a:ext>
+            </a:extLst>
+          </p:cNvPr>
+          <p:cNvSpPr txBox="1"/>
+          <p:nvPr/>
+        </p:nvSpPr>
+        <p:spPr>
+          <a:xfrm>
+            <a:off x="160421" y="288758"/>
+            <a:ext cx="11871158" cy="646331"/>
+          </a:xfrm>
+          <a:prstGeom prst="rect">
+            <a:avLst/>
+          </a:prstGeom>
+          <a:noFill/>
+        </p:spPr>
+        <p:txBody>
+          <a:bodyPr wrap="square" rtlCol="0">
+            <a:spAutoFit/>
+          </a:bodyPr>
+          <a:lstStyle/>
+          <a:p>
+            <a:r>
+              <a:rPr lang="en-US" sz="1800">
+                <a:effectLst/>
+                <a:latin typeface="Times New Roman" panose="02020603050405020304" pitchFamily="18" charset="0"/>
+                <a:ea typeface="Calibri" panose="020F0502020204030204" pitchFamily="34" charset="0"/>
+              </a:rPr>
+              <a:t>separately held out test data. Following are the performance metrics we are getting starting with accuracy score of ~ 0.766. Further metrics like precision, recall, F1 Score and ROC-AUC are shown below:</a:t>
+            </a:r>
+            <a:endParaRPr lang="en-US" dirty="0"/>
+          </a:p>
+        </p:txBody>
+      </p:sp>
+      <p:pic>
+        <p:nvPicPr>
+          <p:cNvPr id="4" name="Picture 3">
+            <a:extLst>
+              <a:ext uri="{FF2B5EF4-FFF2-40B4-BE49-F238E27FC236}">
+                <a16:creationId xmlns:a16="http://schemas.microsoft.com/office/drawing/2014/main" id="{C3D4B8B5-701B-47D0-977A-8A18AD8DB46D}"/>
+              </a:ext>
+            </a:extLst>
+          </p:cNvPr>
+          <p:cNvPicPr/>
+          <p:nvPr/>
+        </p:nvPicPr>
+        <p:blipFill>
+          <a:blip r:embed="rId2"/>
+          <a:stretch>
+            <a:fillRect/>
+          </a:stretch>
+        </p:blipFill>
+        <p:spPr>
+          <a:xfrm>
+            <a:off x="397042" y="1129765"/>
+            <a:ext cx="6308558" cy="3458277"/>
+          </a:xfrm>
+          <a:prstGeom prst="rect">
+            <a:avLst/>
+          </a:prstGeom>
+        </p:spPr>
+      </p:pic>
+      <p:graphicFrame>
+        <p:nvGraphicFramePr>
+          <p:cNvPr id="5" name="Table 4">
+            <a:extLst>
+              <a:ext uri="{FF2B5EF4-FFF2-40B4-BE49-F238E27FC236}">
+                <a16:creationId xmlns:a16="http://schemas.microsoft.com/office/drawing/2014/main" id="{BEE795EE-94F4-4ADE-B973-FB733BAB18E2}"/>
+              </a:ext>
+            </a:extLst>
+          </p:cNvPr>
+          <p:cNvGraphicFramePr>
+            <a:graphicFrameLocks noGrp="1"/>
+          </p:cNvGraphicFramePr>
+          <p:nvPr>
+            <p:extLst>
+              <p:ext uri="{D42A27DB-BD31-4B8C-83A1-F6EECF244321}">
+                <p14:modId xmlns:p14="http://schemas.microsoft.com/office/powerpoint/2010/main" val="591265133"/>
+              </p:ext>
+            </p:extLst>
+          </p:nvPr>
+        </p:nvGraphicFramePr>
+        <p:xfrm>
+          <a:off x="397042" y="4782718"/>
+          <a:ext cx="5965825" cy="1668145"/>
+        </p:xfrm>
+        <a:graphic>
+          <a:graphicData uri="http://schemas.openxmlformats.org/drawingml/2006/table">
+            <a:tbl>
+              <a:tblPr firstRow="1" firstCol="1" bandRow="1">
+                <a:tableStyleId>{5C22544A-7EE6-4342-B048-85BDC9FD1C3A}</a:tableStyleId>
+              </a:tblPr>
+              <a:tblGrid>
+                <a:gridCol w="1193165">
+                  <a:extLst>
+                    <a:ext uri="{9D8B030D-6E8A-4147-A177-3AD203B41FA5}">
+                      <a16:colId xmlns:a16="http://schemas.microsoft.com/office/drawing/2014/main" val="473558824"/>
+                    </a:ext>
+                  </a:extLst>
+                </a:gridCol>
+                <a:gridCol w="1193165">
+                  <a:extLst>
+                    <a:ext uri="{9D8B030D-6E8A-4147-A177-3AD203B41FA5}">
+                      <a16:colId xmlns:a16="http://schemas.microsoft.com/office/drawing/2014/main" val="3951394141"/>
+                    </a:ext>
+                  </a:extLst>
+                </a:gridCol>
+                <a:gridCol w="1193165">
+                  <a:extLst>
+                    <a:ext uri="{9D8B030D-6E8A-4147-A177-3AD203B41FA5}">
+                      <a16:colId xmlns:a16="http://schemas.microsoft.com/office/drawing/2014/main" val="297695243"/>
+                    </a:ext>
+                  </a:extLst>
+                </a:gridCol>
+                <a:gridCol w="1193165">
+                  <a:extLst>
+                    <a:ext uri="{9D8B030D-6E8A-4147-A177-3AD203B41FA5}">
+                      <a16:colId xmlns:a16="http://schemas.microsoft.com/office/drawing/2014/main" val="843996218"/>
+                    </a:ext>
+                  </a:extLst>
+                </a:gridCol>
+                <a:gridCol w="1193165">
+                  <a:extLst>
+                    <a:ext uri="{9D8B030D-6E8A-4147-A177-3AD203B41FA5}">
+                      <a16:colId xmlns:a16="http://schemas.microsoft.com/office/drawing/2014/main" val="3474027491"/>
+                    </a:ext>
+                  </a:extLst>
+                </a:gridCol>
+              </a:tblGrid>
+              <a:tr h="280670">
+                <a:tc>
+                  <a:txBody>
+                    <a:bodyPr/>
+                    <a:lstStyle/>
+                    <a:p>
+                      <a:r>
+                        <a:rPr lang="en-US" sz="1200">
+                          <a:effectLst/>
+                        </a:rPr>
+                        <a:t> </a:t>
+                      </a:r>
+                      <a:endParaRPr lang="en-US" sz="1100">
+                        <a:effectLst/>
+                        <a:latin typeface="Calibri" panose="020F0502020204030204" pitchFamily="34" charset="0"/>
+                        <a:cs typeface="Times New Roman" panose="02020603050405020304" pitchFamily="18" charset="0"/>
+                      </a:endParaRPr>
+                    </a:p>
+                  </a:txBody>
+                  <a:tcPr marL="68580" marR="68580" marT="0" marB="0"/>
+                </a:tc>
+                <a:tc>
+                  <a:txBody>
+                    <a:bodyPr/>
+                    <a:lstStyle/>
+                    <a:p>
+                      <a:r>
+                        <a:rPr lang="en-US" sz="1200">
+                          <a:effectLst/>
+                        </a:rPr>
+                        <a:t>precision</a:t>
+                      </a:r>
+                      <a:endParaRPr lang="en-US" sz="1100">
+                        <a:effectLst/>
+                        <a:latin typeface="Calibri" panose="020F0502020204030204" pitchFamily="34" charset="0"/>
+                        <a:cs typeface="Times New Roman" panose="02020603050405020304" pitchFamily="18" charset="0"/>
+                      </a:endParaRPr>
+                    </a:p>
+                  </a:txBody>
+                  <a:tcPr marL="68580" marR="68580" marT="0" marB="0"/>
+                </a:tc>
+                <a:tc>
+                  <a:txBody>
+                    <a:bodyPr/>
+                    <a:lstStyle/>
+                    <a:p>
+                      <a:r>
+                        <a:rPr lang="en-US" sz="1200">
+                          <a:effectLst/>
+                        </a:rPr>
+                        <a:t>recall</a:t>
+                      </a:r>
+                      <a:endParaRPr lang="en-US" sz="1100">
+                        <a:effectLst/>
+                        <a:latin typeface="Calibri" panose="020F0502020204030204" pitchFamily="34" charset="0"/>
+                        <a:cs typeface="Times New Roman" panose="02020603050405020304" pitchFamily="18" charset="0"/>
+                      </a:endParaRPr>
+                    </a:p>
+                  </a:txBody>
+                  <a:tcPr marL="68580" marR="68580" marT="0" marB="0"/>
+                </a:tc>
+                <a:tc>
+                  <a:txBody>
+                    <a:bodyPr/>
+                    <a:lstStyle/>
+                    <a:p>
+                      <a:r>
+                        <a:rPr lang="en-US" sz="1200">
+                          <a:effectLst/>
+                        </a:rPr>
+                        <a:t>f1-score</a:t>
+                      </a:r>
+                      <a:endParaRPr lang="en-US" sz="1100">
+                        <a:effectLst/>
+                        <a:latin typeface="Calibri" panose="020F0502020204030204" pitchFamily="34" charset="0"/>
+                        <a:cs typeface="Times New Roman" panose="02020603050405020304" pitchFamily="18" charset="0"/>
+                      </a:endParaRPr>
+                    </a:p>
+                  </a:txBody>
+                  <a:tcPr marL="68580" marR="68580" marT="0" marB="0"/>
+                </a:tc>
+                <a:tc>
+                  <a:txBody>
+                    <a:bodyPr/>
+                    <a:lstStyle/>
+                    <a:p>
+                      <a:r>
+                        <a:rPr lang="en-US" sz="1200">
+                          <a:effectLst/>
+                        </a:rPr>
+                        <a:t>support</a:t>
+                      </a:r>
+                      <a:endParaRPr lang="en-US" sz="1100">
+                        <a:effectLst/>
+                        <a:latin typeface="Calibri" panose="020F0502020204030204" pitchFamily="34" charset="0"/>
+                        <a:cs typeface="Times New Roman" panose="02020603050405020304" pitchFamily="18" charset="0"/>
+                      </a:endParaRPr>
+                    </a:p>
+                  </a:txBody>
+                  <a:tcPr marL="68580" marR="68580" marT="0" marB="0"/>
+                </a:tc>
+                <a:extLst>
+                  <a:ext uri="{0D108BD9-81ED-4DB2-BD59-A6C34878D82A}">
+                    <a16:rowId xmlns:a16="http://schemas.microsoft.com/office/drawing/2014/main" val="1374368877"/>
+                  </a:ext>
+                </a:extLst>
+              </a:tr>
+              <a:tr h="280670">
+                <a:tc>
+                  <a:txBody>
+                    <a:bodyPr/>
+                    <a:lstStyle/>
+                    <a:p>
+                      <a:r>
+                        <a:rPr lang="en-US" sz="1200">
+                          <a:effectLst/>
+                        </a:rPr>
+                        <a:t>0</a:t>
+                      </a:r>
+                      <a:endParaRPr lang="en-US" sz="1100">
+                        <a:effectLst/>
+                        <a:latin typeface="Calibri" panose="020F0502020204030204" pitchFamily="34" charset="0"/>
+                        <a:cs typeface="Times New Roman" panose="02020603050405020304" pitchFamily="18" charset="0"/>
+                      </a:endParaRPr>
+                    </a:p>
+                  </a:txBody>
+                  <a:tcPr marL="68580" marR="68580" marT="0" marB="0"/>
+                </a:tc>
+                <a:tc>
+                  <a:txBody>
+                    <a:bodyPr/>
+                    <a:lstStyle/>
+                    <a:p>
+                      <a:r>
+                        <a:rPr lang="en-US" sz="1200">
+                          <a:effectLst/>
+                        </a:rPr>
+                        <a:t>0.91</a:t>
+                      </a:r>
+                      <a:endParaRPr lang="en-US" sz="1100">
+                        <a:effectLst/>
+                        <a:latin typeface="Calibri" panose="020F0502020204030204" pitchFamily="34" charset="0"/>
+                        <a:cs typeface="Times New Roman" panose="02020603050405020304" pitchFamily="18" charset="0"/>
+                      </a:endParaRPr>
+                    </a:p>
+                  </a:txBody>
+                  <a:tcPr marL="68580" marR="68580" marT="0" marB="0"/>
+                </a:tc>
+                <a:tc>
+                  <a:txBody>
+                    <a:bodyPr/>
+                    <a:lstStyle/>
+                    <a:p>
+                      <a:r>
+                        <a:rPr lang="en-US" sz="1200">
+                          <a:effectLst/>
+                        </a:rPr>
+                        <a:t>0.75</a:t>
+                      </a:r>
+                      <a:endParaRPr lang="en-US" sz="1100">
+                        <a:effectLst/>
+                        <a:latin typeface="Calibri" panose="020F0502020204030204" pitchFamily="34" charset="0"/>
+                        <a:cs typeface="Times New Roman" panose="02020603050405020304" pitchFamily="18" charset="0"/>
+                      </a:endParaRPr>
+                    </a:p>
+                  </a:txBody>
+                  <a:tcPr marL="68580" marR="68580" marT="0" marB="0"/>
+                </a:tc>
+                <a:tc>
+                  <a:txBody>
+                    <a:bodyPr/>
+                    <a:lstStyle/>
+                    <a:p>
+                      <a:r>
+                        <a:rPr lang="en-US" sz="1200">
+                          <a:effectLst/>
+                        </a:rPr>
+                        <a:t>0.83</a:t>
+                      </a:r>
+                      <a:endParaRPr lang="en-US" sz="1100">
+                        <a:effectLst/>
+                        <a:latin typeface="Calibri" panose="020F0502020204030204" pitchFamily="34" charset="0"/>
+                        <a:cs typeface="Times New Roman" panose="02020603050405020304" pitchFamily="18" charset="0"/>
+                      </a:endParaRPr>
+                    </a:p>
+                  </a:txBody>
+                  <a:tcPr marL="68580" marR="68580" marT="0" marB="0"/>
+                </a:tc>
+                <a:tc>
+                  <a:txBody>
+                    <a:bodyPr/>
+                    <a:lstStyle/>
+                    <a:p>
+                      <a:r>
+                        <a:rPr lang="en-US" sz="1200">
+                          <a:effectLst/>
+                        </a:rPr>
+                        <a:t>1294</a:t>
+                      </a:r>
+                      <a:endParaRPr lang="en-US" sz="1100">
+                        <a:effectLst/>
+                        <a:latin typeface="Calibri" panose="020F0502020204030204" pitchFamily="34" charset="0"/>
+                        <a:cs typeface="Times New Roman" panose="02020603050405020304" pitchFamily="18" charset="0"/>
+                      </a:endParaRPr>
+                    </a:p>
+                  </a:txBody>
+                  <a:tcPr marL="68580" marR="68580" marT="0" marB="0"/>
+                </a:tc>
+                <a:extLst>
+                  <a:ext uri="{0D108BD9-81ED-4DB2-BD59-A6C34878D82A}">
+                    <a16:rowId xmlns:a16="http://schemas.microsoft.com/office/drawing/2014/main" val="2459962694"/>
+                  </a:ext>
+                </a:extLst>
+              </a:tr>
+              <a:tr h="264795">
+                <a:tc>
+                  <a:txBody>
+                    <a:bodyPr/>
+                    <a:lstStyle/>
+                    <a:p>
+                      <a:r>
+                        <a:rPr lang="en-US" sz="1200">
+                          <a:effectLst/>
+                        </a:rPr>
+                        <a:t>1</a:t>
+                      </a:r>
+                      <a:endParaRPr lang="en-US" sz="1100">
+                        <a:effectLst/>
+                        <a:latin typeface="Calibri" panose="020F0502020204030204" pitchFamily="34" charset="0"/>
+                        <a:cs typeface="Times New Roman" panose="02020603050405020304" pitchFamily="18" charset="0"/>
+                      </a:endParaRPr>
+                    </a:p>
+                  </a:txBody>
+                  <a:tcPr marL="68580" marR="68580" marT="0" marB="0"/>
+                </a:tc>
+                <a:tc>
+                  <a:txBody>
+                    <a:bodyPr/>
+                    <a:lstStyle/>
+                    <a:p>
+                      <a:r>
+                        <a:rPr lang="en-US" sz="1200">
+                          <a:effectLst/>
+                        </a:rPr>
+                        <a:t>0.54</a:t>
+                      </a:r>
+                      <a:endParaRPr lang="en-US" sz="1100">
+                        <a:effectLst/>
+                        <a:latin typeface="Calibri" panose="020F0502020204030204" pitchFamily="34" charset="0"/>
+                        <a:cs typeface="Times New Roman" panose="02020603050405020304" pitchFamily="18" charset="0"/>
+                      </a:endParaRPr>
+                    </a:p>
+                  </a:txBody>
+                  <a:tcPr marL="68580" marR="68580" marT="0" marB="0"/>
+                </a:tc>
+                <a:tc>
+                  <a:txBody>
+                    <a:bodyPr/>
+                    <a:lstStyle/>
+                    <a:p>
+                      <a:r>
+                        <a:rPr lang="en-US" sz="1200">
+                          <a:effectLst/>
+                        </a:rPr>
+                        <a:t>0.80</a:t>
+                      </a:r>
+                      <a:endParaRPr lang="en-US" sz="1100">
+                        <a:effectLst/>
+                        <a:latin typeface="Calibri" panose="020F0502020204030204" pitchFamily="34" charset="0"/>
+                        <a:cs typeface="Times New Roman" panose="02020603050405020304" pitchFamily="18" charset="0"/>
+                      </a:endParaRPr>
+                    </a:p>
+                  </a:txBody>
+                  <a:tcPr marL="68580" marR="68580" marT="0" marB="0"/>
+                </a:tc>
+                <a:tc>
+                  <a:txBody>
+                    <a:bodyPr/>
+                    <a:lstStyle/>
+                    <a:p>
+                      <a:r>
+                        <a:rPr lang="en-US" sz="1200">
+                          <a:effectLst/>
+                        </a:rPr>
+                        <a:t>0.64</a:t>
+                      </a:r>
+                      <a:endParaRPr lang="en-US" sz="1100">
+                        <a:effectLst/>
+                        <a:latin typeface="Calibri" panose="020F0502020204030204" pitchFamily="34" charset="0"/>
+                        <a:cs typeface="Times New Roman" panose="02020603050405020304" pitchFamily="18" charset="0"/>
+                      </a:endParaRPr>
+                    </a:p>
+                  </a:txBody>
+                  <a:tcPr marL="68580" marR="68580" marT="0" marB="0"/>
+                </a:tc>
+                <a:tc>
+                  <a:txBody>
+                    <a:bodyPr/>
+                    <a:lstStyle/>
+                    <a:p>
+                      <a:r>
+                        <a:rPr lang="en-US" sz="1200">
+                          <a:effectLst/>
+                        </a:rPr>
+                        <a:t>467</a:t>
+                      </a:r>
+                      <a:endParaRPr lang="en-US" sz="1100">
+                        <a:effectLst/>
+                        <a:latin typeface="Calibri" panose="020F0502020204030204" pitchFamily="34" charset="0"/>
+                        <a:cs typeface="Times New Roman" panose="02020603050405020304" pitchFamily="18" charset="0"/>
+                      </a:endParaRPr>
+                    </a:p>
+                  </a:txBody>
+                  <a:tcPr marL="68580" marR="68580" marT="0" marB="0"/>
+                </a:tc>
+                <a:extLst>
+                  <a:ext uri="{0D108BD9-81ED-4DB2-BD59-A6C34878D82A}">
+                    <a16:rowId xmlns:a16="http://schemas.microsoft.com/office/drawing/2014/main" val="710461772"/>
+                  </a:ext>
+                </a:extLst>
+              </a:tr>
+              <a:tr h="280670">
+                <a:tc>
+                  <a:txBody>
+                    <a:bodyPr/>
+                    <a:lstStyle/>
+                    <a:p>
+                      <a:r>
+                        <a:rPr lang="en-US" sz="1200">
+                          <a:effectLst/>
+                        </a:rPr>
+                        <a:t>accuracy</a:t>
+                      </a:r>
+                      <a:endParaRPr lang="en-US" sz="1100">
+                        <a:effectLst/>
+                        <a:latin typeface="Calibri" panose="020F0502020204030204" pitchFamily="34" charset="0"/>
+                        <a:cs typeface="Times New Roman" panose="02020603050405020304" pitchFamily="18" charset="0"/>
+                      </a:endParaRPr>
+                    </a:p>
+                  </a:txBody>
+                  <a:tcPr marL="68580" marR="68580" marT="0" marB="0"/>
+                </a:tc>
+                <a:tc>
+                  <a:txBody>
+                    <a:bodyPr/>
+                    <a:lstStyle/>
+                    <a:p>
+                      <a:pPr marL="0" marR="0" algn="r">
+                        <a:lnSpc>
+                          <a:spcPct val="107000"/>
+                        </a:lnSpc>
+                        <a:spcBef>
+                          <a:spcPts val="0"/>
+                        </a:spcBef>
+                        <a:spcAft>
+                          <a:spcPts val="0"/>
+                        </a:spcAft>
+                      </a:pPr>
+                      <a:r>
+                        <a:rPr lang="en-US" sz="1200">
+                          <a:effectLst/>
+                        </a:rPr>
+                        <a:t> </a:t>
+                      </a:r>
+                      <a:endParaRPr lang="en-US" sz="1100">
+                        <a:effectLst/>
+                        <a:latin typeface="Calibri" panose="020F0502020204030204" pitchFamily="34" charset="0"/>
+                        <a:ea typeface="Calibri" panose="020F0502020204030204" pitchFamily="34" charset="0"/>
+                        <a:cs typeface="Times New Roman" panose="02020603050405020304" pitchFamily="18" charset="0"/>
+                      </a:endParaRPr>
+                    </a:p>
+                  </a:txBody>
+                  <a:tcPr marL="68580" marR="68580" marT="0" marB="0"/>
+                </a:tc>
+                <a:tc>
+                  <a:txBody>
+                    <a:bodyPr/>
+                    <a:lstStyle/>
+                    <a:p>
+                      <a:pPr marL="0" marR="0" algn="r">
+                        <a:lnSpc>
+                          <a:spcPct val="107000"/>
+                        </a:lnSpc>
+                        <a:spcBef>
+                          <a:spcPts val="0"/>
+                        </a:spcBef>
+                        <a:spcAft>
+                          <a:spcPts val="0"/>
+                        </a:spcAft>
+                      </a:pPr>
+                      <a:r>
+                        <a:rPr lang="en-US" sz="1200">
+                          <a:effectLst/>
+                        </a:rPr>
+                        <a:t> </a:t>
+                      </a:r>
+                      <a:endParaRPr lang="en-US" sz="1100">
+                        <a:effectLst/>
+                        <a:latin typeface="Calibri" panose="020F0502020204030204" pitchFamily="34" charset="0"/>
+                        <a:ea typeface="Calibri" panose="020F0502020204030204" pitchFamily="34" charset="0"/>
+                        <a:cs typeface="Times New Roman" panose="02020603050405020304" pitchFamily="18" charset="0"/>
+                      </a:endParaRPr>
+                    </a:p>
+                  </a:txBody>
+                  <a:tcPr marL="68580" marR="68580" marT="0" marB="0"/>
+                </a:tc>
+                <a:tc>
+                  <a:txBody>
+                    <a:bodyPr/>
+                    <a:lstStyle/>
+                    <a:p>
+                      <a:pPr marL="0" marR="0" algn="r">
+                        <a:lnSpc>
+                          <a:spcPct val="107000"/>
+                        </a:lnSpc>
+                        <a:spcBef>
+                          <a:spcPts val="0"/>
+                        </a:spcBef>
+                        <a:spcAft>
+                          <a:spcPts val="0"/>
+                        </a:spcAft>
+                      </a:pPr>
+                      <a:r>
+                        <a:rPr lang="en-US" sz="1200">
+                          <a:effectLst/>
+                        </a:rPr>
+                        <a:t>0.77</a:t>
+                      </a:r>
+                      <a:endParaRPr lang="en-US" sz="1100">
+                        <a:effectLst/>
+                        <a:latin typeface="Calibri" panose="020F0502020204030204" pitchFamily="34" charset="0"/>
+                        <a:ea typeface="Calibri" panose="020F0502020204030204" pitchFamily="34" charset="0"/>
+                        <a:cs typeface="Times New Roman" panose="02020603050405020304" pitchFamily="18" charset="0"/>
+                      </a:endParaRPr>
+                    </a:p>
+                  </a:txBody>
+                  <a:tcPr marL="68580" marR="68580" marT="0" marB="0"/>
+                </a:tc>
+                <a:tc>
+                  <a:txBody>
+                    <a:bodyPr/>
+                    <a:lstStyle/>
+                    <a:p>
+                      <a:pPr marL="0" marR="0" algn="r">
+                        <a:lnSpc>
+                          <a:spcPct val="107000"/>
+                        </a:lnSpc>
+                        <a:spcBef>
+                          <a:spcPts val="0"/>
+                        </a:spcBef>
+                        <a:spcAft>
+                          <a:spcPts val="0"/>
+                        </a:spcAft>
+                      </a:pPr>
+                      <a:r>
+                        <a:rPr lang="en-US" sz="1200">
+                          <a:effectLst/>
+                        </a:rPr>
+                        <a:t>1761</a:t>
+                      </a:r>
+                      <a:endParaRPr lang="en-US" sz="1100">
+                        <a:effectLst/>
+                        <a:latin typeface="Calibri" panose="020F0502020204030204" pitchFamily="34" charset="0"/>
+                        <a:ea typeface="Calibri" panose="020F0502020204030204" pitchFamily="34" charset="0"/>
+                        <a:cs typeface="Times New Roman" panose="02020603050405020304" pitchFamily="18" charset="0"/>
+                      </a:endParaRPr>
+                    </a:p>
+                  </a:txBody>
+                  <a:tcPr marL="68580" marR="68580" marT="0" marB="0"/>
+                </a:tc>
+                <a:extLst>
+                  <a:ext uri="{0D108BD9-81ED-4DB2-BD59-A6C34878D82A}">
+                    <a16:rowId xmlns:a16="http://schemas.microsoft.com/office/drawing/2014/main" val="2986421380"/>
+                  </a:ext>
+                </a:extLst>
+              </a:tr>
+              <a:tr h="280670">
+                <a:tc>
+                  <a:txBody>
+                    <a:bodyPr/>
+                    <a:lstStyle/>
+                    <a:p>
+                      <a:r>
+                        <a:rPr lang="en-US" sz="1200">
+                          <a:effectLst/>
+                        </a:rPr>
+                        <a:t>macro avg</a:t>
+                      </a:r>
+                      <a:endParaRPr lang="en-US" sz="1100">
+                        <a:effectLst/>
+                        <a:latin typeface="Calibri" panose="020F0502020204030204" pitchFamily="34" charset="0"/>
+                        <a:cs typeface="Times New Roman" panose="02020603050405020304" pitchFamily="18" charset="0"/>
+                      </a:endParaRPr>
+                    </a:p>
+                  </a:txBody>
+                  <a:tcPr marL="68580" marR="68580" marT="0" marB="0"/>
+                </a:tc>
+                <a:tc>
+                  <a:txBody>
+                    <a:bodyPr/>
+                    <a:lstStyle/>
+                    <a:p>
+                      <a:pPr marL="0" marR="0" algn="r">
+                        <a:lnSpc>
+                          <a:spcPct val="107000"/>
+                        </a:lnSpc>
+                        <a:spcBef>
+                          <a:spcPts val="0"/>
+                        </a:spcBef>
+                        <a:spcAft>
+                          <a:spcPts val="0"/>
+                        </a:spcAft>
+                      </a:pPr>
+                      <a:r>
+                        <a:rPr lang="en-US" sz="1200">
+                          <a:effectLst/>
+                        </a:rPr>
+                        <a:t>0.73</a:t>
+                      </a:r>
+                      <a:endParaRPr lang="en-US" sz="1100">
+                        <a:effectLst/>
+                        <a:latin typeface="Calibri" panose="020F0502020204030204" pitchFamily="34" charset="0"/>
+                        <a:ea typeface="Calibri" panose="020F0502020204030204" pitchFamily="34" charset="0"/>
+                        <a:cs typeface="Times New Roman" panose="02020603050405020304" pitchFamily="18" charset="0"/>
+                      </a:endParaRPr>
+                    </a:p>
+                  </a:txBody>
+                  <a:tcPr marL="68580" marR="68580" marT="0" marB="0"/>
+                </a:tc>
+                <a:tc>
+                  <a:txBody>
+                    <a:bodyPr/>
+                    <a:lstStyle/>
+                    <a:p>
+                      <a:pPr marL="0" marR="0" algn="r">
+                        <a:lnSpc>
+                          <a:spcPct val="107000"/>
+                        </a:lnSpc>
+                        <a:spcBef>
+                          <a:spcPts val="0"/>
+                        </a:spcBef>
+                        <a:spcAft>
+                          <a:spcPts val="0"/>
+                        </a:spcAft>
+                      </a:pPr>
+                      <a:r>
+                        <a:rPr lang="en-US" sz="1200">
+                          <a:effectLst/>
+                        </a:rPr>
+                        <a:t>0.78</a:t>
+                      </a:r>
+                      <a:endParaRPr lang="en-US" sz="1100">
+                        <a:effectLst/>
+                        <a:latin typeface="Calibri" panose="020F0502020204030204" pitchFamily="34" charset="0"/>
+                        <a:ea typeface="Calibri" panose="020F0502020204030204" pitchFamily="34" charset="0"/>
+                        <a:cs typeface="Times New Roman" panose="02020603050405020304" pitchFamily="18" charset="0"/>
+                      </a:endParaRPr>
+                    </a:p>
+                  </a:txBody>
+                  <a:tcPr marL="68580" marR="68580" marT="0" marB="0"/>
+                </a:tc>
+                <a:tc>
+                  <a:txBody>
+                    <a:bodyPr/>
+                    <a:lstStyle/>
+                    <a:p>
+                      <a:pPr marL="0" marR="0" algn="r">
+                        <a:lnSpc>
+                          <a:spcPct val="107000"/>
+                        </a:lnSpc>
+                        <a:spcBef>
+                          <a:spcPts val="0"/>
+                        </a:spcBef>
+                        <a:spcAft>
+                          <a:spcPts val="0"/>
+                        </a:spcAft>
+                      </a:pPr>
+                      <a:r>
+                        <a:rPr lang="en-US" sz="1200">
+                          <a:effectLst/>
+                        </a:rPr>
+                        <a:t>0.73</a:t>
+                      </a:r>
+                      <a:endParaRPr lang="en-US" sz="1100">
+                        <a:effectLst/>
+                        <a:latin typeface="Calibri" panose="020F0502020204030204" pitchFamily="34" charset="0"/>
+                        <a:ea typeface="Calibri" panose="020F0502020204030204" pitchFamily="34" charset="0"/>
+                        <a:cs typeface="Times New Roman" panose="02020603050405020304" pitchFamily="18" charset="0"/>
+                      </a:endParaRPr>
+                    </a:p>
+                  </a:txBody>
+                  <a:tcPr marL="68580" marR="68580" marT="0" marB="0"/>
+                </a:tc>
+                <a:tc>
+                  <a:txBody>
+                    <a:bodyPr/>
+                    <a:lstStyle/>
+                    <a:p>
+                      <a:pPr marL="0" marR="0" algn="r">
+                        <a:lnSpc>
+                          <a:spcPct val="107000"/>
+                        </a:lnSpc>
+                        <a:spcBef>
+                          <a:spcPts val="0"/>
+                        </a:spcBef>
+                        <a:spcAft>
+                          <a:spcPts val="0"/>
+                        </a:spcAft>
+                      </a:pPr>
+                      <a:r>
+                        <a:rPr lang="en-US" sz="1200">
+                          <a:effectLst/>
+                        </a:rPr>
+                        <a:t>1761</a:t>
+                      </a:r>
+                      <a:endParaRPr lang="en-US" sz="1100">
+                        <a:effectLst/>
+                        <a:latin typeface="Calibri" panose="020F0502020204030204" pitchFamily="34" charset="0"/>
+                        <a:ea typeface="Calibri" panose="020F0502020204030204" pitchFamily="34" charset="0"/>
+                        <a:cs typeface="Times New Roman" panose="02020603050405020304" pitchFamily="18" charset="0"/>
+                      </a:endParaRPr>
+                    </a:p>
+                  </a:txBody>
+                  <a:tcPr marL="68580" marR="68580" marT="0" marB="0"/>
+                </a:tc>
+                <a:extLst>
+                  <a:ext uri="{0D108BD9-81ED-4DB2-BD59-A6C34878D82A}">
+                    <a16:rowId xmlns:a16="http://schemas.microsoft.com/office/drawing/2014/main" val="1845573407"/>
+                  </a:ext>
+                </a:extLst>
+              </a:tr>
+              <a:tr h="280670">
+                <a:tc>
+                  <a:txBody>
+                    <a:bodyPr/>
+                    <a:lstStyle/>
+                    <a:p>
+                      <a:r>
+                        <a:rPr lang="en-US" sz="1200">
+                          <a:effectLst/>
+                        </a:rPr>
+                        <a:t>weighted avg</a:t>
+                      </a:r>
+                      <a:endParaRPr lang="en-US" sz="1100">
+                        <a:effectLst/>
+                        <a:latin typeface="Calibri" panose="020F0502020204030204" pitchFamily="34" charset="0"/>
+                        <a:cs typeface="Times New Roman" panose="02020603050405020304" pitchFamily="18" charset="0"/>
+                      </a:endParaRPr>
+                    </a:p>
+                  </a:txBody>
+                  <a:tcPr marL="68580" marR="68580" marT="0" marB="0"/>
+                </a:tc>
+                <a:tc>
+                  <a:txBody>
+                    <a:bodyPr/>
+                    <a:lstStyle/>
+                    <a:p>
+                      <a:pPr marL="0" marR="0" algn="r">
+                        <a:lnSpc>
+                          <a:spcPct val="107000"/>
+                        </a:lnSpc>
+                        <a:spcBef>
+                          <a:spcPts val="0"/>
+                        </a:spcBef>
+                        <a:spcAft>
+                          <a:spcPts val="0"/>
+                        </a:spcAft>
+                      </a:pPr>
+                      <a:r>
+                        <a:rPr lang="en-US" sz="1200">
+                          <a:effectLst/>
+                        </a:rPr>
+                        <a:t>0.81</a:t>
+                      </a:r>
+                      <a:endParaRPr lang="en-US" sz="1100">
+                        <a:effectLst/>
+                        <a:latin typeface="Calibri" panose="020F0502020204030204" pitchFamily="34" charset="0"/>
+                        <a:ea typeface="Calibri" panose="020F0502020204030204" pitchFamily="34" charset="0"/>
+                        <a:cs typeface="Times New Roman" panose="02020603050405020304" pitchFamily="18" charset="0"/>
+                      </a:endParaRPr>
+                    </a:p>
+                  </a:txBody>
+                  <a:tcPr marL="68580" marR="68580" marT="0" marB="0"/>
+                </a:tc>
+                <a:tc>
+                  <a:txBody>
+                    <a:bodyPr/>
+                    <a:lstStyle/>
+                    <a:p>
+                      <a:pPr marL="0" marR="0" algn="r">
+                        <a:lnSpc>
+                          <a:spcPct val="107000"/>
+                        </a:lnSpc>
+                        <a:spcBef>
+                          <a:spcPts val="0"/>
+                        </a:spcBef>
+                        <a:spcAft>
+                          <a:spcPts val="0"/>
+                        </a:spcAft>
+                      </a:pPr>
+                      <a:r>
+                        <a:rPr lang="en-US" sz="1200">
+                          <a:effectLst/>
+                        </a:rPr>
+                        <a:t>0.77</a:t>
+                      </a:r>
+                      <a:endParaRPr lang="en-US" sz="1100">
+                        <a:effectLst/>
+                        <a:latin typeface="Calibri" panose="020F0502020204030204" pitchFamily="34" charset="0"/>
+                        <a:ea typeface="Calibri" panose="020F0502020204030204" pitchFamily="34" charset="0"/>
+                        <a:cs typeface="Times New Roman" panose="02020603050405020304" pitchFamily="18" charset="0"/>
+                      </a:endParaRPr>
+                    </a:p>
+                  </a:txBody>
+                  <a:tcPr marL="68580" marR="68580" marT="0" marB="0"/>
+                </a:tc>
+                <a:tc>
+                  <a:txBody>
+                    <a:bodyPr/>
+                    <a:lstStyle/>
+                    <a:p>
+                      <a:pPr marL="0" marR="0" algn="r">
+                        <a:lnSpc>
+                          <a:spcPct val="107000"/>
+                        </a:lnSpc>
+                        <a:spcBef>
+                          <a:spcPts val="0"/>
+                        </a:spcBef>
+                        <a:spcAft>
+                          <a:spcPts val="0"/>
+                        </a:spcAft>
+                      </a:pPr>
+                      <a:r>
+                        <a:rPr lang="en-US" sz="1200">
+                          <a:effectLst/>
+                        </a:rPr>
+                        <a:t>0.78</a:t>
+                      </a:r>
+                      <a:endParaRPr lang="en-US" sz="1100">
+                        <a:effectLst/>
+                        <a:latin typeface="Calibri" panose="020F0502020204030204" pitchFamily="34" charset="0"/>
+                        <a:ea typeface="Calibri" panose="020F0502020204030204" pitchFamily="34" charset="0"/>
+                        <a:cs typeface="Times New Roman" panose="02020603050405020304" pitchFamily="18" charset="0"/>
+                      </a:endParaRPr>
+                    </a:p>
+                  </a:txBody>
+                  <a:tcPr marL="68580" marR="68580" marT="0" marB="0"/>
+                </a:tc>
+                <a:tc>
+                  <a:txBody>
+                    <a:bodyPr/>
+                    <a:lstStyle/>
+                    <a:p>
+                      <a:pPr marL="0" marR="0" algn="r">
+                        <a:lnSpc>
+                          <a:spcPct val="107000"/>
+                        </a:lnSpc>
+                        <a:spcBef>
+                          <a:spcPts val="0"/>
+                        </a:spcBef>
+                        <a:spcAft>
+                          <a:spcPts val="0"/>
+                        </a:spcAft>
+                      </a:pPr>
+                      <a:r>
+                        <a:rPr lang="en-US" sz="1200" dirty="0">
+                          <a:effectLst/>
+                        </a:rPr>
+                        <a:t>1761</a:t>
+                      </a:r>
+                      <a:endParaRPr lang="en-US" sz="1100" dirty="0">
+                        <a:effectLst/>
+                        <a:latin typeface="Calibri" panose="020F0502020204030204" pitchFamily="34" charset="0"/>
+                        <a:ea typeface="Calibri" panose="020F0502020204030204" pitchFamily="34" charset="0"/>
+                        <a:cs typeface="Times New Roman" panose="02020603050405020304" pitchFamily="18" charset="0"/>
+                      </a:endParaRPr>
+                    </a:p>
+                  </a:txBody>
+                  <a:tcPr marL="68580" marR="68580" marT="0" marB="0"/>
+                </a:tc>
+                <a:extLst>
+                  <a:ext uri="{0D108BD9-81ED-4DB2-BD59-A6C34878D82A}">
+                    <a16:rowId xmlns:a16="http://schemas.microsoft.com/office/drawing/2014/main" val="1378545593"/>
+                  </a:ext>
+                </a:extLst>
+              </a:tr>
+            </a:tbl>
+          </a:graphicData>
+        </a:graphic>
+      </p:graphicFrame>
+    </p:spTree>
+    <p:extLst>
+      <p:ext uri="{BB962C8B-B14F-4D97-AF65-F5344CB8AC3E}">
+        <p14:creationId xmlns:p14="http://schemas.microsoft.com/office/powerpoint/2010/main" val="2141068600"/>
+      </p:ext>
+    </p:extLst>
+  </p:cSld>
+  <p:clrMapOvr>
+    <a:masterClrMapping/>
+  </p:clrMapOvr>
+</p:sld>
+</file>
+
+<file path=ppt/slides/slide36.xml><?xml version="1.0" encoding="utf-8"?>
+<p:sld xmlns:a="http://schemas.openxmlformats.org/drawingml/2006/main" xmlns:r="http://schemas.openxmlformats.org/officeDocument/2006/relationships" xmlns:p="http://schemas.openxmlformats.org/presentationml/2006/main">
+  <p:cSld>
+    <p:spTree>
+      <p:nvGrpSpPr>
+        <p:cNvPr id="1" name=""/>
+        <p:cNvGrpSpPr/>
+        <p:nvPr/>
+      </p:nvGrpSpPr>
+      <p:grpSpPr>
+        <a:xfrm>
+          <a:off x="0" y="0"/>
+          <a:ext cx="0" cy="0"/>
+          <a:chOff x="0" y="0"/>
+          <a:chExt cx="0" cy="0"/>
+        </a:xfrm>
+      </p:grpSpPr>
+      <p:sp>
+        <p:nvSpPr>
+          <p:cNvPr id="2" name="TextBox 1">
+            <a:extLst>
+              <a:ext uri="{FF2B5EF4-FFF2-40B4-BE49-F238E27FC236}">
+                <a16:creationId xmlns:a16="http://schemas.microsoft.com/office/drawing/2014/main" id="{2871328A-3B52-47C2-B302-604CCDA9352F}"/>
+              </a:ext>
+            </a:extLst>
+          </p:cNvPr>
+          <p:cNvSpPr txBox="1"/>
+          <p:nvPr/>
+        </p:nvSpPr>
+        <p:spPr>
+          <a:xfrm>
+            <a:off x="176463" y="256674"/>
+            <a:ext cx="11742821" cy="6346994"/>
+          </a:xfrm>
+          <a:prstGeom prst="rect">
+            <a:avLst/>
+          </a:prstGeom>
+          <a:noFill/>
+        </p:spPr>
+        <p:txBody>
+          <a:bodyPr wrap="square" rtlCol="0">
+            <a:spAutoFit/>
+          </a:bodyPr>
+          <a:lstStyle/>
+          <a:p>
+            <a:pPr marL="0" marR="0" algn="just">
+              <a:lnSpc>
+                <a:spcPct val="107000"/>
+              </a:lnSpc>
+              <a:spcBef>
+                <a:spcPts val="0"/>
+              </a:spcBef>
+              <a:spcAft>
+                <a:spcPts val="800"/>
+              </a:spcAft>
+            </a:pPr>
+            <a:endParaRPr lang="en-US" sz="1800" dirty="0">
+              <a:effectLst/>
+              <a:latin typeface="Times New Roman" panose="02020603050405020304" pitchFamily="18" charset="0"/>
+              <a:ea typeface="Calibri" panose="020F0502020204030204" pitchFamily="34" charset="0"/>
+              <a:cs typeface="Times New Roman" panose="02020603050405020304" pitchFamily="18" charset="0"/>
+            </a:endParaRPr>
+          </a:p>
+          <a:p>
+            <a:pPr marL="0" marR="0" algn="just">
+              <a:lnSpc>
+                <a:spcPct val="107000"/>
+              </a:lnSpc>
+              <a:spcBef>
+                <a:spcPts val="0"/>
+              </a:spcBef>
+              <a:spcAft>
+                <a:spcPts val="800"/>
+              </a:spcAft>
+            </a:pPr>
+            <a:endParaRPr lang="en-US" dirty="0">
+              <a:latin typeface="Times New Roman" panose="02020603050405020304" pitchFamily="18" charset="0"/>
+              <a:ea typeface="Calibri" panose="020F0502020204030204" pitchFamily="34" charset="0"/>
+              <a:cs typeface="Times New Roman" panose="02020603050405020304" pitchFamily="18" charset="0"/>
+            </a:endParaRPr>
+          </a:p>
+          <a:p>
+            <a:pPr marL="0" marR="0" algn="just">
+              <a:lnSpc>
+                <a:spcPct val="107000"/>
+              </a:lnSpc>
+              <a:spcBef>
+                <a:spcPts val="0"/>
+              </a:spcBef>
+              <a:spcAft>
+                <a:spcPts val="800"/>
+              </a:spcAft>
+            </a:pPr>
+            <a:endParaRPr lang="en-US" sz="1800" dirty="0">
+              <a:effectLst/>
+              <a:latin typeface="Times New Roman" panose="02020603050405020304" pitchFamily="18" charset="0"/>
+              <a:ea typeface="Calibri" panose="020F0502020204030204" pitchFamily="34" charset="0"/>
+              <a:cs typeface="Times New Roman" panose="02020603050405020304" pitchFamily="18" charset="0"/>
+            </a:endParaRPr>
+          </a:p>
+          <a:p>
+            <a:pPr marL="0" marR="0" algn="just">
+              <a:lnSpc>
+                <a:spcPct val="107000"/>
+              </a:lnSpc>
+              <a:spcBef>
+                <a:spcPts val="0"/>
+              </a:spcBef>
+              <a:spcAft>
+                <a:spcPts val="800"/>
+              </a:spcAft>
+            </a:pPr>
+            <a:endParaRPr lang="en-US" dirty="0">
+              <a:latin typeface="Times New Roman" panose="02020603050405020304" pitchFamily="18" charset="0"/>
+              <a:ea typeface="Calibri" panose="020F0502020204030204" pitchFamily="34" charset="0"/>
+              <a:cs typeface="Times New Roman" panose="02020603050405020304" pitchFamily="18" charset="0"/>
+            </a:endParaRPr>
+          </a:p>
+          <a:p>
+            <a:pPr marL="0" marR="0" algn="just">
+              <a:lnSpc>
+                <a:spcPct val="107000"/>
+              </a:lnSpc>
+              <a:spcBef>
+                <a:spcPts val="0"/>
+              </a:spcBef>
+              <a:spcAft>
+                <a:spcPts val="800"/>
+              </a:spcAft>
+            </a:pPr>
+            <a:endParaRPr lang="en-US" sz="1800" dirty="0">
+              <a:effectLst/>
+              <a:latin typeface="Times New Roman" panose="02020603050405020304" pitchFamily="18" charset="0"/>
+              <a:ea typeface="Calibri" panose="020F0502020204030204" pitchFamily="34" charset="0"/>
+              <a:cs typeface="Times New Roman" panose="02020603050405020304" pitchFamily="18" charset="0"/>
+            </a:endParaRPr>
+          </a:p>
+          <a:p>
+            <a:pPr marL="0" marR="0" algn="just">
+              <a:lnSpc>
+                <a:spcPct val="107000"/>
+              </a:lnSpc>
+              <a:spcBef>
+                <a:spcPts val="0"/>
+              </a:spcBef>
+              <a:spcAft>
+                <a:spcPts val="800"/>
+              </a:spcAft>
+            </a:pPr>
+            <a:endParaRPr lang="en-US" dirty="0">
+              <a:latin typeface="Times New Roman" panose="02020603050405020304" pitchFamily="18" charset="0"/>
+              <a:ea typeface="Calibri" panose="020F0502020204030204" pitchFamily="34" charset="0"/>
+              <a:cs typeface="Times New Roman" panose="02020603050405020304" pitchFamily="18" charset="0"/>
+            </a:endParaRPr>
+          </a:p>
+          <a:p>
+            <a:pPr marL="0" marR="0" algn="just">
+              <a:lnSpc>
+                <a:spcPct val="107000"/>
+              </a:lnSpc>
+              <a:spcBef>
+                <a:spcPts val="0"/>
+              </a:spcBef>
+              <a:spcAft>
+                <a:spcPts val="800"/>
+              </a:spcAft>
+            </a:pPr>
+            <a:endParaRPr lang="en-US" sz="1800" dirty="0">
+              <a:effectLst/>
+              <a:latin typeface="Times New Roman" panose="02020603050405020304" pitchFamily="18" charset="0"/>
+              <a:ea typeface="Calibri" panose="020F0502020204030204" pitchFamily="34" charset="0"/>
+              <a:cs typeface="Times New Roman" panose="02020603050405020304" pitchFamily="18" charset="0"/>
+            </a:endParaRPr>
+          </a:p>
+          <a:p>
+            <a:pPr marL="0" marR="0" algn="just">
+              <a:lnSpc>
+                <a:spcPct val="107000"/>
+              </a:lnSpc>
+              <a:spcBef>
+                <a:spcPts val="0"/>
+              </a:spcBef>
+              <a:spcAft>
+                <a:spcPts val="800"/>
+              </a:spcAft>
+            </a:pPr>
+            <a:endParaRPr lang="en-US" dirty="0">
+              <a:latin typeface="Times New Roman" panose="02020603050405020304" pitchFamily="18" charset="0"/>
+              <a:ea typeface="Calibri" panose="020F0502020204030204" pitchFamily="34" charset="0"/>
+              <a:cs typeface="Times New Roman" panose="02020603050405020304" pitchFamily="18" charset="0"/>
+            </a:endParaRPr>
+          </a:p>
+          <a:p>
+            <a:pPr marL="0" marR="0" algn="just">
+              <a:lnSpc>
+                <a:spcPct val="107000"/>
+              </a:lnSpc>
+              <a:spcBef>
+                <a:spcPts val="0"/>
+              </a:spcBef>
+              <a:spcAft>
+                <a:spcPts val="800"/>
+              </a:spcAft>
+            </a:pPr>
+            <a:endParaRPr lang="en-US" sz="1800" dirty="0">
+              <a:effectLst/>
+              <a:latin typeface="Times New Roman" panose="02020603050405020304" pitchFamily="18" charset="0"/>
+              <a:ea typeface="Calibri" panose="020F0502020204030204" pitchFamily="34" charset="0"/>
+              <a:cs typeface="Times New Roman" panose="02020603050405020304" pitchFamily="18" charset="0"/>
+            </a:endParaRPr>
+          </a:p>
+          <a:p>
+            <a:pPr marL="0" marR="0" algn="just">
+              <a:lnSpc>
+                <a:spcPct val="107000"/>
+              </a:lnSpc>
+              <a:spcBef>
+                <a:spcPts val="0"/>
+              </a:spcBef>
+              <a:spcAft>
+                <a:spcPts val="800"/>
+              </a:spcAft>
+            </a:pPr>
+            <a:endParaRPr lang="en-US" dirty="0">
+              <a:latin typeface="Times New Roman" panose="02020603050405020304" pitchFamily="18" charset="0"/>
+              <a:ea typeface="Calibri" panose="020F0502020204030204" pitchFamily="34" charset="0"/>
+              <a:cs typeface="Times New Roman" panose="02020603050405020304" pitchFamily="18" charset="0"/>
+            </a:endParaRPr>
+          </a:p>
+          <a:p>
+            <a:pPr marL="0" marR="0" algn="just">
+              <a:lnSpc>
+                <a:spcPct val="107000"/>
+              </a:lnSpc>
+              <a:spcBef>
+                <a:spcPts val="0"/>
+              </a:spcBef>
+              <a:spcAft>
+                <a:spcPts val="800"/>
+              </a:spcAft>
+            </a:pPr>
+            <a:r>
+              <a:rPr lang="en-US" sz="1800" dirty="0">
+                <a:effectLst/>
+                <a:latin typeface="Times New Roman" panose="02020603050405020304" pitchFamily="18" charset="0"/>
+                <a:ea typeface="Calibri" panose="020F0502020204030204" pitchFamily="34" charset="0"/>
+                <a:cs typeface="Times New Roman" panose="02020603050405020304" pitchFamily="18" charset="0"/>
+              </a:rPr>
+              <a:t>At last, we have also trained a boosting based ensemble method called Gradient Boosting Classifier.</a:t>
+            </a:r>
+            <a:endParaRPr lang="en-US" sz="1800" b="1" dirty="0">
+              <a:effectLst/>
+              <a:latin typeface="Times New Roman" panose="02020603050405020304" pitchFamily="18" charset="0"/>
+              <a:ea typeface="Calibri" panose="020F0502020204030204" pitchFamily="34" charset="0"/>
+              <a:cs typeface="Times New Roman" panose="02020603050405020304" pitchFamily="18" charset="0"/>
+            </a:endParaRPr>
+          </a:p>
+          <a:p>
+            <a:pPr marL="0" marR="0">
+              <a:lnSpc>
+                <a:spcPct val="107000"/>
+              </a:lnSpc>
+              <a:spcBef>
+                <a:spcPts val="0"/>
+              </a:spcBef>
+              <a:spcAft>
+                <a:spcPts val="800"/>
+              </a:spcAft>
+            </a:pPr>
+            <a:r>
+              <a:rPr lang="en-US" sz="1800" b="1" dirty="0">
+                <a:effectLst/>
+                <a:latin typeface="Times New Roman" panose="02020603050405020304" pitchFamily="18" charset="0"/>
+                <a:ea typeface="Calibri" panose="020F0502020204030204" pitchFamily="34" charset="0"/>
+                <a:cs typeface="Times New Roman" panose="02020603050405020304" pitchFamily="18" charset="0"/>
+              </a:rPr>
+              <a:t>Gradient Boosting</a:t>
+            </a:r>
+            <a:endParaRPr lang="en-US" sz="1800" dirty="0">
+              <a:effectLst/>
+              <a:latin typeface="Calibri" panose="020F0502020204030204" pitchFamily="34" charset="0"/>
+              <a:ea typeface="Calibri" panose="020F0502020204030204" pitchFamily="34" charset="0"/>
+              <a:cs typeface="Times New Roman" panose="02020603050405020304" pitchFamily="18" charset="0"/>
+            </a:endParaRPr>
+          </a:p>
+          <a:p>
+            <a:pPr marL="0" marR="0" algn="just">
+              <a:lnSpc>
+                <a:spcPct val="107000"/>
+              </a:lnSpc>
+              <a:spcBef>
+                <a:spcPts val="0"/>
+              </a:spcBef>
+              <a:spcAft>
+                <a:spcPts val="800"/>
+              </a:spcAft>
+            </a:pPr>
+            <a:r>
+              <a:rPr lang="en-US" sz="1800" dirty="0">
+                <a:effectLst/>
+                <a:latin typeface="Times New Roman" panose="02020603050405020304" pitchFamily="18" charset="0"/>
+                <a:ea typeface="Calibri" panose="020F0502020204030204" pitchFamily="34" charset="0"/>
+                <a:cs typeface="Times New Roman" panose="02020603050405020304" pitchFamily="18" charset="0"/>
+              </a:rPr>
+              <a:t>Gradient Boosting is an ensemble classifier which basically means it uses many base classifiers, here the base classifier mostly used is decision tree classifier. Gradient Boosting uses boosting technique, it trains many classifiers in sequence which means the output of one is input to the other, this is done by building a model from the training data, then creating a second model that attempts to correct the errors from the first model. The models are added until the training set is predicted perfectly or a maximum number of models are added.</a:t>
+            </a:r>
+            <a:endParaRPr lang="en-US" dirty="0"/>
+          </a:p>
+        </p:txBody>
+      </p:sp>
+      <p:pic>
+        <p:nvPicPr>
+          <p:cNvPr id="3" name="Picture 2">
+            <a:extLst>
+              <a:ext uri="{FF2B5EF4-FFF2-40B4-BE49-F238E27FC236}">
+                <a16:creationId xmlns:a16="http://schemas.microsoft.com/office/drawing/2014/main" id="{8B5EB6CA-7BDB-4F87-87E3-D9388E69DB3F}"/>
+              </a:ext>
+            </a:extLst>
+          </p:cNvPr>
+          <p:cNvPicPr/>
+          <p:nvPr/>
+        </p:nvPicPr>
+        <p:blipFill>
+          <a:blip r:embed="rId2"/>
+          <a:stretch>
+            <a:fillRect/>
+          </a:stretch>
+        </p:blipFill>
+        <p:spPr>
+          <a:xfrm>
+            <a:off x="1058779" y="429962"/>
+            <a:ext cx="4023360" cy="3127375"/>
+          </a:xfrm>
+          <a:prstGeom prst="rect">
+            <a:avLst/>
+          </a:prstGeom>
+        </p:spPr>
+      </p:pic>
+    </p:spTree>
+    <p:extLst>
+      <p:ext uri="{BB962C8B-B14F-4D97-AF65-F5344CB8AC3E}">
+        <p14:creationId xmlns:p14="http://schemas.microsoft.com/office/powerpoint/2010/main" val="3742943936"/>
+      </p:ext>
+    </p:extLst>
+  </p:cSld>
+  <p:clrMapOvr>
+    <a:masterClrMapping/>
+  </p:clrMapOvr>
+</p:sld>
+</file>
+
+<file path=ppt/slides/slide37.xml><?xml version="1.0" encoding="utf-8"?>
+<p:sld xmlns:a="http://schemas.openxmlformats.org/drawingml/2006/main" xmlns:r="http://schemas.openxmlformats.org/officeDocument/2006/relationships" xmlns:p="http://schemas.openxmlformats.org/presentationml/2006/main">
+  <p:cSld>
+    <p:spTree>
+      <p:nvGrpSpPr>
+        <p:cNvPr id="1" name=""/>
+        <p:cNvGrpSpPr/>
+        <p:nvPr/>
+      </p:nvGrpSpPr>
+      <p:grpSpPr>
+        <a:xfrm>
+          <a:off x="0" y="0"/>
+          <a:ext cx="0" cy="0"/>
+          <a:chOff x="0" y="0"/>
+          <a:chExt cx="0" cy="0"/>
+        </a:xfrm>
+      </p:grpSpPr>
+      <p:sp>
+        <p:nvSpPr>
+          <p:cNvPr id="4" name="TextBox 3">
+            <a:extLst>
+              <a:ext uri="{FF2B5EF4-FFF2-40B4-BE49-F238E27FC236}">
+                <a16:creationId xmlns:a16="http://schemas.microsoft.com/office/drawing/2014/main" id="{54A79C71-B7F1-403E-8BF3-CD9F46AC1E58}"/>
+              </a:ext>
+            </a:extLst>
+          </p:cNvPr>
+          <p:cNvSpPr txBox="1"/>
+          <p:nvPr/>
+        </p:nvSpPr>
+        <p:spPr>
+          <a:xfrm>
+            <a:off x="112295" y="175156"/>
+            <a:ext cx="11871158" cy="1263166"/>
+          </a:xfrm>
+          <a:prstGeom prst="rect">
+            <a:avLst/>
+          </a:prstGeom>
+          <a:noFill/>
+        </p:spPr>
+        <p:txBody>
+          <a:bodyPr wrap="square">
+            <a:spAutoFit/>
+          </a:bodyPr>
+          <a:lstStyle/>
+          <a:p>
+            <a:pPr marL="0" marR="0" algn="just">
+              <a:lnSpc>
+                <a:spcPct val="107000"/>
+              </a:lnSpc>
+              <a:spcBef>
+                <a:spcPts val="0"/>
+              </a:spcBef>
+              <a:spcAft>
+                <a:spcPts val="800"/>
+              </a:spcAft>
+            </a:pPr>
+            <a:r>
+              <a:rPr lang="en-US" sz="1800" dirty="0">
+                <a:effectLst/>
+                <a:latin typeface="Times New Roman" panose="02020603050405020304" pitchFamily="18" charset="0"/>
+                <a:ea typeface="Calibri" panose="020F0502020204030204" pitchFamily="34" charset="0"/>
+                <a:cs typeface="Times New Roman" panose="02020603050405020304" pitchFamily="18" charset="0"/>
+              </a:rPr>
+              <a:t>Similar to previous methods before training random forest classifier we have normalized the data and split it into train and test. The model is trained on training data and is evaluated using a separately held out test data. Following are the performance metrics we are getting starting with accuracy score of ~ 0.81. Further metrics like precision, recall, F1 Score and ROC-AUC are shown below:</a:t>
+            </a:r>
+            <a:endParaRPr lang="en-US" sz="1600" dirty="0">
+              <a:effectLst/>
+              <a:latin typeface="Calibri" panose="020F0502020204030204" pitchFamily="34" charset="0"/>
+              <a:ea typeface="Calibri" panose="020F0502020204030204" pitchFamily="34" charset="0"/>
+              <a:cs typeface="Times New Roman" panose="02020603050405020304" pitchFamily="18" charset="0"/>
+            </a:endParaRPr>
+          </a:p>
+        </p:txBody>
+      </p:sp>
+      <p:pic>
+        <p:nvPicPr>
+          <p:cNvPr id="5" name="Picture 4">
+            <a:extLst>
+              <a:ext uri="{FF2B5EF4-FFF2-40B4-BE49-F238E27FC236}">
+                <a16:creationId xmlns:a16="http://schemas.microsoft.com/office/drawing/2014/main" id="{C8ED73BC-6AEC-4499-B89A-628CB7F6D6CA}"/>
+              </a:ext>
+            </a:extLst>
+          </p:cNvPr>
+          <p:cNvPicPr/>
+          <p:nvPr/>
+        </p:nvPicPr>
+        <p:blipFill>
+          <a:blip r:embed="rId2"/>
+          <a:stretch>
+            <a:fillRect/>
+          </a:stretch>
+        </p:blipFill>
+        <p:spPr>
+          <a:xfrm>
+            <a:off x="466808" y="1634807"/>
+            <a:ext cx="6623803" cy="3915761"/>
+          </a:xfrm>
+          <a:prstGeom prst="rect">
+            <a:avLst/>
+          </a:prstGeom>
+        </p:spPr>
+      </p:pic>
+      <p:sp>
+        <p:nvSpPr>
+          <p:cNvPr id="7" name="TextBox 6">
+            <a:extLst>
+              <a:ext uri="{FF2B5EF4-FFF2-40B4-BE49-F238E27FC236}">
+                <a16:creationId xmlns:a16="http://schemas.microsoft.com/office/drawing/2014/main" id="{4177766C-FE3D-48B1-A89A-10B1047B1F2B}"/>
+              </a:ext>
+            </a:extLst>
+          </p:cNvPr>
+          <p:cNvSpPr txBox="1"/>
+          <p:nvPr/>
+        </p:nvSpPr>
+        <p:spPr>
+          <a:xfrm>
+            <a:off x="304799" y="5747053"/>
+            <a:ext cx="11470105" cy="374077"/>
+          </a:xfrm>
+          <a:prstGeom prst="rect">
+            <a:avLst/>
+          </a:prstGeom>
+          <a:noFill/>
+        </p:spPr>
+        <p:txBody>
+          <a:bodyPr wrap="square">
+            <a:spAutoFit/>
+          </a:bodyPr>
+          <a:lstStyle/>
+          <a:p>
+            <a:pPr marL="0" marR="0" algn="just">
+              <a:lnSpc>
+                <a:spcPct val="107000"/>
+              </a:lnSpc>
+              <a:spcBef>
+                <a:spcPts val="0"/>
+              </a:spcBef>
+              <a:spcAft>
+                <a:spcPts val="800"/>
+              </a:spcAft>
+            </a:pPr>
+            <a:r>
+              <a:rPr lang="en-US" sz="1800" dirty="0">
+                <a:effectLst/>
+                <a:latin typeface="Times New Roman" panose="02020603050405020304" pitchFamily="18" charset="0"/>
+                <a:ea typeface="Calibri" panose="020F0502020204030204" pitchFamily="34" charset="0"/>
+                <a:cs typeface="Times New Roman" panose="02020603050405020304" pitchFamily="18" charset="0"/>
+              </a:rPr>
+              <a:t>Similarly, Classification report for Gradient Boosting classifier is shown below</a:t>
+            </a:r>
+            <a:endParaRPr lang="en-US" sz="1600" dirty="0">
+              <a:effectLst/>
+              <a:latin typeface="Calibri" panose="020F0502020204030204" pitchFamily="34" charset="0"/>
+              <a:ea typeface="Calibri" panose="020F0502020204030204" pitchFamily="34" charset="0"/>
+              <a:cs typeface="Times New Roman" panose="02020603050405020304" pitchFamily="18" charset="0"/>
+            </a:endParaRPr>
+          </a:p>
+        </p:txBody>
+      </p:sp>
+    </p:spTree>
+    <p:extLst>
+      <p:ext uri="{BB962C8B-B14F-4D97-AF65-F5344CB8AC3E}">
+        <p14:creationId xmlns:p14="http://schemas.microsoft.com/office/powerpoint/2010/main" val="274473237"/>
+      </p:ext>
+    </p:extLst>
+  </p:cSld>
+  <p:clrMapOvr>
+    <a:masterClrMapping/>
+  </p:clrMapOvr>
+</p:sld>
+</file>
+
+<file path=ppt/slides/slide38.xml><?xml version="1.0" encoding="utf-8"?>
+<p:sld xmlns:a="http://schemas.openxmlformats.org/drawingml/2006/main" xmlns:r="http://schemas.openxmlformats.org/officeDocument/2006/relationships" xmlns:p="http://schemas.openxmlformats.org/presentationml/2006/main">
+  <p:cSld>
+    <p:spTree>
+      <p:nvGrpSpPr>
+        <p:cNvPr id="1" name=""/>
+        <p:cNvGrpSpPr/>
+        <p:nvPr/>
+      </p:nvGrpSpPr>
+      <p:grpSpPr>
+        <a:xfrm>
+          <a:off x="0" y="0"/>
+          <a:ext cx="0" cy="0"/>
+          <a:chOff x="0" y="0"/>
+          <a:chExt cx="0" cy="0"/>
+        </a:xfrm>
+      </p:grpSpPr>
+      <p:graphicFrame>
+        <p:nvGraphicFramePr>
+          <p:cNvPr id="3" name="Table 2">
+            <a:extLst>
+              <a:ext uri="{FF2B5EF4-FFF2-40B4-BE49-F238E27FC236}">
+                <a16:creationId xmlns:a16="http://schemas.microsoft.com/office/drawing/2014/main" id="{100695E7-39C1-4EE5-BCD7-03D5E710E749}"/>
+              </a:ext>
+            </a:extLst>
+          </p:cNvPr>
+          <p:cNvGraphicFramePr>
+            <a:graphicFrameLocks noGrp="1"/>
+          </p:cNvGraphicFramePr>
+          <p:nvPr>
+            <p:extLst>
+              <p:ext uri="{D42A27DB-BD31-4B8C-83A1-F6EECF244321}">
+                <p14:modId xmlns:p14="http://schemas.microsoft.com/office/powerpoint/2010/main" val="3078283190"/>
+              </p:ext>
+            </p:extLst>
+          </p:nvPr>
+        </p:nvGraphicFramePr>
+        <p:xfrm>
+          <a:off x="240632" y="264696"/>
+          <a:ext cx="5965825" cy="1668145"/>
+        </p:xfrm>
+        <a:graphic>
+          <a:graphicData uri="http://schemas.openxmlformats.org/drawingml/2006/table">
+            <a:tbl>
+              <a:tblPr firstRow="1" firstCol="1" bandRow="1">
+                <a:tableStyleId>{5C22544A-7EE6-4342-B048-85BDC9FD1C3A}</a:tableStyleId>
+              </a:tblPr>
+              <a:tblGrid>
+                <a:gridCol w="1193165">
+                  <a:extLst>
+                    <a:ext uri="{9D8B030D-6E8A-4147-A177-3AD203B41FA5}">
+                      <a16:colId xmlns:a16="http://schemas.microsoft.com/office/drawing/2014/main" val="2521737644"/>
+                    </a:ext>
+                  </a:extLst>
+                </a:gridCol>
+                <a:gridCol w="1193165">
+                  <a:extLst>
+                    <a:ext uri="{9D8B030D-6E8A-4147-A177-3AD203B41FA5}">
+                      <a16:colId xmlns:a16="http://schemas.microsoft.com/office/drawing/2014/main" val="1600327397"/>
+                    </a:ext>
+                  </a:extLst>
+                </a:gridCol>
+                <a:gridCol w="1193165">
+                  <a:extLst>
+                    <a:ext uri="{9D8B030D-6E8A-4147-A177-3AD203B41FA5}">
+                      <a16:colId xmlns:a16="http://schemas.microsoft.com/office/drawing/2014/main" val="2724803269"/>
+                    </a:ext>
+                  </a:extLst>
+                </a:gridCol>
+                <a:gridCol w="1193165">
+                  <a:extLst>
+                    <a:ext uri="{9D8B030D-6E8A-4147-A177-3AD203B41FA5}">
+                      <a16:colId xmlns:a16="http://schemas.microsoft.com/office/drawing/2014/main" val="3362041304"/>
+                    </a:ext>
+                  </a:extLst>
+                </a:gridCol>
+                <a:gridCol w="1193165">
+                  <a:extLst>
+                    <a:ext uri="{9D8B030D-6E8A-4147-A177-3AD203B41FA5}">
+                      <a16:colId xmlns:a16="http://schemas.microsoft.com/office/drawing/2014/main" val="3701449215"/>
+                    </a:ext>
+                  </a:extLst>
+                </a:gridCol>
+              </a:tblGrid>
+              <a:tr h="280670">
+                <a:tc>
+                  <a:txBody>
+                    <a:bodyPr/>
+                    <a:lstStyle/>
+                    <a:p>
+                      <a:r>
+                        <a:rPr lang="en-US" sz="1200">
+                          <a:effectLst/>
+                        </a:rPr>
+                        <a:t> </a:t>
+                      </a:r>
+                      <a:endParaRPr lang="en-US" sz="1100">
+                        <a:effectLst/>
+                        <a:latin typeface="Calibri" panose="020F0502020204030204" pitchFamily="34" charset="0"/>
+                        <a:cs typeface="Times New Roman" panose="02020603050405020304" pitchFamily="18" charset="0"/>
+                      </a:endParaRPr>
+                    </a:p>
+                  </a:txBody>
+                  <a:tcPr marL="68580" marR="68580" marT="0" marB="0"/>
+                </a:tc>
+                <a:tc>
+                  <a:txBody>
+                    <a:bodyPr/>
+                    <a:lstStyle/>
+                    <a:p>
+                      <a:r>
+                        <a:rPr lang="en-US" sz="1200">
+                          <a:effectLst/>
+                        </a:rPr>
+                        <a:t>precision</a:t>
+                      </a:r>
+                      <a:endParaRPr lang="en-US" sz="1100">
+                        <a:effectLst/>
+                        <a:latin typeface="Calibri" panose="020F0502020204030204" pitchFamily="34" charset="0"/>
+                        <a:cs typeface="Times New Roman" panose="02020603050405020304" pitchFamily="18" charset="0"/>
+                      </a:endParaRPr>
+                    </a:p>
+                  </a:txBody>
+                  <a:tcPr marL="68580" marR="68580" marT="0" marB="0"/>
+                </a:tc>
+                <a:tc>
+                  <a:txBody>
+                    <a:bodyPr/>
+                    <a:lstStyle/>
+                    <a:p>
+                      <a:r>
+                        <a:rPr lang="en-US" sz="1200">
+                          <a:effectLst/>
+                        </a:rPr>
+                        <a:t>recall</a:t>
+                      </a:r>
+                      <a:endParaRPr lang="en-US" sz="1100">
+                        <a:effectLst/>
+                        <a:latin typeface="Calibri" panose="020F0502020204030204" pitchFamily="34" charset="0"/>
+                        <a:cs typeface="Times New Roman" panose="02020603050405020304" pitchFamily="18" charset="0"/>
+                      </a:endParaRPr>
+                    </a:p>
+                  </a:txBody>
+                  <a:tcPr marL="68580" marR="68580" marT="0" marB="0"/>
+                </a:tc>
+                <a:tc>
+                  <a:txBody>
+                    <a:bodyPr/>
+                    <a:lstStyle/>
+                    <a:p>
+                      <a:r>
+                        <a:rPr lang="en-US" sz="1200">
+                          <a:effectLst/>
+                        </a:rPr>
+                        <a:t>f1-score</a:t>
+                      </a:r>
+                      <a:endParaRPr lang="en-US" sz="1100">
+                        <a:effectLst/>
+                        <a:latin typeface="Calibri" panose="020F0502020204030204" pitchFamily="34" charset="0"/>
+                        <a:cs typeface="Times New Roman" panose="02020603050405020304" pitchFamily="18" charset="0"/>
+                      </a:endParaRPr>
+                    </a:p>
+                  </a:txBody>
+                  <a:tcPr marL="68580" marR="68580" marT="0" marB="0"/>
+                </a:tc>
+                <a:tc>
+                  <a:txBody>
+                    <a:bodyPr/>
+                    <a:lstStyle/>
+                    <a:p>
+                      <a:r>
+                        <a:rPr lang="en-US" sz="1200">
+                          <a:effectLst/>
+                        </a:rPr>
+                        <a:t>support</a:t>
+                      </a:r>
+                      <a:endParaRPr lang="en-US" sz="1100">
+                        <a:effectLst/>
+                        <a:latin typeface="Calibri" panose="020F0502020204030204" pitchFamily="34" charset="0"/>
+                        <a:cs typeface="Times New Roman" panose="02020603050405020304" pitchFamily="18" charset="0"/>
+                      </a:endParaRPr>
+                    </a:p>
+                  </a:txBody>
+                  <a:tcPr marL="68580" marR="68580" marT="0" marB="0"/>
+                </a:tc>
+                <a:extLst>
+                  <a:ext uri="{0D108BD9-81ED-4DB2-BD59-A6C34878D82A}">
+                    <a16:rowId xmlns:a16="http://schemas.microsoft.com/office/drawing/2014/main" val="3016442295"/>
+                  </a:ext>
+                </a:extLst>
+              </a:tr>
+              <a:tr h="280670">
+                <a:tc>
+                  <a:txBody>
+                    <a:bodyPr/>
+                    <a:lstStyle/>
+                    <a:p>
+                      <a:r>
+                        <a:rPr lang="en-US" sz="1200">
+                          <a:effectLst/>
+                        </a:rPr>
+                        <a:t>0</a:t>
+                      </a:r>
+                      <a:endParaRPr lang="en-US" sz="1100">
+                        <a:effectLst/>
+                        <a:latin typeface="Calibri" panose="020F0502020204030204" pitchFamily="34" charset="0"/>
+                        <a:cs typeface="Times New Roman" panose="02020603050405020304" pitchFamily="18" charset="0"/>
+                      </a:endParaRPr>
+                    </a:p>
+                  </a:txBody>
+                  <a:tcPr marL="68580" marR="68580" marT="0" marB="0"/>
+                </a:tc>
+                <a:tc>
+                  <a:txBody>
+                    <a:bodyPr/>
+                    <a:lstStyle/>
+                    <a:p>
+                      <a:r>
+                        <a:rPr lang="en-US" sz="1200">
+                          <a:effectLst/>
+                        </a:rPr>
+                        <a:t>0.85</a:t>
+                      </a:r>
+                      <a:endParaRPr lang="en-US" sz="1100">
+                        <a:effectLst/>
+                        <a:latin typeface="Calibri" panose="020F0502020204030204" pitchFamily="34" charset="0"/>
+                        <a:cs typeface="Times New Roman" panose="02020603050405020304" pitchFamily="18" charset="0"/>
+                      </a:endParaRPr>
+                    </a:p>
+                  </a:txBody>
+                  <a:tcPr marL="68580" marR="68580" marT="0" marB="0"/>
+                </a:tc>
+                <a:tc>
+                  <a:txBody>
+                    <a:bodyPr/>
+                    <a:lstStyle/>
+                    <a:p>
+                      <a:r>
+                        <a:rPr lang="en-US" sz="1200">
+                          <a:effectLst/>
+                        </a:rPr>
+                        <a:t>0.90</a:t>
+                      </a:r>
+                      <a:endParaRPr lang="en-US" sz="1100">
+                        <a:effectLst/>
+                        <a:latin typeface="Calibri" panose="020F0502020204030204" pitchFamily="34" charset="0"/>
+                        <a:cs typeface="Times New Roman" panose="02020603050405020304" pitchFamily="18" charset="0"/>
+                      </a:endParaRPr>
+                    </a:p>
+                  </a:txBody>
+                  <a:tcPr marL="68580" marR="68580" marT="0" marB="0"/>
+                </a:tc>
+                <a:tc>
+                  <a:txBody>
+                    <a:bodyPr/>
+                    <a:lstStyle/>
+                    <a:p>
+                      <a:r>
+                        <a:rPr lang="en-US" sz="1200">
+                          <a:effectLst/>
+                        </a:rPr>
+                        <a:t>0.88</a:t>
+                      </a:r>
+                      <a:endParaRPr lang="en-US" sz="1100">
+                        <a:effectLst/>
+                        <a:latin typeface="Calibri" panose="020F0502020204030204" pitchFamily="34" charset="0"/>
+                        <a:cs typeface="Times New Roman" panose="02020603050405020304" pitchFamily="18" charset="0"/>
+                      </a:endParaRPr>
+                    </a:p>
+                  </a:txBody>
+                  <a:tcPr marL="68580" marR="68580" marT="0" marB="0"/>
+                </a:tc>
+                <a:tc>
+                  <a:txBody>
+                    <a:bodyPr/>
+                    <a:lstStyle/>
+                    <a:p>
+                      <a:r>
+                        <a:rPr lang="en-US" sz="1200">
+                          <a:effectLst/>
+                        </a:rPr>
+                        <a:t>1294</a:t>
+                      </a:r>
+                      <a:endParaRPr lang="en-US" sz="1100">
+                        <a:effectLst/>
+                        <a:latin typeface="Calibri" panose="020F0502020204030204" pitchFamily="34" charset="0"/>
+                        <a:cs typeface="Times New Roman" panose="02020603050405020304" pitchFamily="18" charset="0"/>
+                      </a:endParaRPr>
+                    </a:p>
+                  </a:txBody>
+                  <a:tcPr marL="68580" marR="68580" marT="0" marB="0"/>
+                </a:tc>
+                <a:extLst>
+                  <a:ext uri="{0D108BD9-81ED-4DB2-BD59-A6C34878D82A}">
+                    <a16:rowId xmlns:a16="http://schemas.microsoft.com/office/drawing/2014/main" val="784149170"/>
+                  </a:ext>
+                </a:extLst>
+              </a:tr>
+              <a:tr h="264795">
+                <a:tc>
+                  <a:txBody>
+                    <a:bodyPr/>
+                    <a:lstStyle/>
+                    <a:p>
+                      <a:r>
+                        <a:rPr lang="en-US" sz="1200">
+                          <a:effectLst/>
+                        </a:rPr>
+                        <a:t>1</a:t>
+                      </a:r>
+                      <a:endParaRPr lang="en-US" sz="1100">
+                        <a:effectLst/>
+                        <a:latin typeface="Calibri" panose="020F0502020204030204" pitchFamily="34" charset="0"/>
+                        <a:cs typeface="Times New Roman" panose="02020603050405020304" pitchFamily="18" charset="0"/>
+                      </a:endParaRPr>
+                    </a:p>
+                  </a:txBody>
+                  <a:tcPr marL="68580" marR="68580" marT="0" marB="0"/>
+                </a:tc>
+                <a:tc>
+                  <a:txBody>
+                    <a:bodyPr/>
+                    <a:lstStyle/>
+                    <a:p>
+                      <a:r>
+                        <a:rPr lang="en-US" sz="1200">
+                          <a:effectLst/>
+                        </a:rPr>
+                        <a:t>0.67</a:t>
+                      </a:r>
+                      <a:endParaRPr lang="en-US" sz="1100">
+                        <a:effectLst/>
+                        <a:latin typeface="Calibri" panose="020F0502020204030204" pitchFamily="34" charset="0"/>
+                        <a:cs typeface="Times New Roman" panose="02020603050405020304" pitchFamily="18" charset="0"/>
+                      </a:endParaRPr>
+                    </a:p>
+                  </a:txBody>
+                  <a:tcPr marL="68580" marR="68580" marT="0" marB="0"/>
+                </a:tc>
+                <a:tc>
+                  <a:txBody>
+                    <a:bodyPr/>
+                    <a:lstStyle/>
+                    <a:p>
+                      <a:r>
+                        <a:rPr lang="en-US" sz="1200">
+                          <a:effectLst/>
+                        </a:rPr>
+                        <a:t>0.56</a:t>
+                      </a:r>
+                      <a:endParaRPr lang="en-US" sz="1100">
+                        <a:effectLst/>
+                        <a:latin typeface="Calibri" panose="020F0502020204030204" pitchFamily="34" charset="0"/>
+                        <a:cs typeface="Times New Roman" panose="02020603050405020304" pitchFamily="18" charset="0"/>
+                      </a:endParaRPr>
+                    </a:p>
+                  </a:txBody>
+                  <a:tcPr marL="68580" marR="68580" marT="0" marB="0"/>
+                </a:tc>
+                <a:tc>
+                  <a:txBody>
+                    <a:bodyPr/>
+                    <a:lstStyle/>
+                    <a:p>
+                      <a:r>
+                        <a:rPr lang="en-US" sz="1200">
+                          <a:effectLst/>
+                        </a:rPr>
+                        <a:t>0.61</a:t>
+                      </a:r>
+                      <a:endParaRPr lang="en-US" sz="1100">
+                        <a:effectLst/>
+                        <a:latin typeface="Calibri" panose="020F0502020204030204" pitchFamily="34" charset="0"/>
+                        <a:cs typeface="Times New Roman" panose="02020603050405020304" pitchFamily="18" charset="0"/>
+                      </a:endParaRPr>
+                    </a:p>
+                  </a:txBody>
+                  <a:tcPr marL="68580" marR="68580" marT="0" marB="0"/>
+                </a:tc>
+                <a:tc>
+                  <a:txBody>
+                    <a:bodyPr/>
+                    <a:lstStyle/>
+                    <a:p>
+                      <a:r>
+                        <a:rPr lang="en-US" sz="1200">
+                          <a:effectLst/>
+                        </a:rPr>
+                        <a:t>467</a:t>
+                      </a:r>
+                      <a:endParaRPr lang="en-US" sz="1100">
+                        <a:effectLst/>
+                        <a:latin typeface="Calibri" panose="020F0502020204030204" pitchFamily="34" charset="0"/>
+                        <a:cs typeface="Times New Roman" panose="02020603050405020304" pitchFamily="18" charset="0"/>
+                      </a:endParaRPr>
+                    </a:p>
+                  </a:txBody>
+                  <a:tcPr marL="68580" marR="68580" marT="0" marB="0"/>
+                </a:tc>
+                <a:extLst>
+                  <a:ext uri="{0D108BD9-81ED-4DB2-BD59-A6C34878D82A}">
+                    <a16:rowId xmlns:a16="http://schemas.microsoft.com/office/drawing/2014/main" val="2716378887"/>
+                  </a:ext>
+                </a:extLst>
+              </a:tr>
+              <a:tr h="280670">
+                <a:tc>
+                  <a:txBody>
+                    <a:bodyPr/>
+                    <a:lstStyle/>
+                    <a:p>
+                      <a:r>
+                        <a:rPr lang="en-US" sz="1200">
+                          <a:effectLst/>
+                        </a:rPr>
+                        <a:t>accuracy</a:t>
+                      </a:r>
+                      <a:endParaRPr lang="en-US" sz="1100">
+                        <a:effectLst/>
+                        <a:latin typeface="Calibri" panose="020F0502020204030204" pitchFamily="34" charset="0"/>
+                        <a:cs typeface="Times New Roman" panose="02020603050405020304" pitchFamily="18" charset="0"/>
+                      </a:endParaRPr>
+                    </a:p>
+                  </a:txBody>
+                  <a:tcPr marL="68580" marR="68580" marT="0" marB="0"/>
+                </a:tc>
+                <a:tc>
+                  <a:txBody>
+                    <a:bodyPr/>
+                    <a:lstStyle/>
+                    <a:p>
+                      <a:pPr marL="0" marR="0" algn="r">
+                        <a:lnSpc>
+                          <a:spcPct val="107000"/>
+                        </a:lnSpc>
+                        <a:spcBef>
+                          <a:spcPts val="0"/>
+                        </a:spcBef>
+                        <a:spcAft>
+                          <a:spcPts val="0"/>
+                        </a:spcAft>
+                      </a:pPr>
+                      <a:r>
+                        <a:rPr lang="en-US" sz="1200">
+                          <a:effectLst/>
+                        </a:rPr>
+                        <a:t> </a:t>
+                      </a:r>
+                      <a:endParaRPr lang="en-US" sz="1100">
+                        <a:effectLst/>
+                        <a:latin typeface="Calibri" panose="020F0502020204030204" pitchFamily="34" charset="0"/>
+                        <a:ea typeface="Calibri" panose="020F0502020204030204" pitchFamily="34" charset="0"/>
+                        <a:cs typeface="Times New Roman" panose="02020603050405020304" pitchFamily="18" charset="0"/>
+                      </a:endParaRPr>
+                    </a:p>
+                  </a:txBody>
+                  <a:tcPr marL="68580" marR="68580" marT="0" marB="0"/>
+                </a:tc>
+                <a:tc>
+                  <a:txBody>
+                    <a:bodyPr/>
+                    <a:lstStyle/>
+                    <a:p>
+                      <a:pPr marL="0" marR="0" algn="r">
+                        <a:lnSpc>
+                          <a:spcPct val="107000"/>
+                        </a:lnSpc>
+                        <a:spcBef>
+                          <a:spcPts val="0"/>
+                        </a:spcBef>
+                        <a:spcAft>
+                          <a:spcPts val="0"/>
+                        </a:spcAft>
+                      </a:pPr>
+                      <a:r>
+                        <a:rPr lang="en-US" sz="1200">
+                          <a:effectLst/>
+                        </a:rPr>
+                        <a:t> </a:t>
+                      </a:r>
+                      <a:endParaRPr lang="en-US" sz="1100">
+                        <a:effectLst/>
+                        <a:latin typeface="Calibri" panose="020F0502020204030204" pitchFamily="34" charset="0"/>
+                        <a:ea typeface="Calibri" panose="020F0502020204030204" pitchFamily="34" charset="0"/>
+                        <a:cs typeface="Times New Roman" panose="02020603050405020304" pitchFamily="18" charset="0"/>
+                      </a:endParaRPr>
+                    </a:p>
+                  </a:txBody>
+                  <a:tcPr marL="68580" marR="68580" marT="0" marB="0"/>
+                </a:tc>
+                <a:tc>
+                  <a:txBody>
+                    <a:bodyPr/>
+                    <a:lstStyle/>
+                    <a:p>
+                      <a:pPr marL="0" marR="0" algn="r">
+                        <a:lnSpc>
+                          <a:spcPct val="107000"/>
+                        </a:lnSpc>
+                        <a:spcBef>
+                          <a:spcPts val="0"/>
+                        </a:spcBef>
+                        <a:spcAft>
+                          <a:spcPts val="0"/>
+                        </a:spcAft>
+                      </a:pPr>
+                      <a:r>
+                        <a:rPr lang="en-US" sz="1200">
+                          <a:effectLst/>
+                        </a:rPr>
+                        <a:t>0.81</a:t>
+                      </a:r>
+                      <a:endParaRPr lang="en-US" sz="1100">
+                        <a:effectLst/>
+                        <a:latin typeface="Calibri" panose="020F0502020204030204" pitchFamily="34" charset="0"/>
+                        <a:ea typeface="Calibri" panose="020F0502020204030204" pitchFamily="34" charset="0"/>
+                        <a:cs typeface="Times New Roman" panose="02020603050405020304" pitchFamily="18" charset="0"/>
+                      </a:endParaRPr>
+                    </a:p>
+                  </a:txBody>
+                  <a:tcPr marL="68580" marR="68580" marT="0" marB="0"/>
+                </a:tc>
+                <a:tc>
+                  <a:txBody>
+                    <a:bodyPr/>
+                    <a:lstStyle/>
+                    <a:p>
+                      <a:pPr marL="0" marR="0" algn="r">
+                        <a:lnSpc>
+                          <a:spcPct val="107000"/>
+                        </a:lnSpc>
+                        <a:spcBef>
+                          <a:spcPts val="0"/>
+                        </a:spcBef>
+                        <a:spcAft>
+                          <a:spcPts val="0"/>
+                        </a:spcAft>
+                      </a:pPr>
+                      <a:r>
+                        <a:rPr lang="en-US" sz="1200">
+                          <a:effectLst/>
+                        </a:rPr>
+                        <a:t>1761</a:t>
+                      </a:r>
+                      <a:endParaRPr lang="en-US" sz="1100">
+                        <a:effectLst/>
+                        <a:latin typeface="Calibri" panose="020F0502020204030204" pitchFamily="34" charset="0"/>
+                        <a:ea typeface="Calibri" panose="020F0502020204030204" pitchFamily="34" charset="0"/>
+                        <a:cs typeface="Times New Roman" panose="02020603050405020304" pitchFamily="18" charset="0"/>
+                      </a:endParaRPr>
+                    </a:p>
+                  </a:txBody>
+                  <a:tcPr marL="68580" marR="68580" marT="0" marB="0"/>
+                </a:tc>
+                <a:extLst>
+                  <a:ext uri="{0D108BD9-81ED-4DB2-BD59-A6C34878D82A}">
+                    <a16:rowId xmlns:a16="http://schemas.microsoft.com/office/drawing/2014/main" val="3875143986"/>
+                  </a:ext>
+                </a:extLst>
+              </a:tr>
+              <a:tr h="280670">
+                <a:tc>
+                  <a:txBody>
+                    <a:bodyPr/>
+                    <a:lstStyle/>
+                    <a:p>
+                      <a:r>
+                        <a:rPr lang="en-US" sz="1200">
+                          <a:effectLst/>
+                        </a:rPr>
+                        <a:t>macro avg</a:t>
+                      </a:r>
+                      <a:endParaRPr lang="en-US" sz="1100">
+                        <a:effectLst/>
+                        <a:latin typeface="Calibri" panose="020F0502020204030204" pitchFamily="34" charset="0"/>
+                        <a:cs typeface="Times New Roman" panose="02020603050405020304" pitchFamily="18" charset="0"/>
+                      </a:endParaRPr>
+                    </a:p>
+                  </a:txBody>
+                  <a:tcPr marL="68580" marR="68580" marT="0" marB="0"/>
+                </a:tc>
+                <a:tc>
+                  <a:txBody>
+                    <a:bodyPr/>
+                    <a:lstStyle/>
+                    <a:p>
+                      <a:pPr marL="0" marR="0" algn="r">
+                        <a:lnSpc>
+                          <a:spcPct val="107000"/>
+                        </a:lnSpc>
+                        <a:spcBef>
+                          <a:spcPts val="0"/>
+                        </a:spcBef>
+                        <a:spcAft>
+                          <a:spcPts val="0"/>
+                        </a:spcAft>
+                      </a:pPr>
+                      <a:r>
+                        <a:rPr lang="en-US" sz="1200">
+                          <a:effectLst/>
+                        </a:rPr>
+                        <a:t>0.76</a:t>
+                      </a:r>
+                      <a:endParaRPr lang="en-US" sz="1100">
+                        <a:effectLst/>
+                        <a:latin typeface="Calibri" panose="020F0502020204030204" pitchFamily="34" charset="0"/>
+                        <a:ea typeface="Calibri" panose="020F0502020204030204" pitchFamily="34" charset="0"/>
+                        <a:cs typeface="Times New Roman" panose="02020603050405020304" pitchFamily="18" charset="0"/>
+                      </a:endParaRPr>
+                    </a:p>
+                  </a:txBody>
+                  <a:tcPr marL="68580" marR="68580" marT="0" marB="0"/>
+                </a:tc>
+                <a:tc>
+                  <a:txBody>
+                    <a:bodyPr/>
+                    <a:lstStyle/>
+                    <a:p>
+                      <a:pPr marL="0" marR="0" algn="r">
+                        <a:lnSpc>
+                          <a:spcPct val="107000"/>
+                        </a:lnSpc>
+                        <a:spcBef>
+                          <a:spcPts val="0"/>
+                        </a:spcBef>
+                        <a:spcAft>
+                          <a:spcPts val="0"/>
+                        </a:spcAft>
+                      </a:pPr>
+                      <a:r>
+                        <a:rPr lang="en-US" sz="1200">
+                          <a:effectLst/>
+                        </a:rPr>
+                        <a:t>0.73</a:t>
+                      </a:r>
+                      <a:endParaRPr lang="en-US" sz="1100">
+                        <a:effectLst/>
+                        <a:latin typeface="Calibri" panose="020F0502020204030204" pitchFamily="34" charset="0"/>
+                        <a:ea typeface="Calibri" panose="020F0502020204030204" pitchFamily="34" charset="0"/>
+                        <a:cs typeface="Times New Roman" panose="02020603050405020304" pitchFamily="18" charset="0"/>
+                      </a:endParaRPr>
+                    </a:p>
+                  </a:txBody>
+                  <a:tcPr marL="68580" marR="68580" marT="0" marB="0"/>
+                </a:tc>
+                <a:tc>
+                  <a:txBody>
+                    <a:bodyPr/>
+                    <a:lstStyle/>
+                    <a:p>
+                      <a:pPr marL="0" marR="0" algn="r">
+                        <a:lnSpc>
+                          <a:spcPct val="107000"/>
+                        </a:lnSpc>
+                        <a:spcBef>
+                          <a:spcPts val="0"/>
+                        </a:spcBef>
+                        <a:spcAft>
+                          <a:spcPts val="0"/>
+                        </a:spcAft>
+                      </a:pPr>
+                      <a:r>
+                        <a:rPr lang="en-US" sz="1200">
+                          <a:effectLst/>
+                        </a:rPr>
+                        <a:t>0.74</a:t>
+                      </a:r>
+                      <a:endParaRPr lang="en-US" sz="1100">
+                        <a:effectLst/>
+                        <a:latin typeface="Calibri" panose="020F0502020204030204" pitchFamily="34" charset="0"/>
+                        <a:ea typeface="Calibri" panose="020F0502020204030204" pitchFamily="34" charset="0"/>
+                        <a:cs typeface="Times New Roman" panose="02020603050405020304" pitchFamily="18" charset="0"/>
+                      </a:endParaRPr>
+                    </a:p>
+                  </a:txBody>
+                  <a:tcPr marL="68580" marR="68580" marT="0" marB="0"/>
+                </a:tc>
+                <a:tc>
+                  <a:txBody>
+                    <a:bodyPr/>
+                    <a:lstStyle/>
+                    <a:p>
+                      <a:pPr marL="0" marR="0" algn="r">
+                        <a:lnSpc>
+                          <a:spcPct val="107000"/>
+                        </a:lnSpc>
+                        <a:spcBef>
+                          <a:spcPts val="0"/>
+                        </a:spcBef>
+                        <a:spcAft>
+                          <a:spcPts val="0"/>
+                        </a:spcAft>
+                      </a:pPr>
+                      <a:r>
+                        <a:rPr lang="en-US" sz="1200">
+                          <a:effectLst/>
+                        </a:rPr>
+                        <a:t>1761</a:t>
+                      </a:r>
+                      <a:endParaRPr lang="en-US" sz="1100">
+                        <a:effectLst/>
+                        <a:latin typeface="Calibri" panose="020F0502020204030204" pitchFamily="34" charset="0"/>
+                        <a:ea typeface="Calibri" panose="020F0502020204030204" pitchFamily="34" charset="0"/>
+                        <a:cs typeface="Times New Roman" panose="02020603050405020304" pitchFamily="18" charset="0"/>
+                      </a:endParaRPr>
+                    </a:p>
+                  </a:txBody>
+                  <a:tcPr marL="68580" marR="68580" marT="0" marB="0"/>
+                </a:tc>
+                <a:extLst>
+                  <a:ext uri="{0D108BD9-81ED-4DB2-BD59-A6C34878D82A}">
+                    <a16:rowId xmlns:a16="http://schemas.microsoft.com/office/drawing/2014/main" val="3729450856"/>
+                  </a:ext>
+                </a:extLst>
+              </a:tr>
+              <a:tr h="280670">
+                <a:tc>
+                  <a:txBody>
+                    <a:bodyPr/>
+                    <a:lstStyle/>
+                    <a:p>
+                      <a:r>
+                        <a:rPr lang="en-US" sz="1200">
+                          <a:effectLst/>
+                        </a:rPr>
+                        <a:t>weighted avg</a:t>
+                      </a:r>
+                      <a:endParaRPr lang="en-US" sz="1100">
+                        <a:effectLst/>
+                        <a:latin typeface="Calibri" panose="020F0502020204030204" pitchFamily="34" charset="0"/>
+                        <a:cs typeface="Times New Roman" panose="02020603050405020304" pitchFamily="18" charset="0"/>
+                      </a:endParaRPr>
+                    </a:p>
+                  </a:txBody>
+                  <a:tcPr marL="68580" marR="68580" marT="0" marB="0"/>
+                </a:tc>
+                <a:tc>
+                  <a:txBody>
+                    <a:bodyPr/>
+                    <a:lstStyle/>
+                    <a:p>
+                      <a:pPr marL="0" marR="0" algn="r">
+                        <a:lnSpc>
+                          <a:spcPct val="107000"/>
+                        </a:lnSpc>
+                        <a:spcBef>
+                          <a:spcPts val="0"/>
+                        </a:spcBef>
+                        <a:spcAft>
+                          <a:spcPts val="0"/>
+                        </a:spcAft>
+                      </a:pPr>
+                      <a:r>
+                        <a:rPr lang="en-US" sz="1200">
+                          <a:effectLst/>
+                        </a:rPr>
+                        <a:t>0.80</a:t>
+                      </a:r>
+                      <a:endParaRPr lang="en-US" sz="1100">
+                        <a:effectLst/>
+                        <a:latin typeface="Calibri" panose="020F0502020204030204" pitchFamily="34" charset="0"/>
+                        <a:ea typeface="Calibri" panose="020F0502020204030204" pitchFamily="34" charset="0"/>
+                        <a:cs typeface="Times New Roman" panose="02020603050405020304" pitchFamily="18" charset="0"/>
+                      </a:endParaRPr>
+                    </a:p>
+                  </a:txBody>
+                  <a:tcPr marL="68580" marR="68580" marT="0" marB="0"/>
+                </a:tc>
+                <a:tc>
+                  <a:txBody>
+                    <a:bodyPr/>
+                    <a:lstStyle/>
+                    <a:p>
+                      <a:pPr marL="0" marR="0" algn="r">
+                        <a:lnSpc>
+                          <a:spcPct val="107000"/>
+                        </a:lnSpc>
+                        <a:spcBef>
+                          <a:spcPts val="0"/>
+                        </a:spcBef>
+                        <a:spcAft>
+                          <a:spcPts val="0"/>
+                        </a:spcAft>
+                      </a:pPr>
+                      <a:r>
+                        <a:rPr lang="en-US" sz="1200">
+                          <a:effectLst/>
+                        </a:rPr>
+                        <a:t>0.81</a:t>
+                      </a:r>
+                      <a:endParaRPr lang="en-US" sz="1100">
+                        <a:effectLst/>
+                        <a:latin typeface="Calibri" panose="020F0502020204030204" pitchFamily="34" charset="0"/>
+                        <a:ea typeface="Calibri" panose="020F0502020204030204" pitchFamily="34" charset="0"/>
+                        <a:cs typeface="Times New Roman" panose="02020603050405020304" pitchFamily="18" charset="0"/>
+                      </a:endParaRPr>
+                    </a:p>
+                  </a:txBody>
+                  <a:tcPr marL="68580" marR="68580" marT="0" marB="0"/>
+                </a:tc>
+                <a:tc>
+                  <a:txBody>
+                    <a:bodyPr/>
+                    <a:lstStyle/>
+                    <a:p>
+                      <a:pPr marL="0" marR="0" algn="r">
+                        <a:lnSpc>
+                          <a:spcPct val="107000"/>
+                        </a:lnSpc>
+                        <a:spcBef>
+                          <a:spcPts val="0"/>
+                        </a:spcBef>
+                        <a:spcAft>
+                          <a:spcPts val="0"/>
+                        </a:spcAft>
+                      </a:pPr>
+                      <a:r>
+                        <a:rPr lang="en-US" sz="1200">
+                          <a:effectLst/>
+                        </a:rPr>
+                        <a:t>0.81</a:t>
+                      </a:r>
+                      <a:endParaRPr lang="en-US" sz="1100">
+                        <a:effectLst/>
+                        <a:latin typeface="Calibri" panose="020F0502020204030204" pitchFamily="34" charset="0"/>
+                        <a:ea typeface="Calibri" panose="020F0502020204030204" pitchFamily="34" charset="0"/>
+                        <a:cs typeface="Times New Roman" panose="02020603050405020304" pitchFamily="18" charset="0"/>
+                      </a:endParaRPr>
+                    </a:p>
+                  </a:txBody>
+                  <a:tcPr marL="68580" marR="68580" marT="0" marB="0"/>
+                </a:tc>
+                <a:tc>
+                  <a:txBody>
+                    <a:bodyPr/>
+                    <a:lstStyle/>
+                    <a:p>
+                      <a:pPr marL="0" marR="0" algn="r">
+                        <a:lnSpc>
+                          <a:spcPct val="107000"/>
+                        </a:lnSpc>
+                        <a:spcBef>
+                          <a:spcPts val="0"/>
+                        </a:spcBef>
+                        <a:spcAft>
+                          <a:spcPts val="0"/>
+                        </a:spcAft>
+                      </a:pPr>
+                      <a:r>
+                        <a:rPr lang="en-US" sz="1200" dirty="0">
+                          <a:effectLst/>
+                        </a:rPr>
+                        <a:t>1761</a:t>
+                      </a:r>
+                      <a:endParaRPr lang="en-US" sz="1100" dirty="0">
+                        <a:effectLst/>
+                        <a:latin typeface="Calibri" panose="020F0502020204030204" pitchFamily="34" charset="0"/>
+                        <a:ea typeface="Calibri" panose="020F0502020204030204" pitchFamily="34" charset="0"/>
+                        <a:cs typeface="Times New Roman" panose="02020603050405020304" pitchFamily="18" charset="0"/>
+                      </a:endParaRPr>
+                    </a:p>
+                  </a:txBody>
+                  <a:tcPr marL="68580" marR="68580" marT="0" marB="0"/>
+                </a:tc>
+                <a:extLst>
+                  <a:ext uri="{0D108BD9-81ED-4DB2-BD59-A6C34878D82A}">
+                    <a16:rowId xmlns:a16="http://schemas.microsoft.com/office/drawing/2014/main" val="2425411658"/>
+                  </a:ext>
+                </a:extLst>
+              </a:tr>
+            </a:tbl>
+          </a:graphicData>
+        </a:graphic>
+      </p:graphicFrame>
+      <p:pic>
+        <p:nvPicPr>
+          <p:cNvPr id="4" name="Picture 3">
+            <a:extLst>
+              <a:ext uri="{FF2B5EF4-FFF2-40B4-BE49-F238E27FC236}">
+                <a16:creationId xmlns:a16="http://schemas.microsoft.com/office/drawing/2014/main" id="{23D77129-FE5E-44F7-91C9-AC51E154E69D}"/>
+              </a:ext>
+            </a:extLst>
+          </p:cNvPr>
+          <p:cNvPicPr/>
+          <p:nvPr/>
+        </p:nvPicPr>
+        <p:blipFill>
+          <a:blip r:embed="rId2"/>
+          <a:stretch>
+            <a:fillRect/>
+          </a:stretch>
+        </p:blipFill>
+        <p:spPr>
+          <a:xfrm>
+            <a:off x="550245" y="2811796"/>
+            <a:ext cx="3840480" cy="3127375"/>
+          </a:xfrm>
+          <a:prstGeom prst="rect">
+            <a:avLst/>
+          </a:prstGeom>
+        </p:spPr>
+      </p:pic>
+    </p:spTree>
+    <p:extLst>
+      <p:ext uri="{BB962C8B-B14F-4D97-AF65-F5344CB8AC3E}">
+        <p14:creationId xmlns:p14="http://schemas.microsoft.com/office/powerpoint/2010/main" val="1658449549"/>
+      </p:ext>
+    </p:extLst>
+  </p:cSld>
+  <p:clrMapOvr>
+    <a:masterClrMapping/>
+  </p:clrMapOvr>
+</p:sld>
+</file>
+
+<file path=ppt/slides/slide39.xml><?xml version="1.0" encoding="utf-8"?>
+<p:sld xmlns:a="http://schemas.openxmlformats.org/drawingml/2006/main" xmlns:r="http://schemas.openxmlformats.org/officeDocument/2006/relationships" xmlns:p="http://schemas.openxmlformats.org/presentationml/2006/main">
+  <p:cSld>
+    <p:spTree>
+      <p:nvGrpSpPr>
+        <p:cNvPr id="1" name=""/>
+        <p:cNvGrpSpPr/>
+        <p:nvPr/>
+      </p:nvGrpSpPr>
+      <p:grpSpPr>
+        <a:xfrm>
+          <a:off x="0" y="0"/>
+          <a:ext cx="0" cy="0"/>
+          <a:chOff x="0" y="0"/>
+          <a:chExt cx="0" cy="0"/>
+        </a:xfrm>
+      </p:grpSpPr>
+      <p:sp>
+        <p:nvSpPr>
+          <p:cNvPr id="2" name="TextBox 1">
+            <a:extLst>
+              <a:ext uri="{FF2B5EF4-FFF2-40B4-BE49-F238E27FC236}">
+                <a16:creationId xmlns:a16="http://schemas.microsoft.com/office/drawing/2014/main" id="{04C2954E-B48D-4D8E-89F7-8D9434573481}"/>
+              </a:ext>
+            </a:extLst>
+          </p:cNvPr>
+          <p:cNvSpPr txBox="1"/>
+          <p:nvPr/>
+        </p:nvSpPr>
+        <p:spPr>
+          <a:xfrm>
+            <a:off x="352926" y="385011"/>
+            <a:ext cx="11502190" cy="1064650"/>
+          </a:xfrm>
+          <a:prstGeom prst="rect">
+            <a:avLst/>
+          </a:prstGeom>
+          <a:noFill/>
+        </p:spPr>
+        <p:txBody>
+          <a:bodyPr wrap="square" rtlCol="0">
+            <a:spAutoFit/>
+          </a:bodyPr>
+          <a:lstStyle/>
+          <a:p>
+            <a:pPr marL="0" marR="0">
+              <a:lnSpc>
+                <a:spcPct val="107000"/>
+              </a:lnSpc>
+              <a:spcBef>
+                <a:spcPts val="200"/>
+              </a:spcBef>
+              <a:spcAft>
+                <a:spcPts val="0"/>
+              </a:spcAft>
+            </a:pPr>
+            <a:r>
+              <a:rPr lang="en-US" sz="1800" b="1" dirty="0">
+                <a:solidFill>
+                  <a:srgbClr val="000000"/>
+                </a:solidFill>
+                <a:effectLst/>
+                <a:latin typeface="Times New Roman" panose="02020603050405020304" pitchFamily="18" charset="0"/>
+                <a:ea typeface="Times New Roman" panose="02020603050405020304" pitchFamily="18" charset="0"/>
+                <a:cs typeface="Calibri" panose="020F0502020204030204" pitchFamily="34" charset="0"/>
+              </a:rPr>
+              <a:t>Comparing Models</a:t>
+            </a:r>
+            <a:endParaRPr lang="en-US" sz="1800" b="1" dirty="0">
+              <a:solidFill>
+                <a:srgbClr val="000000"/>
+              </a:solidFill>
+              <a:effectLst/>
+              <a:latin typeface="Calibri" panose="020F0502020204030204" pitchFamily="34" charset="0"/>
+              <a:ea typeface="Times New Roman" panose="02020603050405020304" pitchFamily="18" charset="0"/>
+              <a:cs typeface="Calibri" panose="020F0502020204030204" pitchFamily="34" charset="0"/>
+            </a:endParaRPr>
+          </a:p>
+          <a:p>
+            <a:pPr marL="0" marR="0">
+              <a:lnSpc>
+                <a:spcPct val="107000"/>
+              </a:lnSpc>
+              <a:spcBef>
+                <a:spcPts val="0"/>
+              </a:spcBef>
+              <a:spcAft>
+                <a:spcPts val="800"/>
+              </a:spcAft>
+            </a:pPr>
+            <a:r>
+              <a:rPr lang="en-US" sz="1800" dirty="0">
+                <a:effectLst/>
+                <a:latin typeface="Times New Roman" panose="02020603050405020304" pitchFamily="18" charset="0"/>
+                <a:ea typeface="Calibri" panose="020F0502020204030204" pitchFamily="34" charset="0"/>
+                <a:cs typeface="Times New Roman" panose="02020603050405020304" pitchFamily="18" charset="0"/>
+              </a:rPr>
+              <a:t> </a:t>
+            </a:r>
+            <a:endParaRPr lang="en-US" sz="1800" dirty="0">
+              <a:effectLst/>
+              <a:latin typeface="Calibri" panose="020F0502020204030204" pitchFamily="34" charset="0"/>
+              <a:ea typeface="Calibri" panose="020F0502020204030204" pitchFamily="34" charset="0"/>
+              <a:cs typeface="Times New Roman" panose="02020603050405020304" pitchFamily="18" charset="0"/>
+            </a:endParaRPr>
+          </a:p>
+          <a:p>
+            <a:r>
+              <a:rPr lang="en-US" sz="1800" b="1" dirty="0">
+                <a:effectLst/>
+                <a:latin typeface="Times New Roman" panose="02020603050405020304" pitchFamily="18" charset="0"/>
+                <a:ea typeface="Calibri" panose="020F0502020204030204" pitchFamily="34" charset="0"/>
+              </a:rPr>
+              <a:t>Comparison of ROC-AUC for different classifiers</a:t>
+            </a:r>
+            <a:endParaRPr lang="en-US" dirty="0"/>
+          </a:p>
+        </p:txBody>
+      </p:sp>
+      <p:pic>
+        <p:nvPicPr>
+          <p:cNvPr id="3" name="Picture 2">
+            <a:extLst>
+              <a:ext uri="{FF2B5EF4-FFF2-40B4-BE49-F238E27FC236}">
+                <a16:creationId xmlns:a16="http://schemas.microsoft.com/office/drawing/2014/main" id="{7C14F6FA-EE29-4A33-A1CB-7BA90B4560A9}"/>
+              </a:ext>
+            </a:extLst>
+          </p:cNvPr>
+          <p:cNvPicPr/>
+          <p:nvPr/>
+        </p:nvPicPr>
+        <p:blipFill>
+          <a:blip r:embed="rId2"/>
+          <a:stretch>
+            <a:fillRect/>
+          </a:stretch>
+        </p:blipFill>
+        <p:spPr>
+          <a:xfrm>
+            <a:off x="755149" y="2190348"/>
+            <a:ext cx="5708650" cy="4278630"/>
+          </a:xfrm>
+          <a:prstGeom prst="rect">
+            <a:avLst/>
+          </a:prstGeom>
+        </p:spPr>
+      </p:pic>
+    </p:spTree>
+    <p:extLst>
+      <p:ext uri="{BB962C8B-B14F-4D97-AF65-F5344CB8AC3E}">
+        <p14:creationId xmlns:p14="http://schemas.microsoft.com/office/powerpoint/2010/main" val="4037163867"/>
+      </p:ext>
+    </p:extLst>
+  </p:cSld>
+  <p:clrMapOvr>
+    <a:masterClrMapping/>
+  </p:clrMapOvr>
+</p:sld>
+</file>
+
 <file path=ppt/slides/slide4.xml><?xml version="1.0" encoding="utf-8"?>
 <p:sld xmlns:a="http://schemas.openxmlformats.org/drawingml/2006/main" xmlns:r="http://schemas.openxmlformats.org/officeDocument/2006/relationships" xmlns:p="http://schemas.openxmlformats.org/presentationml/2006/main">
   <p:cSld>
@@ -9444,6 +13453,2197 @@
     <p:extLst>
       <p:ext uri="{BB962C8B-B14F-4D97-AF65-F5344CB8AC3E}">
         <p14:creationId xmlns:p14="http://schemas.microsoft.com/office/powerpoint/2010/main" val="4013412534"/>
+      </p:ext>
+    </p:extLst>
+  </p:cSld>
+  <p:clrMapOvr>
+    <a:masterClrMapping/>
+  </p:clrMapOvr>
+</p:sld>
+</file>
+
+<file path=ppt/slides/slide40.xml><?xml version="1.0" encoding="utf-8"?>
+<p:sld xmlns:a="http://schemas.openxmlformats.org/drawingml/2006/main" xmlns:r="http://schemas.openxmlformats.org/officeDocument/2006/relationships" xmlns:p="http://schemas.openxmlformats.org/presentationml/2006/main">
+  <p:cSld>
+    <p:spTree>
+      <p:nvGrpSpPr>
+        <p:cNvPr id="1" name=""/>
+        <p:cNvGrpSpPr/>
+        <p:nvPr/>
+      </p:nvGrpSpPr>
+      <p:grpSpPr>
+        <a:xfrm>
+          <a:off x="0" y="0"/>
+          <a:ext cx="0" cy="0"/>
+          <a:chOff x="0" y="0"/>
+          <a:chExt cx="0" cy="0"/>
+        </a:xfrm>
+      </p:grpSpPr>
+      <p:sp>
+        <p:nvSpPr>
+          <p:cNvPr id="2" name="TextBox 1">
+            <a:extLst>
+              <a:ext uri="{FF2B5EF4-FFF2-40B4-BE49-F238E27FC236}">
+                <a16:creationId xmlns:a16="http://schemas.microsoft.com/office/drawing/2014/main" id="{BE460377-AB75-457F-B4C4-987C20484904}"/>
+              </a:ext>
+            </a:extLst>
+          </p:cNvPr>
+          <p:cNvSpPr txBox="1"/>
+          <p:nvPr/>
+        </p:nvSpPr>
+        <p:spPr>
+          <a:xfrm>
+            <a:off x="256674" y="529389"/>
+            <a:ext cx="11405937" cy="966803"/>
+          </a:xfrm>
+          <a:prstGeom prst="rect">
+            <a:avLst/>
+          </a:prstGeom>
+          <a:noFill/>
+        </p:spPr>
+        <p:txBody>
+          <a:bodyPr wrap="square" rtlCol="0">
+            <a:spAutoFit/>
+          </a:bodyPr>
+          <a:lstStyle/>
+          <a:p>
+            <a:pPr marL="0" marR="0" algn="just">
+              <a:lnSpc>
+                <a:spcPct val="107000"/>
+              </a:lnSpc>
+              <a:spcBef>
+                <a:spcPts val="0"/>
+              </a:spcBef>
+              <a:spcAft>
+                <a:spcPts val="800"/>
+              </a:spcAft>
+            </a:pPr>
+            <a:r>
+              <a:rPr lang="en-US" sz="1800" dirty="0">
+                <a:effectLst/>
+                <a:latin typeface="Times New Roman" panose="02020603050405020304" pitchFamily="18" charset="0"/>
+                <a:ea typeface="Calibri" panose="020F0502020204030204" pitchFamily="34" charset="0"/>
+                <a:cs typeface="Times New Roman" panose="02020603050405020304" pitchFamily="18" charset="0"/>
+              </a:rPr>
+              <a:t>The above chart shows receiver operating characteristics for different classifiers, The </a:t>
+            </a:r>
+            <a:r>
+              <a:rPr lang="en-US" sz="1800" dirty="0">
+                <a:solidFill>
+                  <a:srgbClr val="000000"/>
+                </a:solidFill>
+                <a:effectLst/>
+                <a:latin typeface="Times New Roman" panose="02020603050405020304" pitchFamily="18" charset="0"/>
+                <a:ea typeface="Calibri" panose="020F0502020204030204" pitchFamily="34" charset="0"/>
+                <a:cs typeface="Times New Roman" panose="02020603050405020304" pitchFamily="18" charset="0"/>
+              </a:rPr>
+              <a:t>ROC curve, is a graphical plot that illustrates the diagnostic ability of a binary classifier system as its discrimination threshold is varied. Similarly, Accuracy, Precision, Recall, F1 Score of different classifiers are shown in below table.</a:t>
+            </a:r>
+            <a:endParaRPr lang="en-US" sz="1800" dirty="0">
+              <a:effectLst/>
+              <a:latin typeface="Calibri" panose="020F0502020204030204" pitchFamily="34" charset="0"/>
+              <a:ea typeface="Calibri" panose="020F0502020204030204" pitchFamily="34" charset="0"/>
+              <a:cs typeface="Times New Roman" panose="02020603050405020304" pitchFamily="18" charset="0"/>
+            </a:endParaRPr>
+          </a:p>
+        </p:txBody>
+      </p:sp>
+      <p:graphicFrame>
+        <p:nvGraphicFramePr>
+          <p:cNvPr id="3" name="Table 2">
+            <a:extLst>
+              <a:ext uri="{FF2B5EF4-FFF2-40B4-BE49-F238E27FC236}">
+                <a16:creationId xmlns:a16="http://schemas.microsoft.com/office/drawing/2014/main" id="{AE3A3D8F-772C-4E40-91CD-722383303F39}"/>
+              </a:ext>
+            </a:extLst>
+          </p:cNvPr>
+          <p:cNvGraphicFramePr>
+            <a:graphicFrameLocks noGrp="1"/>
+          </p:cNvGraphicFramePr>
+          <p:nvPr>
+            <p:extLst>
+              <p:ext uri="{D42A27DB-BD31-4B8C-83A1-F6EECF244321}">
+                <p14:modId xmlns:p14="http://schemas.microsoft.com/office/powerpoint/2010/main" val="3999791661"/>
+              </p:ext>
+            </p:extLst>
+          </p:nvPr>
+        </p:nvGraphicFramePr>
+        <p:xfrm>
+          <a:off x="365292" y="2017522"/>
+          <a:ext cx="5594350" cy="1411478"/>
+        </p:xfrm>
+        <a:graphic>
+          <a:graphicData uri="http://schemas.openxmlformats.org/drawingml/2006/table">
+            <a:tbl>
+              <a:tblPr firstRow="1" firstCol="1" bandRow="1">
+                <a:tableStyleId>{5C22544A-7EE6-4342-B048-85BDC9FD1C3A}</a:tableStyleId>
+              </a:tblPr>
+              <a:tblGrid>
+                <a:gridCol w="734060">
+                  <a:extLst>
+                    <a:ext uri="{9D8B030D-6E8A-4147-A177-3AD203B41FA5}">
+                      <a16:colId xmlns:a16="http://schemas.microsoft.com/office/drawing/2014/main" val="559502519"/>
+                    </a:ext>
+                  </a:extLst>
+                </a:gridCol>
+                <a:gridCol w="1270000">
+                  <a:extLst>
+                    <a:ext uri="{9D8B030D-6E8A-4147-A177-3AD203B41FA5}">
+                      <a16:colId xmlns:a16="http://schemas.microsoft.com/office/drawing/2014/main" val="3878658597"/>
+                    </a:ext>
+                  </a:extLst>
+                </a:gridCol>
+                <a:gridCol w="785495">
+                  <a:extLst>
+                    <a:ext uri="{9D8B030D-6E8A-4147-A177-3AD203B41FA5}">
+                      <a16:colId xmlns:a16="http://schemas.microsoft.com/office/drawing/2014/main" val="3676228657"/>
+                    </a:ext>
+                  </a:extLst>
+                </a:gridCol>
+                <a:gridCol w="785495">
+                  <a:extLst>
+                    <a:ext uri="{9D8B030D-6E8A-4147-A177-3AD203B41FA5}">
+                      <a16:colId xmlns:a16="http://schemas.microsoft.com/office/drawing/2014/main" val="3393253793"/>
+                    </a:ext>
+                  </a:extLst>
+                </a:gridCol>
+                <a:gridCol w="673100">
+                  <a:extLst>
+                    <a:ext uri="{9D8B030D-6E8A-4147-A177-3AD203B41FA5}">
+                      <a16:colId xmlns:a16="http://schemas.microsoft.com/office/drawing/2014/main" val="633651120"/>
+                    </a:ext>
+                  </a:extLst>
+                </a:gridCol>
+                <a:gridCol w="673100">
+                  <a:extLst>
+                    <a:ext uri="{9D8B030D-6E8A-4147-A177-3AD203B41FA5}">
+                      <a16:colId xmlns:a16="http://schemas.microsoft.com/office/drawing/2014/main" val="2586302738"/>
+                    </a:ext>
+                  </a:extLst>
+                </a:gridCol>
+                <a:gridCol w="673100">
+                  <a:extLst>
+                    <a:ext uri="{9D8B030D-6E8A-4147-A177-3AD203B41FA5}">
+                      <a16:colId xmlns:a16="http://schemas.microsoft.com/office/drawing/2014/main" val="1905084833"/>
+                    </a:ext>
+                  </a:extLst>
+                </a:gridCol>
+              </a:tblGrid>
+              <a:tr h="257175">
+                <a:tc>
+                  <a:txBody>
+                    <a:bodyPr/>
+                    <a:lstStyle/>
+                    <a:p>
+                      <a:pPr marL="0" marR="0">
+                        <a:lnSpc>
+                          <a:spcPct val="107000"/>
+                        </a:lnSpc>
+                        <a:spcBef>
+                          <a:spcPts val="0"/>
+                        </a:spcBef>
+                        <a:spcAft>
+                          <a:spcPts val="0"/>
+                        </a:spcAft>
+                      </a:pPr>
+                      <a:r>
+                        <a:rPr lang="en-US" sz="1200">
+                          <a:effectLst/>
+                        </a:rPr>
+                        <a:t> </a:t>
+                      </a:r>
+                      <a:endParaRPr lang="en-US" sz="1100">
+                        <a:effectLst/>
+                        <a:latin typeface="Calibri" panose="020F0502020204030204" pitchFamily="34" charset="0"/>
+                        <a:ea typeface="Calibri" panose="020F0502020204030204" pitchFamily="34" charset="0"/>
+                        <a:cs typeface="Times New Roman" panose="02020603050405020304" pitchFamily="18" charset="0"/>
+                      </a:endParaRPr>
+                    </a:p>
+                  </a:txBody>
+                  <a:tcPr marL="68580" marR="68580" marT="0" marB="0"/>
+                </a:tc>
+                <a:tc>
+                  <a:txBody>
+                    <a:bodyPr/>
+                    <a:lstStyle/>
+                    <a:p>
+                      <a:pPr marL="0" marR="0">
+                        <a:lnSpc>
+                          <a:spcPct val="107000"/>
+                        </a:lnSpc>
+                        <a:spcBef>
+                          <a:spcPts val="0"/>
+                        </a:spcBef>
+                        <a:spcAft>
+                          <a:spcPts val="0"/>
+                        </a:spcAft>
+                      </a:pPr>
+                      <a:r>
+                        <a:rPr lang="en-US" sz="1200">
+                          <a:effectLst/>
+                        </a:rPr>
+                        <a:t>Models</a:t>
+                      </a:r>
+                      <a:endParaRPr lang="en-US" sz="1100">
+                        <a:effectLst/>
+                        <a:latin typeface="Calibri" panose="020F0502020204030204" pitchFamily="34" charset="0"/>
+                        <a:ea typeface="Calibri" panose="020F0502020204030204" pitchFamily="34" charset="0"/>
+                        <a:cs typeface="Times New Roman" panose="02020603050405020304" pitchFamily="18" charset="0"/>
+                      </a:endParaRPr>
+                    </a:p>
+                  </a:txBody>
+                  <a:tcPr marL="68580" marR="68580" marT="0" marB="0"/>
+                </a:tc>
+                <a:tc>
+                  <a:txBody>
+                    <a:bodyPr/>
+                    <a:lstStyle/>
+                    <a:p>
+                      <a:pPr marL="0" marR="0">
+                        <a:lnSpc>
+                          <a:spcPct val="107000"/>
+                        </a:lnSpc>
+                        <a:spcBef>
+                          <a:spcPts val="0"/>
+                        </a:spcBef>
+                        <a:spcAft>
+                          <a:spcPts val="0"/>
+                        </a:spcAft>
+                      </a:pPr>
+                      <a:r>
+                        <a:rPr lang="en-US" sz="1200">
+                          <a:effectLst/>
+                        </a:rPr>
+                        <a:t>Accuracy</a:t>
+                      </a:r>
+                      <a:endParaRPr lang="en-US" sz="1100">
+                        <a:effectLst/>
+                        <a:latin typeface="Calibri" panose="020F0502020204030204" pitchFamily="34" charset="0"/>
+                        <a:ea typeface="Calibri" panose="020F0502020204030204" pitchFamily="34" charset="0"/>
+                        <a:cs typeface="Times New Roman" panose="02020603050405020304" pitchFamily="18" charset="0"/>
+                      </a:endParaRPr>
+                    </a:p>
+                  </a:txBody>
+                  <a:tcPr marL="68580" marR="68580" marT="0" marB="0"/>
+                </a:tc>
+                <a:tc>
+                  <a:txBody>
+                    <a:bodyPr/>
+                    <a:lstStyle/>
+                    <a:p>
+                      <a:pPr marL="0" marR="0">
+                        <a:lnSpc>
+                          <a:spcPct val="107000"/>
+                        </a:lnSpc>
+                        <a:spcBef>
+                          <a:spcPts val="0"/>
+                        </a:spcBef>
+                        <a:spcAft>
+                          <a:spcPts val="0"/>
+                        </a:spcAft>
+                      </a:pPr>
+                      <a:r>
+                        <a:rPr lang="en-US" sz="1200" dirty="0">
+                          <a:effectLst/>
+                        </a:rPr>
+                        <a:t>Precision</a:t>
+                      </a:r>
+                      <a:endParaRPr lang="en-US" sz="1100" dirty="0">
+                        <a:effectLst/>
+                        <a:latin typeface="Calibri" panose="020F0502020204030204" pitchFamily="34" charset="0"/>
+                        <a:ea typeface="Calibri" panose="020F0502020204030204" pitchFamily="34" charset="0"/>
+                        <a:cs typeface="Times New Roman" panose="02020603050405020304" pitchFamily="18" charset="0"/>
+                      </a:endParaRPr>
+                    </a:p>
+                  </a:txBody>
+                  <a:tcPr marL="68580" marR="68580" marT="0" marB="0"/>
+                </a:tc>
+                <a:tc>
+                  <a:txBody>
+                    <a:bodyPr/>
+                    <a:lstStyle/>
+                    <a:p>
+                      <a:pPr marL="0" marR="0">
+                        <a:lnSpc>
+                          <a:spcPct val="107000"/>
+                        </a:lnSpc>
+                        <a:spcBef>
+                          <a:spcPts val="0"/>
+                        </a:spcBef>
+                        <a:spcAft>
+                          <a:spcPts val="0"/>
+                        </a:spcAft>
+                      </a:pPr>
+                      <a:r>
+                        <a:rPr lang="en-US" sz="1200">
+                          <a:effectLst/>
+                        </a:rPr>
+                        <a:t>Recall</a:t>
+                      </a:r>
+                      <a:endParaRPr lang="en-US" sz="1100">
+                        <a:effectLst/>
+                        <a:latin typeface="Calibri" panose="020F0502020204030204" pitchFamily="34" charset="0"/>
+                        <a:ea typeface="Calibri" panose="020F0502020204030204" pitchFamily="34" charset="0"/>
+                        <a:cs typeface="Times New Roman" panose="02020603050405020304" pitchFamily="18" charset="0"/>
+                      </a:endParaRPr>
+                    </a:p>
+                  </a:txBody>
+                  <a:tcPr marL="68580" marR="68580" marT="0" marB="0"/>
+                </a:tc>
+                <a:tc>
+                  <a:txBody>
+                    <a:bodyPr/>
+                    <a:lstStyle/>
+                    <a:p>
+                      <a:pPr marL="0" marR="0">
+                        <a:lnSpc>
+                          <a:spcPct val="107000"/>
+                        </a:lnSpc>
+                        <a:spcBef>
+                          <a:spcPts val="0"/>
+                        </a:spcBef>
+                        <a:spcAft>
+                          <a:spcPts val="0"/>
+                        </a:spcAft>
+                      </a:pPr>
+                      <a:r>
+                        <a:rPr lang="en-US" sz="1200">
+                          <a:effectLst/>
+                        </a:rPr>
+                        <a:t>F1 Score</a:t>
+                      </a:r>
+                      <a:endParaRPr lang="en-US" sz="1100">
+                        <a:effectLst/>
+                        <a:latin typeface="Calibri" panose="020F0502020204030204" pitchFamily="34" charset="0"/>
+                        <a:ea typeface="Calibri" panose="020F0502020204030204" pitchFamily="34" charset="0"/>
+                        <a:cs typeface="Times New Roman" panose="02020603050405020304" pitchFamily="18" charset="0"/>
+                      </a:endParaRPr>
+                    </a:p>
+                  </a:txBody>
+                  <a:tcPr marL="68580" marR="68580" marT="0" marB="0"/>
+                </a:tc>
+                <a:tc>
+                  <a:txBody>
+                    <a:bodyPr/>
+                    <a:lstStyle/>
+                    <a:p>
+                      <a:pPr marL="0" marR="0">
+                        <a:lnSpc>
+                          <a:spcPct val="107000"/>
+                        </a:lnSpc>
+                        <a:spcBef>
+                          <a:spcPts val="0"/>
+                        </a:spcBef>
+                        <a:spcAft>
+                          <a:spcPts val="0"/>
+                        </a:spcAft>
+                      </a:pPr>
+                      <a:r>
+                        <a:rPr lang="en-US" sz="1200">
+                          <a:effectLst/>
+                        </a:rPr>
+                        <a:t>Roc-Auc</a:t>
+                      </a:r>
+                      <a:endParaRPr lang="en-US" sz="1100">
+                        <a:effectLst/>
+                        <a:latin typeface="Calibri" panose="020F0502020204030204" pitchFamily="34" charset="0"/>
+                        <a:ea typeface="Calibri" panose="020F0502020204030204" pitchFamily="34" charset="0"/>
+                        <a:cs typeface="Times New Roman" panose="02020603050405020304" pitchFamily="18" charset="0"/>
+                      </a:endParaRPr>
+                    </a:p>
+                  </a:txBody>
+                  <a:tcPr marL="68580" marR="68580" marT="0" marB="0"/>
+                </a:tc>
+                <a:extLst>
+                  <a:ext uri="{0D108BD9-81ED-4DB2-BD59-A6C34878D82A}">
+                    <a16:rowId xmlns:a16="http://schemas.microsoft.com/office/drawing/2014/main" val="2503972105"/>
+                  </a:ext>
+                </a:extLst>
+              </a:tr>
+              <a:tr h="257175">
+                <a:tc>
+                  <a:txBody>
+                    <a:bodyPr/>
+                    <a:lstStyle/>
+                    <a:p>
+                      <a:pPr marL="0" marR="0" algn="r">
+                        <a:lnSpc>
+                          <a:spcPct val="107000"/>
+                        </a:lnSpc>
+                        <a:spcBef>
+                          <a:spcPts val="0"/>
+                        </a:spcBef>
+                        <a:spcAft>
+                          <a:spcPts val="0"/>
+                        </a:spcAft>
+                      </a:pPr>
+                      <a:r>
+                        <a:rPr lang="en-US" sz="1200">
+                          <a:effectLst/>
+                        </a:rPr>
+                        <a:t>1</a:t>
+                      </a:r>
+                      <a:endParaRPr lang="en-US" sz="1100">
+                        <a:effectLst/>
+                        <a:latin typeface="Calibri" panose="020F0502020204030204" pitchFamily="34" charset="0"/>
+                        <a:ea typeface="Calibri" panose="020F0502020204030204" pitchFamily="34" charset="0"/>
+                        <a:cs typeface="Times New Roman" panose="02020603050405020304" pitchFamily="18" charset="0"/>
+                      </a:endParaRPr>
+                    </a:p>
+                  </a:txBody>
+                  <a:tcPr marL="68580" marR="68580" marT="0" marB="0"/>
+                </a:tc>
+                <a:tc>
+                  <a:txBody>
+                    <a:bodyPr/>
+                    <a:lstStyle/>
+                    <a:p>
+                      <a:pPr marL="0" marR="0">
+                        <a:lnSpc>
+                          <a:spcPct val="107000"/>
+                        </a:lnSpc>
+                        <a:spcBef>
+                          <a:spcPts val="0"/>
+                        </a:spcBef>
+                        <a:spcAft>
+                          <a:spcPts val="0"/>
+                        </a:spcAft>
+                      </a:pPr>
+                      <a:r>
+                        <a:rPr lang="en-US" sz="1200" dirty="0">
+                          <a:effectLst/>
+                        </a:rPr>
+                        <a:t>Logistic Regression</a:t>
+                      </a:r>
+                      <a:endParaRPr lang="en-US" sz="1100" dirty="0">
+                        <a:effectLst/>
+                        <a:latin typeface="Calibri" panose="020F0502020204030204" pitchFamily="34" charset="0"/>
+                        <a:ea typeface="Calibri" panose="020F0502020204030204" pitchFamily="34" charset="0"/>
+                        <a:cs typeface="Times New Roman" panose="02020603050405020304" pitchFamily="18" charset="0"/>
+                      </a:endParaRPr>
+                    </a:p>
+                  </a:txBody>
+                  <a:tcPr marL="68580" marR="68580" marT="0" marB="0"/>
+                </a:tc>
+                <a:tc>
+                  <a:txBody>
+                    <a:bodyPr/>
+                    <a:lstStyle/>
+                    <a:p>
+                      <a:pPr marL="0" marR="0" algn="r">
+                        <a:lnSpc>
+                          <a:spcPct val="107000"/>
+                        </a:lnSpc>
+                        <a:spcBef>
+                          <a:spcPts val="0"/>
+                        </a:spcBef>
+                        <a:spcAft>
+                          <a:spcPts val="0"/>
+                        </a:spcAft>
+                      </a:pPr>
+                      <a:r>
+                        <a:rPr lang="en-US" sz="1200">
+                          <a:effectLst/>
+                        </a:rPr>
+                        <a:t>0.754851</a:t>
+                      </a:r>
+                      <a:endParaRPr lang="en-US" sz="1100">
+                        <a:effectLst/>
+                        <a:latin typeface="Calibri" panose="020F0502020204030204" pitchFamily="34" charset="0"/>
+                        <a:ea typeface="Calibri" panose="020F0502020204030204" pitchFamily="34" charset="0"/>
+                        <a:cs typeface="Times New Roman" panose="02020603050405020304" pitchFamily="18" charset="0"/>
+                      </a:endParaRPr>
+                    </a:p>
+                  </a:txBody>
+                  <a:tcPr marL="68580" marR="68580" marT="0" marB="0"/>
+                </a:tc>
+                <a:tc>
+                  <a:txBody>
+                    <a:bodyPr/>
+                    <a:lstStyle/>
+                    <a:p>
+                      <a:pPr marL="0" marR="0" algn="r">
+                        <a:lnSpc>
+                          <a:spcPct val="107000"/>
+                        </a:lnSpc>
+                        <a:spcBef>
+                          <a:spcPts val="0"/>
+                        </a:spcBef>
+                        <a:spcAft>
+                          <a:spcPts val="0"/>
+                        </a:spcAft>
+                      </a:pPr>
+                      <a:r>
+                        <a:rPr lang="en-US" sz="1200">
+                          <a:effectLst/>
+                        </a:rPr>
+                        <a:t>0.540664</a:t>
+                      </a:r>
+                      <a:endParaRPr lang="en-US" sz="1100">
+                        <a:effectLst/>
+                        <a:latin typeface="Calibri" panose="020F0502020204030204" pitchFamily="34" charset="0"/>
+                        <a:ea typeface="Calibri" panose="020F0502020204030204" pitchFamily="34" charset="0"/>
+                        <a:cs typeface="Times New Roman" panose="02020603050405020304" pitchFamily="18" charset="0"/>
+                      </a:endParaRPr>
+                    </a:p>
+                  </a:txBody>
+                  <a:tcPr marL="68580" marR="68580" marT="0" marB="0"/>
+                </a:tc>
+                <a:tc>
+                  <a:txBody>
+                    <a:bodyPr/>
+                    <a:lstStyle/>
+                    <a:p>
+                      <a:pPr marL="0" marR="0" algn="r">
+                        <a:lnSpc>
+                          <a:spcPct val="107000"/>
+                        </a:lnSpc>
+                        <a:spcBef>
+                          <a:spcPts val="0"/>
+                        </a:spcBef>
+                        <a:spcAft>
+                          <a:spcPts val="0"/>
+                        </a:spcAft>
+                      </a:pPr>
+                      <a:r>
+                        <a:rPr lang="en-US" sz="1200">
+                          <a:effectLst/>
+                        </a:rPr>
+                        <a:t>0.80136</a:t>
+                      </a:r>
+                      <a:endParaRPr lang="en-US" sz="1100">
+                        <a:effectLst/>
+                        <a:latin typeface="Calibri" panose="020F0502020204030204" pitchFamily="34" charset="0"/>
+                        <a:ea typeface="Calibri" panose="020F0502020204030204" pitchFamily="34" charset="0"/>
+                        <a:cs typeface="Times New Roman" panose="02020603050405020304" pitchFamily="18" charset="0"/>
+                      </a:endParaRPr>
+                    </a:p>
+                  </a:txBody>
+                  <a:tcPr marL="68580" marR="68580" marT="0" marB="0"/>
+                </a:tc>
+                <a:tc>
+                  <a:txBody>
+                    <a:bodyPr/>
+                    <a:lstStyle/>
+                    <a:p>
+                      <a:pPr marL="0" marR="0" algn="r">
+                        <a:lnSpc>
+                          <a:spcPct val="107000"/>
+                        </a:lnSpc>
+                        <a:spcBef>
+                          <a:spcPts val="0"/>
+                        </a:spcBef>
+                        <a:spcAft>
+                          <a:spcPts val="0"/>
+                        </a:spcAft>
+                      </a:pPr>
+                      <a:r>
+                        <a:rPr lang="en-US" sz="1200">
+                          <a:effectLst/>
+                        </a:rPr>
+                        <a:t>0.64569</a:t>
+                      </a:r>
+                      <a:endParaRPr lang="en-US" sz="1100">
+                        <a:effectLst/>
+                        <a:latin typeface="Calibri" panose="020F0502020204030204" pitchFamily="34" charset="0"/>
+                        <a:ea typeface="Calibri" panose="020F0502020204030204" pitchFamily="34" charset="0"/>
+                        <a:cs typeface="Times New Roman" panose="02020603050405020304" pitchFamily="18" charset="0"/>
+                      </a:endParaRPr>
+                    </a:p>
+                  </a:txBody>
+                  <a:tcPr marL="68580" marR="68580" marT="0" marB="0"/>
+                </a:tc>
+                <a:tc>
+                  <a:txBody>
+                    <a:bodyPr/>
+                    <a:lstStyle/>
+                    <a:p>
+                      <a:pPr marL="0" marR="0" algn="r">
+                        <a:lnSpc>
+                          <a:spcPct val="107000"/>
+                        </a:lnSpc>
+                        <a:spcBef>
+                          <a:spcPts val="0"/>
+                        </a:spcBef>
+                        <a:spcAft>
+                          <a:spcPts val="0"/>
+                        </a:spcAft>
+                      </a:pPr>
+                      <a:r>
+                        <a:rPr lang="en-US" sz="1200">
+                          <a:effectLst/>
+                        </a:rPr>
+                        <a:t>0.85487</a:t>
+                      </a:r>
+                      <a:endParaRPr lang="en-US" sz="1100">
+                        <a:effectLst/>
+                        <a:latin typeface="Calibri" panose="020F0502020204030204" pitchFamily="34" charset="0"/>
+                        <a:ea typeface="Calibri" panose="020F0502020204030204" pitchFamily="34" charset="0"/>
+                        <a:cs typeface="Times New Roman" panose="02020603050405020304" pitchFamily="18" charset="0"/>
+                      </a:endParaRPr>
+                    </a:p>
+                  </a:txBody>
+                  <a:tcPr marL="68580" marR="68580" marT="0" marB="0"/>
+                </a:tc>
+                <a:extLst>
+                  <a:ext uri="{0D108BD9-81ED-4DB2-BD59-A6C34878D82A}">
+                    <a16:rowId xmlns:a16="http://schemas.microsoft.com/office/drawing/2014/main" val="3997927603"/>
+                  </a:ext>
+                </a:extLst>
+              </a:tr>
+              <a:tr h="257175">
+                <a:tc>
+                  <a:txBody>
+                    <a:bodyPr/>
+                    <a:lstStyle/>
+                    <a:p>
+                      <a:pPr marL="0" marR="0" algn="r">
+                        <a:lnSpc>
+                          <a:spcPct val="107000"/>
+                        </a:lnSpc>
+                        <a:spcBef>
+                          <a:spcPts val="0"/>
+                        </a:spcBef>
+                        <a:spcAft>
+                          <a:spcPts val="0"/>
+                        </a:spcAft>
+                      </a:pPr>
+                      <a:r>
+                        <a:rPr lang="en-US" sz="1200">
+                          <a:effectLst/>
+                        </a:rPr>
+                        <a:t>2</a:t>
+                      </a:r>
+                      <a:endParaRPr lang="en-US" sz="1100">
+                        <a:effectLst/>
+                        <a:latin typeface="Calibri" panose="020F0502020204030204" pitchFamily="34" charset="0"/>
+                        <a:ea typeface="Calibri" panose="020F0502020204030204" pitchFamily="34" charset="0"/>
+                        <a:cs typeface="Times New Roman" panose="02020603050405020304" pitchFamily="18" charset="0"/>
+                      </a:endParaRPr>
+                    </a:p>
+                  </a:txBody>
+                  <a:tcPr marL="68580" marR="68580" marT="0" marB="0"/>
+                </a:tc>
+                <a:tc>
+                  <a:txBody>
+                    <a:bodyPr/>
+                    <a:lstStyle/>
+                    <a:p>
+                      <a:pPr marL="0" marR="0">
+                        <a:lnSpc>
+                          <a:spcPct val="107000"/>
+                        </a:lnSpc>
+                        <a:spcBef>
+                          <a:spcPts val="0"/>
+                        </a:spcBef>
+                        <a:spcAft>
+                          <a:spcPts val="0"/>
+                        </a:spcAft>
+                      </a:pPr>
+                      <a:r>
+                        <a:rPr lang="en-US" sz="1200">
+                          <a:effectLst/>
+                        </a:rPr>
+                        <a:t>Naive Bayes</a:t>
+                      </a:r>
+                      <a:endParaRPr lang="en-US" sz="1100">
+                        <a:effectLst/>
+                        <a:latin typeface="Calibri" panose="020F0502020204030204" pitchFamily="34" charset="0"/>
+                        <a:ea typeface="Calibri" panose="020F0502020204030204" pitchFamily="34" charset="0"/>
+                        <a:cs typeface="Times New Roman" panose="02020603050405020304" pitchFamily="18" charset="0"/>
+                      </a:endParaRPr>
+                    </a:p>
+                  </a:txBody>
+                  <a:tcPr marL="68580" marR="68580" marT="0" marB="0"/>
+                </a:tc>
+                <a:tc>
+                  <a:txBody>
+                    <a:bodyPr/>
+                    <a:lstStyle/>
+                    <a:p>
+                      <a:pPr marL="0" marR="0" algn="r">
+                        <a:lnSpc>
+                          <a:spcPct val="107000"/>
+                        </a:lnSpc>
+                        <a:spcBef>
+                          <a:spcPts val="0"/>
+                        </a:spcBef>
+                        <a:spcAft>
+                          <a:spcPts val="0"/>
+                        </a:spcAft>
+                      </a:pPr>
+                      <a:r>
+                        <a:rPr lang="en-US" sz="1200">
+                          <a:effectLst/>
+                        </a:rPr>
+                        <a:t>0.720303</a:t>
+                      </a:r>
+                      <a:endParaRPr lang="en-US" sz="1100">
+                        <a:effectLst/>
+                        <a:latin typeface="Calibri" panose="020F0502020204030204" pitchFamily="34" charset="0"/>
+                        <a:ea typeface="Calibri" panose="020F0502020204030204" pitchFamily="34" charset="0"/>
+                        <a:cs typeface="Times New Roman" panose="02020603050405020304" pitchFamily="18" charset="0"/>
+                      </a:endParaRPr>
+                    </a:p>
+                  </a:txBody>
+                  <a:tcPr marL="68580" marR="68580" marT="0" marB="0"/>
+                </a:tc>
+                <a:tc>
+                  <a:txBody>
+                    <a:bodyPr/>
+                    <a:lstStyle/>
+                    <a:p>
+                      <a:pPr marL="0" marR="0" algn="r">
+                        <a:lnSpc>
+                          <a:spcPct val="107000"/>
+                        </a:lnSpc>
+                        <a:spcBef>
+                          <a:spcPts val="0"/>
+                        </a:spcBef>
+                        <a:spcAft>
+                          <a:spcPts val="0"/>
+                        </a:spcAft>
+                      </a:pPr>
+                      <a:r>
+                        <a:rPr lang="en-US" sz="1200">
+                          <a:effectLst/>
+                        </a:rPr>
+                        <a:t>0.498969</a:t>
+                      </a:r>
+                      <a:endParaRPr lang="en-US" sz="1100">
+                        <a:effectLst/>
+                        <a:latin typeface="Calibri" panose="020F0502020204030204" pitchFamily="34" charset="0"/>
+                        <a:ea typeface="Calibri" panose="020F0502020204030204" pitchFamily="34" charset="0"/>
+                        <a:cs typeface="Times New Roman" panose="02020603050405020304" pitchFamily="18" charset="0"/>
+                      </a:endParaRPr>
+                    </a:p>
+                  </a:txBody>
+                  <a:tcPr marL="68580" marR="68580" marT="0" marB="0"/>
+                </a:tc>
+                <a:tc>
+                  <a:txBody>
+                    <a:bodyPr/>
+                    <a:lstStyle/>
+                    <a:p>
+                      <a:pPr marL="0" marR="0" algn="r">
+                        <a:lnSpc>
+                          <a:spcPct val="107000"/>
+                        </a:lnSpc>
+                        <a:spcBef>
+                          <a:spcPts val="0"/>
+                        </a:spcBef>
+                        <a:spcAft>
+                          <a:spcPts val="0"/>
+                        </a:spcAft>
+                      </a:pPr>
+                      <a:r>
+                        <a:rPr lang="en-US" sz="1200">
+                          <a:effectLst/>
+                        </a:rPr>
+                        <a:t>0.82173</a:t>
+                      </a:r>
+                      <a:endParaRPr lang="en-US" sz="1100">
+                        <a:effectLst/>
+                        <a:latin typeface="Calibri" panose="020F0502020204030204" pitchFamily="34" charset="0"/>
+                        <a:ea typeface="Calibri" panose="020F0502020204030204" pitchFamily="34" charset="0"/>
+                        <a:cs typeface="Times New Roman" panose="02020603050405020304" pitchFamily="18" charset="0"/>
+                      </a:endParaRPr>
+                    </a:p>
+                  </a:txBody>
+                  <a:tcPr marL="68580" marR="68580" marT="0" marB="0"/>
+                </a:tc>
+                <a:tc>
+                  <a:txBody>
+                    <a:bodyPr/>
+                    <a:lstStyle/>
+                    <a:p>
+                      <a:pPr marL="0" marR="0" algn="r">
+                        <a:lnSpc>
+                          <a:spcPct val="107000"/>
+                        </a:lnSpc>
+                        <a:spcBef>
+                          <a:spcPts val="0"/>
+                        </a:spcBef>
+                        <a:spcAft>
+                          <a:spcPts val="0"/>
+                        </a:spcAft>
+                      </a:pPr>
+                      <a:r>
+                        <a:rPr lang="en-US" sz="1200">
+                          <a:effectLst/>
+                        </a:rPr>
+                        <a:t>0.62091</a:t>
+                      </a:r>
+                      <a:endParaRPr lang="en-US" sz="1100">
+                        <a:effectLst/>
+                        <a:latin typeface="Calibri" panose="020F0502020204030204" pitchFamily="34" charset="0"/>
+                        <a:ea typeface="Calibri" panose="020F0502020204030204" pitchFamily="34" charset="0"/>
+                        <a:cs typeface="Times New Roman" panose="02020603050405020304" pitchFamily="18" charset="0"/>
+                      </a:endParaRPr>
+                    </a:p>
+                  </a:txBody>
+                  <a:tcPr marL="68580" marR="68580" marT="0" marB="0"/>
+                </a:tc>
+                <a:tc>
+                  <a:txBody>
+                    <a:bodyPr/>
+                    <a:lstStyle/>
+                    <a:p>
+                      <a:pPr marL="0" marR="0" algn="r">
+                        <a:lnSpc>
+                          <a:spcPct val="107000"/>
+                        </a:lnSpc>
+                        <a:spcBef>
+                          <a:spcPts val="0"/>
+                        </a:spcBef>
+                        <a:spcAft>
+                          <a:spcPts val="0"/>
+                        </a:spcAft>
+                      </a:pPr>
+                      <a:r>
+                        <a:rPr lang="en-US" sz="1200">
+                          <a:effectLst/>
+                        </a:rPr>
+                        <a:t>0.82484</a:t>
+                      </a:r>
+                      <a:endParaRPr lang="en-US" sz="1100">
+                        <a:effectLst/>
+                        <a:latin typeface="Calibri" panose="020F0502020204030204" pitchFamily="34" charset="0"/>
+                        <a:ea typeface="Calibri" panose="020F0502020204030204" pitchFamily="34" charset="0"/>
+                        <a:cs typeface="Times New Roman" panose="02020603050405020304" pitchFamily="18" charset="0"/>
+                      </a:endParaRPr>
+                    </a:p>
+                  </a:txBody>
+                  <a:tcPr marL="68580" marR="68580" marT="0" marB="0"/>
+                </a:tc>
+                <a:extLst>
+                  <a:ext uri="{0D108BD9-81ED-4DB2-BD59-A6C34878D82A}">
+                    <a16:rowId xmlns:a16="http://schemas.microsoft.com/office/drawing/2014/main" val="675021709"/>
+                  </a:ext>
+                </a:extLst>
+              </a:tr>
+              <a:tr h="257175">
+                <a:tc>
+                  <a:txBody>
+                    <a:bodyPr/>
+                    <a:lstStyle/>
+                    <a:p>
+                      <a:pPr marL="0" marR="0" algn="r">
+                        <a:lnSpc>
+                          <a:spcPct val="107000"/>
+                        </a:lnSpc>
+                        <a:spcBef>
+                          <a:spcPts val="0"/>
+                        </a:spcBef>
+                        <a:spcAft>
+                          <a:spcPts val="0"/>
+                        </a:spcAft>
+                      </a:pPr>
+                      <a:r>
+                        <a:rPr lang="en-US" sz="1200">
+                          <a:effectLst/>
+                        </a:rPr>
+                        <a:t>3</a:t>
+                      </a:r>
+                      <a:endParaRPr lang="en-US" sz="1100">
+                        <a:effectLst/>
+                        <a:latin typeface="Calibri" panose="020F0502020204030204" pitchFamily="34" charset="0"/>
+                        <a:ea typeface="Calibri" panose="020F0502020204030204" pitchFamily="34" charset="0"/>
+                        <a:cs typeface="Times New Roman" panose="02020603050405020304" pitchFamily="18" charset="0"/>
+                      </a:endParaRPr>
+                    </a:p>
+                  </a:txBody>
+                  <a:tcPr marL="68580" marR="68580" marT="0" marB="0"/>
+                </a:tc>
+                <a:tc>
+                  <a:txBody>
+                    <a:bodyPr/>
+                    <a:lstStyle/>
+                    <a:p>
+                      <a:pPr marL="0" marR="0">
+                        <a:lnSpc>
+                          <a:spcPct val="107000"/>
+                        </a:lnSpc>
+                        <a:spcBef>
+                          <a:spcPts val="0"/>
+                        </a:spcBef>
+                        <a:spcAft>
+                          <a:spcPts val="0"/>
+                        </a:spcAft>
+                      </a:pPr>
+                      <a:r>
+                        <a:rPr lang="en-US" sz="1200">
+                          <a:effectLst/>
+                        </a:rPr>
+                        <a:t>Random Forest</a:t>
+                      </a:r>
+                      <a:endParaRPr lang="en-US" sz="1100">
+                        <a:effectLst/>
+                        <a:latin typeface="Calibri" panose="020F0502020204030204" pitchFamily="34" charset="0"/>
+                        <a:ea typeface="Calibri" panose="020F0502020204030204" pitchFamily="34" charset="0"/>
+                        <a:cs typeface="Times New Roman" panose="02020603050405020304" pitchFamily="18" charset="0"/>
+                      </a:endParaRPr>
+                    </a:p>
+                  </a:txBody>
+                  <a:tcPr marL="68580" marR="68580" marT="0" marB="0"/>
+                </a:tc>
+                <a:tc>
+                  <a:txBody>
+                    <a:bodyPr/>
+                    <a:lstStyle/>
+                    <a:p>
+                      <a:pPr marL="0" marR="0" algn="r">
+                        <a:lnSpc>
+                          <a:spcPct val="107000"/>
+                        </a:lnSpc>
+                        <a:spcBef>
+                          <a:spcPts val="0"/>
+                        </a:spcBef>
+                        <a:spcAft>
+                          <a:spcPts val="0"/>
+                        </a:spcAft>
+                      </a:pPr>
+                      <a:r>
+                        <a:rPr lang="en-US" sz="1200">
+                          <a:effectLst/>
+                        </a:rPr>
+                        <a:t>0.766042</a:t>
+                      </a:r>
+                      <a:endParaRPr lang="en-US" sz="1100">
+                        <a:effectLst/>
+                        <a:latin typeface="Calibri" panose="020F0502020204030204" pitchFamily="34" charset="0"/>
+                        <a:ea typeface="Calibri" panose="020F0502020204030204" pitchFamily="34" charset="0"/>
+                        <a:cs typeface="Times New Roman" panose="02020603050405020304" pitchFamily="18" charset="0"/>
+                      </a:endParaRPr>
+                    </a:p>
+                  </a:txBody>
+                  <a:tcPr marL="68580" marR="68580" marT="0" marB="0"/>
+                </a:tc>
+                <a:tc>
+                  <a:txBody>
+                    <a:bodyPr/>
+                    <a:lstStyle/>
+                    <a:p>
+                      <a:pPr marL="0" marR="0" algn="r">
+                        <a:lnSpc>
+                          <a:spcPct val="107000"/>
+                        </a:lnSpc>
+                        <a:spcBef>
+                          <a:spcPts val="0"/>
+                        </a:spcBef>
+                        <a:spcAft>
+                          <a:spcPts val="0"/>
+                        </a:spcAft>
+                      </a:pPr>
+                      <a:r>
+                        <a:rPr lang="en-US" sz="1200">
+                          <a:effectLst/>
+                        </a:rPr>
+                        <a:t>0.539797</a:t>
+                      </a:r>
+                      <a:endParaRPr lang="en-US" sz="1100">
+                        <a:effectLst/>
+                        <a:latin typeface="Calibri" panose="020F0502020204030204" pitchFamily="34" charset="0"/>
+                        <a:ea typeface="Calibri" panose="020F0502020204030204" pitchFamily="34" charset="0"/>
+                        <a:cs typeface="Times New Roman" panose="02020603050405020304" pitchFamily="18" charset="0"/>
+                      </a:endParaRPr>
+                    </a:p>
+                  </a:txBody>
+                  <a:tcPr marL="68580" marR="68580" marT="0" marB="0"/>
+                </a:tc>
+                <a:tc>
+                  <a:txBody>
+                    <a:bodyPr/>
+                    <a:lstStyle/>
+                    <a:p>
+                      <a:pPr marL="0" marR="0" algn="r">
+                        <a:lnSpc>
+                          <a:spcPct val="107000"/>
+                        </a:lnSpc>
+                        <a:spcBef>
+                          <a:spcPts val="0"/>
+                        </a:spcBef>
+                        <a:spcAft>
+                          <a:spcPts val="0"/>
+                        </a:spcAft>
+                      </a:pPr>
+                      <a:r>
+                        <a:rPr lang="en-US" sz="1200">
+                          <a:effectLst/>
+                        </a:rPr>
+                        <a:t>0.79872</a:t>
+                      </a:r>
+                      <a:endParaRPr lang="en-US" sz="1100">
+                        <a:effectLst/>
+                        <a:latin typeface="Calibri" panose="020F0502020204030204" pitchFamily="34" charset="0"/>
+                        <a:ea typeface="Calibri" panose="020F0502020204030204" pitchFamily="34" charset="0"/>
+                        <a:cs typeface="Times New Roman" panose="02020603050405020304" pitchFamily="18" charset="0"/>
+                      </a:endParaRPr>
+                    </a:p>
+                  </a:txBody>
+                  <a:tcPr marL="68580" marR="68580" marT="0" marB="0"/>
+                </a:tc>
+                <a:tc>
+                  <a:txBody>
+                    <a:bodyPr/>
+                    <a:lstStyle/>
+                    <a:p>
+                      <a:pPr marL="0" marR="0" algn="r">
+                        <a:lnSpc>
+                          <a:spcPct val="107000"/>
+                        </a:lnSpc>
+                        <a:spcBef>
+                          <a:spcPts val="0"/>
+                        </a:spcBef>
+                        <a:spcAft>
+                          <a:spcPts val="0"/>
+                        </a:spcAft>
+                      </a:pPr>
+                      <a:r>
+                        <a:rPr lang="en-US" sz="1200">
+                          <a:effectLst/>
+                        </a:rPr>
+                        <a:t>0.64421</a:t>
+                      </a:r>
+                      <a:endParaRPr lang="en-US" sz="1100">
+                        <a:effectLst/>
+                        <a:latin typeface="Calibri" panose="020F0502020204030204" pitchFamily="34" charset="0"/>
+                        <a:ea typeface="Calibri" panose="020F0502020204030204" pitchFamily="34" charset="0"/>
+                        <a:cs typeface="Times New Roman" panose="02020603050405020304" pitchFamily="18" charset="0"/>
+                      </a:endParaRPr>
+                    </a:p>
+                  </a:txBody>
+                  <a:tcPr marL="68580" marR="68580" marT="0" marB="0"/>
+                </a:tc>
+                <a:tc>
+                  <a:txBody>
+                    <a:bodyPr/>
+                    <a:lstStyle/>
+                    <a:p>
+                      <a:pPr marL="0" marR="0" algn="r">
+                        <a:lnSpc>
+                          <a:spcPct val="107000"/>
+                        </a:lnSpc>
+                        <a:spcBef>
+                          <a:spcPts val="0"/>
+                        </a:spcBef>
+                        <a:spcAft>
+                          <a:spcPts val="0"/>
+                        </a:spcAft>
+                      </a:pPr>
+                      <a:r>
+                        <a:rPr lang="en-US" sz="1200">
+                          <a:effectLst/>
+                        </a:rPr>
+                        <a:t>0.85404</a:t>
+                      </a:r>
+                      <a:endParaRPr lang="en-US" sz="1100">
+                        <a:effectLst/>
+                        <a:latin typeface="Calibri" panose="020F0502020204030204" pitchFamily="34" charset="0"/>
+                        <a:ea typeface="Calibri" panose="020F0502020204030204" pitchFamily="34" charset="0"/>
+                        <a:cs typeface="Times New Roman" panose="02020603050405020304" pitchFamily="18" charset="0"/>
+                      </a:endParaRPr>
+                    </a:p>
+                  </a:txBody>
+                  <a:tcPr marL="68580" marR="68580" marT="0" marB="0"/>
+                </a:tc>
+                <a:extLst>
+                  <a:ext uri="{0D108BD9-81ED-4DB2-BD59-A6C34878D82A}">
+                    <a16:rowId xmlns:a16="http://schemas.microsoft.com/office/drawing/2014/main" val="2855714620"/>
+                  </a:ext>
+                </a:extLst>
+              </a:tr>
+              <a:tr h="257175">
+                <a:tc>
+                  <a:txBody>
+                    <a:bodyPr/>
+                    <a:lstStyle/>
+                    <a:p>
+                      <a:pPr marL="0" marR="0" algn="r">
+                        <a:lnSpc>
+                          <a:spcPct val="107000"/>
+                        </a:lnSpc>
+                        <a:spcBef>
+                          <a:spcPts val="0"/>
+                        </a:spcBef>
+                        <a:spcAft>
+                          <a:spcPts val="0"/>
+                        </a:spcAft>
+                      </a:pPr>
+                      <a:r>
+                        <a:rPr lang="en-US" sz="1200">
+                          <a:effectLst/>
+                        </a:rPr>
+                        <a:t>4</a:t>
+                      </a:r>
+                      <a:endParaRPr lang="en-US" sz="1100">
+                        <a:effectLst/>
+                        <a:latin typeface="Calibri" panose="020F0502020204030204" pitchFamily="34" charset="0"/>
+                        <a:ea typeface="Calibri" panose="020F0502020204030204" pitchFamily="34" charset="0"/>
+                        <a:cs typeface="Times New Roman" panose="02020603050405020304" pitchFamily="18" charset="0"/>
+                      </a:endParaRPr>
+                    </a:p>
+                  </a:txBody>
+                  <a:tcPr marL="68580" marR="68580" marT="0" marB="0"/>
+                </a:tc>
+                <a:tc>
+                  <a:txBody>
+                    <a:bodyPr/>
+                    <a:lstStyle/>
+                    <a:p>
+                      <a:pPr marL="0" marR="0">
+                        <a:lnSpc>
+                          <a:spcPct val="107000"/>
+                        </a:lnSpc>
+                        <a:spcBef>
+                          <a:spcPts val="0"/>
+                        </a:spcBef>
+                        <a:spcAft>
+                          <a:spcPts val="0"/>
+                        </a:spcAft>
+                      </a:pPr>
+                      <a:r>
+                        <a:rPr lang="en-US" sz="1200">
+                          <a:effectLst/>
+                        </a:rPr>
+                        <a:t>Gradient Boosting</a:t>
+                      </a:r>
+                      <a:endParaRPr lang="en-US" sz="1100">
+                        <a:effectLst/>
+                        <a:latin typeface="Calibri" panose="020F0502020204030204" pitchFamily="34" charset="0"/>
+                        <a:ea typeface="Calibri" panose="020F0502020204030204" pitchFamily="34" charset="0"/>
+                        <a:cs typeface="Times New Roman" panose="02020603050405020304" pitchFamily="18" charset="0"/>
+                      </a:endParaRPr>
+                    </a:p>
+                  </a:txBody>
+                  <a:tcPr marL="68580" marR="68580" marT="0" marB="0"/>
+                </a:tc>
+                <a:tc>
+                  <a:txBody>
+                    <a:bodyPr/>
+                    <a:lstStyle/>
+                    <a:p>
+                      <a:pPr marL="0" marR="0" algn="r">
+                        <a:lnSpc>
+                          <a:spcPct val="107000"/>
+                        </a:lnSpc>
+                        <a:spcBef>
+                          <a:spcPts val="0"/>
+                        </a:spcBef>
+                        <a:spcAft>
+                          <a:spcPts val="0"/>
+                        </a:spcAft>
+                      </a:pPr>
+                      <a:r>
+                        <a:rPr lang="en-US" sz="1200">
+                          <a:effectLst/>
+                        </a:rPr>
+                        <a:t>0.811471</a:t>
+                      </a:r>
+                      <a:endParaRPr lang="en-US" sz="1100">
+                        <a:effectLst/>
+                        <a:latin typeface="Calibri" panose="020F0502020204030204" pitchFamily="34" charset="0"/>
+                        <a:ea typeface="Calibri" panose="020F0502020204030204" pitchFamily="34" charset="0"/>
+                        <a:cs typeface="Times New Roman" panose="02020603050405020304" pitchFamily="18" charset="0"/>
+                      </a:endParaRPr>
+                    </a:p>
+                  </a:txBody>
+                  <a:tcPr marL="68580" marR="68580" marT="0" marB="0"/>
+                </a:tc>
+                <a:tc>
+                  <a:txBody>
+                    <a:bodyPr/>
+                    <a:lstStyle/>
+                    <a:p>
+                      <a:pPr marL="0" marR="0" algn="r">
+                        <a:lnSpc>
+                          <a:spcPct val="107000"/>
+                        </a:lnSpc>
+                        <a:spcBef>
+                          <a:spcPts val="0"/>
+                        </a:spcBef>
+                        <a:spcAft>
+                          <a:spcPts val="0"/>
+                        </a:spcAft>
+                      </a:pPr>
+                      <a:r>
+                        <a:rPr lang="en-US" sz="1200">
+                          <a:effectLst/>
+                        </a:rPr>
+                        <a:t>0.674419</a:t>
+                      </a:r>
+                      <a:endParaRPr lang="en-US" sz="1100">
+                        <a:effectLst/>
+                        <a:latin typeface="Calibri" panose="020F0502020204030204" pitchFamily="34" charset="0"/>
+                        <a:ea typeface="Calibri" panose="020F0502020204030204" pitchFamily="34" charset="0"/>
+                        <a:cs typeface="Times New Roman" panose="02020603050405020304" pitchFamily="18" charset="0"/>
+                      </a:endParaRPr>
+                    </a:p>
+                  </a:txBody>
+                  <a:tcPr marL="68580" marR="68580" marT="0" marB="0"/>
+                </a:tc>
+                <a:tc>
+                  <a:txBody>
+                    <a:bodyPr/>
+                    <a:lstStyle/>
+                    <a:p>
+                      <a:pPr marL="0" marR="0" algn="r">
+                        <a:lnSpc>
+                          <a:spcPct val="107000"/>
+                        </a:lnSpc>
+                        <a:spcBef>
+                          <a:spcPts val="0"/>
+                        </a:spcBef>
+                        <a:spcAft>
+                          <a:spcPts val="0"/>
+                        </a:spcAft>
+                      </a:pPr>
+                      <a:r>
+                        <a:rPr lang="en-US" sz="1200">
+                          <a:effectLst/>
+                        </a:rPr>
+                        <a:t>0.55889</a:t>
+                      </a:r>
+                      <a:endParaRPr lang="en-US" sz="1100">
+                        <a:effectLst/>
+                        <a:latin typeface="Calibri" panose="020F0502020204030204" pitchFamily="34" charset="0"/>
+                        <a:ea typeface="Calibri" panose="020F0502020204030204" pitchFamily="34" charset="0"/>
+                        <a:cs typeface="Times New Roman" panose="02020603050405020304" pitchFamily="18" charset="0"/>
+                      </a:endParaRPr>
+                    </a:p>
+                  </a:txBody>
+                  <a:tcPr marL="68580" marR="68580" marT="0" marB="0"/>
+                </a:tc>
+                <a:tc>
+                  <a:txBody>
+                    <a:bodyPr/>
+                    <a:lstStyle/>
+                    <a:p>
+                      <a:pPr marL="0" marR="0" algn="r">
+                        <a:lnSpc>
+                          <a:spcPct val="107000"/>
+                        </a:lnSpc>
+                        <a:spcBef>
+                          <a:spcPts val="0"/>
+                        </a:spcBef>
+                        <a:spcAft>
+                          <a:spcPts val="0"/>
+                        </a:spcAft>
+                      </a:pPr>
+                      <a:r>
+                        <a:rPr lang="en-US" sz="1200">
+                          <a:effectLst/>
+                        </a:rPr>
+                        <a:t>0.61124</a:t>
+                      </a:r>
+                      <a:endParaRPr lang="en-US" sz="1100">
+                        <a:effectLst/>
+                        <a:latin typeface="Calibri" panose="020F0502020204030204" pitchFamily="34" charset="0"/>
+                        <a:ea typeface="Calibri" panose="020F0502020204030204" pitchFamily="34" charset="0"/>
+                        <a:cs typeface="Times New Roman" panose="02020603050405020304" pitchFamily="18" charset="0"/>
+                      </a:endParaRPr>
+                    </a:p>
+                  </a:txBody>
+                  <a:tcPr marL="68580" marR="68580" marT="0" marB="0"/>
+                </a:tc>
+                <a:tc>
+                  <a:txBody>
+                    <a:bodyPr/>
+                    <a:lstStyle/>
+                    <a:p>
+                      <a:pPr marL="0" marR="0" algn="r">
+                        <a:lnSpc>
+                          <a:spcPct val="107000"/>
+                        </a:lnSpc>
+                        <a:spcBef>
+                          <a:spcPts val="0"/>
+                        </a:spcBef>
+                        <a:spcAft>
+                          <a:spcPts val="0"/>
+                        </a:spcAft>
+                      </a:pPr>
+                      <a:r>
+                        <a:rPr lang="en-US" sz="1200" dirty="0">
+                          <a:effectLst/>
+                        </a:rPr>
+                        <a:t>0.85697</a:t>
+                      </a:r>
+                      <a:endParaRPr lang="en-US" sz="1100" dirty="0">
+                        <a:effectLst/>
+                        <a:latin typeface="Calibri" panose="020F0502020204030204" pitchFamily="34" charset="0"/>
+                        <a:ea typeface="Calibri" panose="020F0502020204030204" pitchFamily="34" charset="0"/>
+                        <a:cs typeface="Times New Roman" panose="02020603050405020304" pitchFamily="18" charset="0"/>
+                      </a:endParaRPr>
+                    </a:p>
+                  </a:txBody>
+                  <a:tcPr marL="68580" marR="68580" marT="0" marB="0"/>
+                </a:tc>
+                <a:extLst>
+                  <a:ext uri="{0D108BD9-81ED-4DB2-BD59-A6C34878D82A}">
+                    <a16:rowId xmlns:a16="http://schemas.microsoft.com/office/drawing/2014/main" val="2941569242"/>
+                  </a:ext>
+                </a:extLst>
+              </a:tr>
+            </a:tbl>
+          </a:graphicData>
+        </a:graphic>
+      </p:graphicFrame>
+      <p:pic>
+        <p:nvPicPr>
+          <p:cNvPr id="5" name="Picture 4">
+            <a:extLst>
+              <a:ext uri="{FF2B5EF4-FFF2-40B4-BE49-F238E27FC236}">
+                <a16:creationId xmlns:a16="http://schemas.microsoft.com/office/drawing/2014/main" id="{12EA2286-E596-4AA3-ABA4-D272FC2234D2}"/>
+              </a:ext>
+            </a:extLst>
+          </p:cNvPr>
+          <p:cNvPicPr/>
+          <p:nvPr/>
+        </p:nvPicPr>
+        <p:blipFill>
+          <a:blip r:embed="rId2"/>
+          <a:stretch>
+            <a:fillRect/>
+          </a:stretch>
+        </p:blipFill>
+        <p:spPr>
+          <a:xfrm>
+            <a:off x="190667" y="3601620"/>
+            <a:ext cx="5943600" cy="2927350"/>
+          </a:xfrm>
+          <a:prstGeom prst="rect">
+            <a:avLst/>
+          </a:prstGeom>
+        </p:spPr>
+      </p:pic>
+    </p:spTree>
+    <p:extLst>
+      <p:ext uri="{BB962C8B-B14F-4D97-AF65-F5344CB8AC3E}">
+        <p14:creationId xmlns:p14="http://schemas.microsoft.com/office/powerpoint/2010/main" val="903789708"/>
+      </p:ext>
+    </p:extLst>
+  </p:cSld>
+  <p:clrMapOvr>
+    <a:masterClrMapping/>
+  </p:clrMapOvr>
+</p:sld>
+</file>
+
+<file path=ppt/slides/slide41.xml><?xml version="1.0" encoding="utf-8"?>
+<p:sld xmlns:a="http://schemas.openxmlformats.org/drawingml/2006/main" xmlns:r="http://schemas.openxmlformats.org/officeDocument/2006/relationships" xmlns:p="http://schemas.openxmlformats.org/presentationml/2006/main">
+  <p:cSld>
+    <p:spTree>
+      <p:nvGrpSpPr>
+        <p:cNvPr id="1" name=""/>
+        <p:cNvGrpSpPr/>
+        <p:nvPr/>
+      </p:nvGrpSpPr>
+      <p:grpSpPr>
+        <a:xfrm>
+          <a:off x="0" y="0"/>
+          <a:ext cx="0" cy="0"/>
+          <a:chOff x="0" y="0"/>
+          <a:chExt cx="0" cy="0"/>
+        </a:xfrm>
+      </p:grpSpPr>
+      <p:sp>
+        <p:nvSpPr>
+          <p:cNvPr id="2" name="TextBox 1">
+            <a:extLst>
+              <a:ext uri="{FF2B5EF4-FFF2-40B4-BE49-F238E27FC236}">
+                <a16:creationId xmlns:a16="http://schemas.microsoft.com/office/drawing/2014/main" id="{363F26D3-74EA-478A-B00B-0675733D4754}"/>
+              </a:ext>
+            </a:extLst>
+          </p:cNvPr>
+          <p:cNvSpPr txBox="1"/>
+          <p:nvPr/>
+        </p:nvSpPr>
+        <p:spPr>
+          <a:xfrm>
+            <a:off x="208547" y="304799"/>
+            <a:ext cx="11774906" cy="5296963"/>
+          </a:xfrm>
+          <a:prstGeom prst="rect">
+            <a:avLst/>
+          </a:prstGeom>
+          <a:noFill/>
+        </p:spPr>
+        <p:txBody>
+          <a:bodyPr wrap="square" rtlCol="0">
+            <a:spAutoFit/>
+          </a:bodyPr>
+          <a:lstStyle/>
+          <a:p>
+            <a:pPr marL="0" marR="0" algn="just">
+              <a:lnSpc>
+                <a:spcPct val="107000"/>
+              </a:lnSpc>
+              <a:spcBef>
+                <a:spcPts val="0"/>
+              </a:spcBef>
+              <a:spcAft>
+                <a:spcPts val="800"/>
+              </a:spcAft>
+            </a:pPr>
+            <a:r>
+              <a:rPr lang="en-US" sz="1800">
+                <a:effectLst/>
+                <a:latin typeface="Times New Roman" panose="02020603050405020304" pitchFamily="18" charset="0"/>
+                <a:ea typeface="Calibri" panose="020F0502020204030204" pitchFamily="34" charset="0"/>
+                <a:cs typeface="Times New Roman" panose="02020603050405020304" pitchFamily="18" charset="0"/>
+              </a:rPr>
+              <a:t>The precision and recall measures are also widely used in classification. Precision can be thought of as a measure of exactness (i.e., what percentage of tuples labeled as positive are actually such), whereas recall is a measure of completeness (what percentage of positive tuples are labeled as such). If recall seems familiar, that’s because it is the same as sensitivity (or the true positive rate). These measures can be computed as precision = TP / (TP + FP) recall = TP / (TP + FN) = TP / P.</a:t>
+            </a:r>
+            <a:endParaRPr lang="en-US" sz="1800">
+              <a:effectLst/>
+              <a:latin typeface="Calibri" panose="020F0502020204030204" pitchFamily="34" charset="0"/>
+              <a:ea typeface="Calibri" panose="020F0502020204030204" pitchFamily="34" charset="0"/>
+              <a:cs typeface="Times New Roman" panose="02020603050405020304" pitchFamily="18" charset="0"/>
+            </a:endParaRPr>
+          </a:p>
+          <a:p>
+            <a:pPr marL="0" marR="0" algn="just">
+              <a:lnSpc>
+                <a:spcPct val="107000"/>
+              </a:lnSpc>
+              <a:spcBef>
+                <a:spcPts val="0"/>
+              </a:spcBef>
+              <a:spcAft>
+                <a:spcPts val="800"/>
+              </a:spcAft>
+            </a:pPr>
+            <a:r>
+              <a:rPr lang="en-US" sz="1800">
+                <a:effectLst/>
+                <a:latin typeface="Times New Roman" panose="02020603050405020304" pitchFamily="18" charset="0"/>
+                <a:ea typeface="Calibri" panose="020F0502020204030204" pitchFamily="34" charset="0"/>
+                <a:cs typeface="Times New Roman" panose="02020603050405020304" pitchFamily="18" charset="0"/>
+              </a:rPr>
+              <a:t>A perfect precision score of 1.0 for a class C means that every tuple that the classifier labeled as belonging to class C does indeed belong to class C. However, it does not tell us anything about the number of class C tuples that the classifier mislabeled. A perfect recall score of 1.0 for C means that every item from class C was labeled as such, but it does not tell us how many other tuples were incorrectly labeled as belonging to class C. There tends to be an inverse relationship between precision and recall, where it is possible to increase one at the cost of reducing the other. From the above data we can see that even though the accuracy and ROC-AUC is higher for ensemble methods like Random Forest and Gradient Boosting Algorithm but the recall is highest in Logistic Regression and Naive Bayes Recall = TP/ (TP + FN) = TP/P, A perfect recall score of 1.0 for a class C means that every item from class C was labelled as such but it does not tell us how many other tuples were incorrectly labelled as belonging to class C i.e., it does not tell us about false positive. Here we can tolerate False positive but can't tolerate False Negative as it be loss to the revenue of the organization. Here we have taken an arbitrary cutoff recall score and ROC-AUC of 0.8 to select our models.</a:t>
+            </a:r>
+            <a:endParaRPr lang="en-US" sz="1800">
+              <a:effectLst/>
+              <a:latin typeface="Calibri" panose="020F0502020204030204" pitchFamily="34" charset="0"/>
+              <a:ea typeface="Calibri" panose="020F0502020204030204" pitchFamily="34" charset="0"/>
+              <a:cs typeface="Times New Roman" panose="02020603050405020304" pitchFamily="18" charset="0"/>
+            </a:endParaRPr>
+          </a:p>
+          <a:p>
+            <a:r>
+              <a:rPr lang="en-US" sz="1800">
+                <a:effectLst/>
+                <a:latin typeface="Times New Roman" panose="02020603050405020304" pitchFamily="18" charset="0"/>
+                <a:ea typeface="Calibri" panose="020F0502020204030204" pitchFamily="34" charset="0"/>
+              </a:rPr>
+              <a:t>Therefore, from above data we can conclude that in our dataset the Logistic Regression and Naive Bayes classifier are providing good recall score and good roc-auc score.</a:t>
+            </a:r>
+            <a:endParaRPr lang="en-US" dirty="0"/>
+          </a:p>
+        </p:txBody>
+      </p:sp>
+    </p:spTree>
+    <p:extLst>
+      <p:ext uri="{BB962C8B-B14F-4D97-AF65-F5344CB8AC3E}">
+        <p14:creationId xmlns:p14="http://schemas.microsoft.com/office/powerpoint/2010/main" val="3581395066"/>
+      </p:ext>
+    </p:extLst>
+  </p:cSld>
+  <p:clrMapOvr>
+    <a:masterClrMapping/>
+  </p:clrMapOvr>
+</p:sld>
+</file>
+
+<file path=ppt/slides/slide42.xml><?xml version="1.0" encoding="utf-8"?>
+<p:sld xmlns:a="http://schemas.openxmlformats.org/drawingml/2006/main" xmlns:r="http://schemas.openxmlformats.org/officeDocument/2006/relationships" xmlns:p="http://schemas.openxmlformats.org/presentationml/2006/main">
+  <p:cSld>
+    <p:spTree>
+      <p:nvGrpSpPr>
+        <p:cNvPr id="1" name=""/>
+        <p:cNvGrpSpPr/>
+        <p:nvPr/>
+      </p:nvGrpSpPr>
+      <p:grpSpPr>
+        <a:xfrm>
+          <a:off x="0" y="0"/>
+          <a:ext cx="0" cy="0"/>
+          <a:chOff x="0" y="0"/>
+          <a:chExt cx="0" cy="0"/>
+        </a:xfrm>
+      </p:grpSpPr>
+      <p:sp>
+        <p:nvSpPr>
+          <p:cNvPr id="2" name="TextBox 1">
+            <a:extLst>
+              <a:ext uri="{FF2B5EF4-FFF2-40B4-BE49-F238E27FC236}">
+                <a16:creationId xmlns:a16="http://schemas.microsoft.com/office/drawing/2014/main" id="{33EB9FB5-1533-4129-B9F7-8B77841F24AF}"/>
+              </a:ext>
+            </a:extLst>
+          </p:cNvPr>
+          <p:cNvSpPr txBox="1"/>
+          <p:nvPr/>
+        </p:nvSpPr>
+        <p:spPr>
+          <a:xfrm>
+            <a:off x="176463" y="368967"/>
+            <a:ext cx="11710737" cy="2050690"/>
+          </a:xfrm>
+          <a:prstGeom prst="rect">
+            <a:avLst/>
+          </a:prstGeom>
+          <a:noFill/>
+        </p:spPr>
+        <p:txBody>
+          <a:bodyPr wrap="square" rtlCol="0">
+            <a:spAutoFit/>
+          </a:bodyPr>
+          <a:lstStyle/>
+          <a:p>
+            <a:pPr marL="0" marR="0">
+              <a:lnSpc>
+                <a:spcPct val="107000"/>
+              </a:lnSpc>
+              <a:spcBef>
+                <a:spcPts val="200"/>
+              </a:spcBef>
+              <a:spcAft>
+                <a:spcPts val="0"/>
+              </a:spcAft>
+            </a:pPr>
+            <a:r>
+              <a:rPr lang="en-US" sz="1800" b="1">
+                <a:solidFill>
+                  <a:srgbClr val="000000"/>
+                </a:solidFill>
+                <a:effectLst/>
+                <a:latin typeface="Times New Roman" panose="02020603050405020304" pitchFamily="18" charset="0"/>
+                <a:ea typeface="Times New Roman" panose="02020603050405020304" pitchFamily="18" charset="0"/>
+                <a:cs typeface="Calibri" panose="020F0502020204030204" pitchFamily="34" charset="0"/>
+              </a:rPr>
+              <a:t>Scope of work</a:t>
+            </a:r>
+            <a:endParaRPr lang="en-US" sz="1800" b="1">
+              <a:solidFill>
+                <a:srgbClr val="000000"/>
+              </a:solidFill>
+              <a:effectLst/>
+              <a:latin typeface="Calibri" panose="020F0502020204030204" pitchFamily="34" charset="0"/>
+              <a:ea typeface="Times New Roman" panose="02020603050405020304" pitchFamily="18" charset="0"/>
+              <a:cs typeface="Calibri" panose="020F0502020204030204" pitchFamily="34" charset="0"/>
+            </a:endParaRPr>
+          </a:p>
+          <a:p>
+            <a:pPr marL="342900" marR="0" lvl="0" indent="-342900" algn="just">
+              <a:spcBef>
+                <a:spcPts val="0"/>
+              </a:spcBef>
+              <a:spcAft>
+                <a:spcPts val="0"/>
+              </a:spcAft>
+              <a:buFont typeface="Symbol" panose="05050102010706020507" pitchFamily="18" charset="2"/>
+              <a:buChar char=""/>
+            </a:pPr>
+            <a:r>
+              <a:rPr lang="en-US" sz="1800">
+                <a:effectLst/>
+                <a:latin typeface="Times New Roman" panose="02020603050405020304" pitchFamily="18" charset="0"/>
+                <a:ea typeface="Times New Roman" panose="02020603050405020304" pitchFamily="18" charset="0"/>
+              </a:rPr>
+              <a:t>Acquisition of data </a:t>
+            </a:r>
+          </a:p>
+          <a:p>
+            <a:pPr marL="342900" marR="0" lvl="0" indent="-342900" algn="just">
+              <a:spcBef>
+                <a:spcPts val="0"/>
+              </a:spcBef>
+              <a:spcAft>
+                <a:spcPts val="0"/>
+              </a:spcAft>
+              <a:buFont typeface="Symbol" panose="05050102010706020507" pitchFamily="18" charset="2"/>
+              <a:buChar char=""/>
+            </a:pPr>
+            <a:r>
+              <a:rPr lang="en-US" sz="1800">
+                <a:effectLst/>
+                <a:latin typeface="Times New Roman" panose="02020603050405020304" pitchFamily="18" charset="0"/>
+                <a:ea typeface="Times New Roman" panose="02020603050405020304" pitchFamily="18" charset="0"/>
+              </a:rPr>
+              <a:t>Preprocessing of data</a:t>
+            </a:r>
+          </a:p>
+          <a:p>
+            <a:pPr marL="342900" marR="0" lvl="0" indent="-342900" algn="just">
+              <a:spcBef>
+                <a:spcPts val="0"/>
+              </a:spcBef>
+              <a:spcAft>
+                <a:spcPts val="0"/>
+              </a:spcAft>
+              <a:buFont typeface="Symbol" panose="05050102010706020507" pitchFamily="18" charset="2"/>
+              <a:buChar char=""/>
+            </a:pPr>
+            <a:r>
+              <a:rPr lang="en-US" sz="1800">
+                <a:effectLst/>
+                <a:latin typeface="Times New Roman" panose="02020603050405020304" pitchFamily="18" charset="0"/>
+                <a:ea typeface="Times New Roman" panose="02020603050405020304" pitchFamily="18" charset="0"/>
+              </a:rPr>
+              <a:t>Exploration of data</a:t>
+            </a:r>
+          </a:p>
+          <a:p>
+            <a:pPr marL="342900" marR="0" lvl="0" indent="-342900" algn="just">
+              <a:spcBef>
+                <a:spcPts val="0"/>
+              </a:spcBef>
+              <a:spcAft>
+                <a:spcPts val="0"/>
+              </a:spcAft>
+              <a:buFont typeface="Symbol" panose="05050102010706020507" pitchFamily="18" charset="2"/>
+              <a:buChar char=""/>
+            </a:pPr>
+            <a:r>
+              <a:rPr lang="en-US" sz="1800">
+                <a:effectLst/>
+                <a:latin typeface="Times New Roman" panose="02020603050405020304" pitchFamily="18" charset="0"/>
+                <a:ea typeface="Times New Roman" panose="02020603050405020304" pitchFamily="18" charset="0"/>
+              </a:rPr>
+              <a:t>Implementation of model to predict churn using python</a:t>
+            </a:r>
+          </a:p>
+          <a:p>
+            <a:pPr marL="342900" marR="0" lvl="0" indent="-342900" algn="just">
+              <a:spcBef>
+                <a:spcPts val="0"/>
+              </a:spcBef>
+              <a:spcAft>
+                <a:spcPts val="0"/>
+              </a:spcAft>
+              <a:buFont typeface="Symbol" panose="05050102010706020507" pitchFamily="18" charset="2"/>
+              <a:buChar char=""/>
+            </a:pPr>
+            <a:r>
+              <a:rPr lang="en-US" sz="1800">
+                <a:effectLst/>
+                <a:latin typeface="Times New Roman" panose="02020603050405020304" pitchFamily="18" charset="0"/>
+                <a:ea typeface="Times New Roman" panose="02020603050405020304" pitchFamily="18" charset="0"/>
+              </a:rPr>
+              <a:t>Visualizations </a:t>
+            </a:r>
+          </a:p>
+          <a:p>
+            <a:r>
+              <a:rPr lang="en-US" sz="1800">
+                <a:effectLst/>
+                <a:latin typeface="Calibri" panose="020F0502020204030204" pitchFamily="34" charset="0"/>
+                <a:ea typeface="Calibri" panose="020F0502020204030204" pitchFamily="34" charset="0"/>
+                <a:cs typeface="Times New Roman" panose="02020603050405020304" pitchFamily="18" charset="0"/>
+              </a:rPr>
+              <a:t>Report creation</a:t>
+            </a:r>
+            <a:endParaRPr lang="en-US" dirty="0"/>
+          </a:p>
+        </p:txBody>
+      </p:sp>
+      <p:sp>
+        <p:nvSpPr>
+          <p:cNvPr id="4" name="TextBox 3">
+            <a:extLst>
+              <a:ext uri="{FF2B5EF4-FFF2-40B4-BE49-F238E27FC236}">
+                <a16:creationId xmlns:a16="http://schemas.microsoft.com/office/drawing/2014/main" id="{2BA697EA-3028-49D6-9864-4B07C6759EB2}"/>
+              </a:ext>
+            </a:extLst>
+          </p:cNvPr>
+          <p:cNvSpPr txBox="1"/>
+          <p:nvPr/>
+        </p:nvSpPr>
+        <p:spPr>
+          <a:xfrm>
+            <a:off x="176463" y="3026339"/>
+            <a:ext cx="6096000" cy="1775871"/>
+          </a:xfrm>
+          <a:prstGeom prst="rect">
+            <a:avLst/>
+          </a:prstGeom>
+          <a:noFill/>
+        </p:spPr>
+        <p:txBody>
+          <a:bodyPr wrap="square">
+            <a:spAutoFit/>
+          </a:bodyPr>
+          <a:lstStyle/>
+          <a:p>
+            <a:pPr marL="0" marR="0">
+              <a:lnSpc>
+                <a:spcPct val="107000"/>
+              </a:lnSpc>
+              <a:spcBef>
+                <a:spcPts val="200"/>
+              </a:spcBef>
+              <a:spcAft>
+                <a:spcPts val="0"/>
+              </a:spcAft>
+            </a:pPr>
+            <a:r>
+              <a:rPr lang="en-US" sz="2000" b="1" dirty="0">
+                <a:solidFill>
+                  <a:srgbClr val="000000"/>
+                </a:solidFill>
+                <a:effectLst/>
+                <a:latin typeface="Times New Roman" panose="02020603050405020304" pitchFamily="18" charset="0"/>
+                <a:ea typeface="Times New Roman" panose="02020603050405020304" pitchFamily="18" charset="0"/>
+                <a:cs typeface="Calibri" panose="020F0502020204030204" pitchFamily="34" charset="0"/>
+              </a:rPr>
+              <a:t>Resources needed for the project</a:t>
+            </a:r>
+            <a:endParaRPr lang="en-US" sz="2000" b="1" dirty="0">
+              <a:solidFill>
+                <a:srgbClr val="000000"/>
+              </a:solidFill>
+              <a:effectLst/>
+              <a:latin typeface="Calibri" panose="020F0502020204030204" pitchFamily="34" charset="0"/>
+              <a:ea typeface="Times New Roman" panose="02020603050405020304" pitchFamily="18" charset="0"/>
+              <a:cs typeface="Calibri" panose="020F0502020204030204" pitchFamily="34" charset="0"/>
+            </a:endParaRPr>
+          </a:p>
+          <a:p>
+            <a:pPr marL="342900" marR="0" lvl="0" indent="-342900" algn="just">
+              <a:spcBef>
+                <a:spcPts val="0"/>
+              </a:spcBef>
+              <a:spcAft>
+                <a:spcPts val="0"/>
+              </a:spcAft>
+              <a:buFont typeface="Symbol" panose="05050102010706020507" pitchFamily="18" charset="2"/>
+              <a:buChar char=""/>
+            </a:pPr>
+            <a:r>
+              <a:rPr lang="en-US" sz="1800" dirty="0">
+                <a:effectLst/>
+                <a:latin typeface="Times New Roman" panose="02020603050405020304" pitchFamily="18" charset="0"/>
+                <a:ea typeface="Times New Roman" panose="02020603050405020304" pitchFamily="18" charset="0"/>
+              </a:rPr>
+              <a:t>Telecom customer data</a:t>
+            </a:r>
+          </a:p>
+          <a:p>
+            <a:pPr marL="342900" marR="0" lvl="0" indent="-342900" algn="just">
+              <a:spcBef>
+                <a:spcPts val="0"/>
+              </a:spcBef>
+              <a:spcAft>
+                <a:spcPts val="0"/>
+              </a:spcAft>
+              <a:buFont typeface="Symbol" panose="05050102010706020507" pitchFamily="18" charset="2"/>
+              <a:buChar char=""/>
+            </a:pPr>
+            <a:r>
+              <a:rPr lang="en-US" sz="1800" dirty="0">
+                <a:effectLst/>
+                <a:latin typeface="Times New Roman" panose="02020603050405020304" pitchFamily="18" charset="0"/>
+                <a:ea typeface="Times New Roman" panose="02020603050405020304" pitchFamily="18" charset="0"/>
+              </a:rPr>
+              <a:t>Visualization libraries</a:t>
+            </a:r>
+          </a:p>
+          <a:p>
+            <a:pPr marL="342900" marR="0" lvl="0" indent="-342900" algn="just">
+              <a:spcBef>
+                <a:spcPts val="0"/>
+              </a:spcBef>
+              <a:spcAft>
+                <a:spcPts val="0"/>
+              </a:spcAft>
+              <a:buFont typeface="Symbol" panose="05050102010706020507" pitchFamily="18" charset="2"/>
+              <a:buChar char=""/>
+            </a:pPr>
+            <a:r>
+              <a:rPr lang="en-US" sz="1800" dirty="0">
+                <a:effectLst/>
+                <a:latin typeface="Times New Roman" panose="02020603050405020304" pitchFamily="18" charset="0"/>
+                <a:ea typeface="Times New Roman" panose="02020603050405020304" pitchFamily="18" charset="0"/>
+              </a:rPr>
+              <a:t>Windows machine</a:t>
+            </a:r>
+          </a:p>
+          <a:p>
+            <a:pPr marL="342900" marR="0" lvl="0" indent="-342900" algn="just">
+              <a:spcBef>
+                <a:spcPts val="0"/>
+              </a:spcBef>
+              <a:spcAft>
+                <a:spcPts val="0"/>
+              </a:spcAft>
+              <a:buFont typeface="Symbol" panose="05050102010706020507" pitchFamily="18" charset="2"/>
+              <a:buChar char=""/>
+            </a:pPr>
+            <a:r>
+              <a:rPr lang="en-US" sz="1800" dirty="0">
+                <a:effectLst/>
+                <a:latin typeface="Times New Roman" panose="02020603050405020304" pitchFamily="18" charset="0"/>
+                <a:ea typeface="Times New Roman" panose="02020603050405020304" pitchFamily="18" charset="0"/>
+              </a:rPr>
+              <a:t>Python libraries</a:t>
+            </a:r>
+          </a:p>
+          <a:p>
+            <a:r>
+              <a:rPr lang="en-US" sz="1600" dirty="0" err="1">
+                <a:effectLst/>
+                <a:latin typeface="Calibri" panose="020F0502020204030204" pitchFamily="34" charset="0"/>
+                <a:ea typeface="Calibri" panose="020F0502020204030204" pitchFamily="34" charset="0"/>
+                <a:cs typeface="Times New Roman" panose="02020603050405020304" pitchFamily="18" charset="0"/>
+              </a:rPr>
+              <a:t>Jupyter</a:t>
+            </a:r>
+            <a:r>
+              <a:rPr lang="en-US" sz="1600" dirty="0">
+                <a:effectLst/>
+                <a:latin typeface="Calibri" panose="020F0502020204030204" pitchFamily="34" charset="0"/>
+                <a:ea typeface="Calibri" panose="020F0502020204030204" pitchFamily="34" charset="0"/>
+                <a:cs typeface="Times New Roman" panose="02020603050405020304" pitchFamily="18" charset="0"/>
+              </a:rPr>
+              <a:t> Notebook</a:t>
+            </a:r>
+            <a:endParaRPr lang="en-US" dirty="0"/>
+          </a:p>
+        </p:txBody>
+      </p:sp>
+    </p:spTree>
+    <p:extLst>
+      <p:ext uri="{BB962C8B-B14F-4D97-AF65-F5344CB8AC3E}">
+        <p14:creationId xmlns:p14="http://schemas.microsoft.com/office/powerpoint/2010/main" val="2714649600"/>
+      </p:ext>
+    </p:extLst>
+  </p:cSld>
+  <p:clrMapOvr>
+    <a:masterClrMapping/>
+  </p:clrMapOvr>
+</p:sld>
+</file>
+
+<file path=ppt/slides/slide43.xml><?xml version="1.0" encoding="utf-8"?>
+<p:sld xmlns:a="http://schemas.openxmlformats.org/drawingml/2006/main" xmlns:r="http://schemas.openxmlformats.org/officeDocument/2006/relationships" xmlns:p="http://schemas.openxmlformats.org/presentationml/2006/main">
+  <p:cSld>
+    <p:spTree>
+      <p:nvGrpSpPr>
+        <p:cNvPr id="1" name=""/>
+        <p:cNvGrpSpPr/>
+        <p:nvPr/>
+      </p:nvGrpSpPr>
+      <p:grpSpPr>
+        <a:xfrm>
+          <a:off x="0" y="0"/>
+          <a:ext cx="0" cy="0"/>
+          <a:chOff x="0" y="0"/>
+          <a:chExt cx="0" cy="0"/>
+        </a:xfrm>
+      </p:grpSpPr>
+      <p:sp>
+        <p:nvSpPr>
+          <p:cNvPr id="2" name="TextBox 1">
+            <a:extLst>
+              <a:ext uri="{FF2B5EF4-FFF2-40B4-BE49-F238E27FC236}">
+                <a16:creationId xmlns:a16="http://schemas.microsoft.com/office/drawing/2014/main" id="{3933F11C-97D9-4286-8522-8EF69D04F2E1}"/>
+              </a:ext>
+            </a:extLst>
+          </p:cNvPr>
+          <p:cNvSpPr txBox="1"/>
+          <p:nvPr/>
+        </p:nvSpPr>
+        <p:spPr>
+          <a:xfrm>
+            <a:off x="256674" y="336883"/>
+            <a:ext cx="11534273" cy="4837606"/>
+          </a:xfrm>
+          <a:prstGeom prst="rect">
+            <a:avLst/>
+          </a:prstGeom>
+          <a:noFill/>
+        </p:spPr>
+        <p:txBody>
+          <a:bodyPr wrap="square" rtlCol="0">
+            <a:spAutoFit/>
+          </a:bodyPr>
+          <a:lstStyle/>
+          <a:p>
+            <a:pPr marL="0" marR="0" algn="just">
+              <a:lnSpc>
+                <a:spcPct val="107000"/>
+              </a:lnSpc>
+              <a:spcBef>
+                <a:spcPts val="0"/>
+              </a:spcBef>
+              <a:spcAft>
+                <a:spcPts val="800"/>
+              </a:spcAft>
+            </a:pPr>
+            <a:r>
+              <a:rPr lang="en-US" sz="1800" b="1" dirty="0">
+                <a:effectLst/>
+                <a:latin typeface="Times New Roman" panose="02020603050405020304" pitchFamily="18" charset="0"/>
+                <a:ea typeface="Calibri" panose="020F0502020204030204" pitchFamily="34" charset="0"/>
+                <a:cs typeface="Times New Roman" panose="02020603050405020304" pitchFamily="18" charset="0"/>
+              </a:rPr>
+              <a:t>Conclusion/Recommendation</a:t>
+            </a:r>
+          </a:p>
+          <a:p>
+            <a:pPr marL="0" marR="0" algn="just">
+              <a:lnSpc>
+                <a:spcPct val="107000"/>
+              </a:lnSpc>
+              <a:spcBef>
+                <a:spcPts val="0"/>
+              </a:spcBef>
+              <a:spcAft>
+                <a:spcPts val="800"/>
+              </a:spcAft>
+            </a:pPr>
+            <a:endParaRPr lang="en-US" dirty="0">
+              <a:latin typeface="Times New Roman" panose="02020603050405020304" pitchFamily="18" charset="0"/>
+              <a:ea typeface="Calibri" panose="020F0502020204030204" pitchFamily="34" charset="0"/>
+              <a:cs typeface="Times New Roman" panose="02020603050405020304" pitchFamily="18" charset="0"/>
+            </a:endParaRPr>
+          </a:p>
+          <a:p>
+            <a:pPr marL="0" marR="0" algn="just">
+              <a:lnSpc>
+                <a:spcPct val="107000"/>
+              </a:lnSpc>
+              <a:spcBef>
+                <a:spcPts val="0"/>
+              </a:spcBef>
+              <a:spcAft>
+                <a:spcPts val="800"/>
+              </a:spcAft>
+            </a:pPr>
+            <a:r>
+              <a:rPr lang="en-US" sz="1800" dirty="0">
+                <a:effectLst/>
+                <a:latin typeface="Times New Roman" panose="02020603050405020304" pitchFamily="18" charset="0"/>
+                <a:ea typeface="Calibri" panose="020F0502020204030204" pitchFamily="34" charset="0"/>
+                <a:cs typeface="Times New Roman" panose="02020603050405020304" pitchFamily="18" charset="0"/>
+              </a:rPr>
+              <a:t>We can now conclude the research work highlighting that for given dataset Logistic Regression Classifier and Naïve Bayes Classifier provide the overall best scores and also, they are much easier to interpret.</a:t>
+            </a:r>
+            <a:endParaRPr lang="en-US" sz="1800" dirty="0">
+              <a:effectLst/>
+              <a:latin typeface="Calibri" panose="020F0502020204030204" pitchFamily="34" charset="0"/>
+              <a:ea typeface="Calibri" panose="020F0502020204030204" pitchFamily="34" charset="0"/>
+              <a:cs typeface="Times New Roman" panose="02020603050405020304" pitchFamily="18" charset="0"/>
+            </a:endParaRPr>
+          </a:p>
+          <a:p>
+            <a:pPr marL="0" marR="0" algn="just">
+              <a:lnSpc>
+                <a:spcPct val="107000"/>
+              </a:lnSpc>
+              <a:spcBef>
+                <a:spcPts val="0"/>
+              </a:spcBef>
+              <a:spcAft>
+                <a:spcPts val="800"/>
+              </a:spcAft>
+            </a:pPr>
+            <a:r>
+              <a:rPr lang="en-US" sz="1800" dirty="0">
+                <a:effectLst/>
+                <a:latin typeface="Times New Roman" panose="02020603050405020304" pitchFamily="18" charset="0"/>
+                <a:ea typeface="Calibri" panose="020F0502020204030204" pitchFamily="34" charset="0"/>
+                <a:cs typeface="Times New Roman" panose="02020603050405020304" pitchFamily="18" charset="0"/>
+              </a:rPr>
+              <a:t>In this study we have created multiple models which are Logistic Regression, Naïve Bayes, Random Forest and Gradient Boosting and evaluated these models on multiple metrices like accuracy, precision, Recall, F1 Score and ROC-AUC (Receiver Operating curve). </a:t>
+            </a:r>
+            <a:endParaRPr lang="en-US" sz="1800" dirty="0">
+              <a:effectLst/>
+              <a:latin typeface="Calibri" panose="020F0502020204030204" pitchFamily="34" charset="0"/>
+              <a:ea typeface="Calibri" panose="020F0502020204030204" pitchFamily="34" charset="0"/>
+              <a:cs typeface="Times New Roman" panose="02020603050405020304" pitchFamily="18" charset="0"/>
+            </a:endParaRPr>
+          </a:p>
+          <a:p>
+            <a:pPr marL="0" marR="0" algn="just">
+              <a:lnSpc>
+                <a:spcPct val="107000"/>
+              </a:lnSpc>
+              <a:spcBef>
+                <a:spcPts val="0"/>
+              </a:spcBef>
+              <a:spcAft>
+                <a:spcPts val="800"/>
+              </a:spcAft>
+            </a:pPr>
+            <a:r>
+              <a:rPr lang="en-US" sz="1800" dirty="0">
+                <a:effectLst/>
+                <a:latin typeface="Times New Roman" panose="02020603050405020304" pitchFamily="18" charset="0"/>
+                <a:ea typeface="Calibri" panose="020F0502020204030204" pitchFamily="34" charset="0"/>
+                <a:cs typeface="Times New Roman" panose="02020603050405020304" pitchFamily="18" charset="0"/>
+              </a:rPr>
+              <a:t>We have also performed comparison of these models based on above metrices, here as the distribution of the target variable is imbalanced, the accuracy only tells us how good the model is on predicting customers which are not churning and therefore to shortlist we have instead used Recall and ROC-AUC.</a:t>
+            </a:r>
+            <a:endParaRPr lang="en-US" sz="1800" dirty="0">
+              <a:effectLst/>
+              <a:latin typeface="Calibri" panose="020F0502020204030204" pitchFamily="34" charset="0"/>
+              <a:ea typeface="Calibri" panose="020F0502020204030204" pitchFamily="34" charset="0"/>
+              <a:cs typeface="Times New Roman" panose="02020603050405020304" pitchFamily="18" charset="0"/>
+            </a:endParaRPr>
+          </a:p>
+          <a:p>
+            <a:pPr marL="0" marR="0" algn="just">
+              <a:lnSpc>
+                <a:spcPct val="107000"/>
+              </a:lnSpc>
+              <a:spcBef>
+                <a:spcPts val="0"/>
+              </a:spcBef>
+              <a:spcAft>
+                <a:spcPts val="800"/>
+              </a:spcAft>
+            </a:pPr>
+            <a:r>
+              <a:rPr lang="en-US" sz="1800" dirty="0">
+                <a:effectLst/>
+                <a:latin typeface="Times New Roman" panose="02020603050405020304" pitchFamily="18" charset="0"/>
+                <a:ea typeface="Calibri" panose="020F0502020204030204" pitchFamily="34" charset="0"/>
+                <a:cs typeface="Times New Roman" panose="02020603050405020304" pitchFamily="18" charset="0"/>
+              </a:rPr>
+              <a:t>In this research work we have created prediction models for customer churn in telecom sector, we can integrate these models with live customers data and give details above which customers are likely to churn to telecom vendors, with this information telecom vendors can use retention strategies. </a:t>
+            </a:r>
+            <a:endParaRPr lang="en-US" sz="1800" dirty="0">
+              <a:effectLst/>
+              <a:latin typeface="Calibri" panose="020F0502020204030204" pitchFamily="34" charset="0"/>
+              <a:ea typeface="Calibri" panose="020F0502020204030204" pitchFamily="34" charset="0"/>
+              <a:cs typeface="Times New Roman" panose="02020603050405020304" pitchFamily="18" charset="0"/>
+            </a:endParaRPr>
+          </a:p>
+          <a:p>
+            <a:r>
+              <a:rPr lang="en-US" sz="1800" dirty="0">
+                <a:effectLst/>
+                <a:latin typeface="Times New Roman" panose="02020603050405020304" pitchFamily="18" charset="0"/>
+                <a:ea typeface="Calibri" panose="020F0502020204030204" pitchFamily="34" charset="0"/>
+              </a:rPr>
+              <a:t>The live details of the customer churn can be shown in the business dashboard with proper visualizations.</a:t>
+            </a:r>
+            <a:endParaRPr lang="en-US" dirty="0"/>
+          </a:p>
+        </p:txBody>
+      </p:sp>
+    </p:spTree>
+    <p:extLst>
+      <p:ext uri="{BB962C8B-B14F-4D97-AF65-F5344CB8AC3E}">
+        <p14:creationId xmlns:p14="http://schemas.microsoft.com/office/powerpoint/2010/main" val="853738645"/>
+      </p:ext>
+    </p:extLst>
+  </p:cSld>
+  <p:clrMapOvr>
+    <a:masterClrMapping/>
+  </p:clrMapOvr>
+</p:sld>
+</file>
+
+<file path=ppt/slides/slide44.xml><?xml version="1.0" encoding="utf-8"?>
+<p:sld xmlns:a="http://schemas.openxmlformats.org/drawingml/2006/main" xmlns:r="http://schemas.openxmlformats.org/officeDocument/2006/relationships" xmlns:p="http://schemas.openxmlformats.org/presentationml/2006/main">
+  <p:cSld>
+    <p:spTree>
+      <p:nvGrpSpPr>
+        <p:cNvPr id="1" name=""/>
+        <p:cNvGrpSpPr/>
+        <p:nvPr/>
+      </p:nvGrpSpPr>
+      <p:grpSpPr>
+        <a:xfrm>
+          <a:off x="0" y="0"/>
+          <a:ext cx="0" cy="0"/>
+          <a:chOff x="0" y="0"/>
+          <a:chExt cx="0" cy="0"/>
+        </a:xfrm>
+      </p:grpSpPr>
+      <p:sp>
+        <p:nvSpPr>
+          <p:cNvPr id="2" name="TextBox 1">
+            <a:extLst>
+              <a:ext uri="{FF2B5EF4-FFF2-40B4-BE49-F238E27FC236}">
+                <a16:creationId xmlns:a16="http://schemas.microsoft.com/office/drawing/2014/main" id="{E80E1025-874B-4FA0-912C-DFE146B6ABE4}"/>
+              </a:ext>
+            </a:extLst>
+          </p:cNvPr>
+          <p:cNvSpPr txBox="1"/>
+          <p:nvPr/>
+        </p:nvSpPr>
+        <p:spPr>
+          <a:xfrm>
+            <a:off x="304800" y="417094"/>
+            <a:ext cx="11566358" cy="1618648"/>
+          </a:xfrm>
+          <a:prstGeom prst="rect">
+            <a:avLst/>
+          </a:prstGeom>
+          <a:noFill/>
+        </p:spPr>
+        <p:txBody>
+          <a:bodyPr wrap="square" rtlCol="0">
+            <a:spAutoFit/>
+          </a:bodyPr>
+          <a:lstStyle/>
+          <a:p>
+            <a:r>
+              <a:rPr lang="en-US" b="1" dirty="0"/>
+              <a:t>Directions for future work</a:t>
+            </a:r>
+          </a:p>
+          <a:p>
+            <a:endParaRPr lang="en-US" b="1" dirty="0"/>
+          </a:p>
+          <a:p>
+            <a:pPr marL="0" marR="0" algn="just">
+              <a:lnSpc>
+                <a:spcPct val="107000"/>
+              </a:lnSpc>
+              <a:spcBef>
+                <a:spcPts val="0"/>
+              </a:spcBef>
+              <a:spcAft>
+                <a:spcPts val="800"/>
+              </a:spcAft>
+            </a:pPr>
+            <a:r>
+              <a:rPr lang="en-US" sz="1800" dirty="0">
+                <a:effectLst/>
+                <a:latin typeface="Times New Roman" panose="02020603050405020304" pitchFamily="18" charset="0"/>
+                <a:ea typeface="Calibri" panose="020F0502020204030204" pitchFamily="34" charset="0"/>
+                <a:cs typeface="Times New Roman" panose="02020603050405020304" pitchFamily="18" charset="0"/>
+              </a:rPr>
+              <a:t>In future we can improve the models with more data points and attributes also we use. We can design UI to visualize the churn data effectively.</a:t>
+            </a:r>
+            <a:endParaRPr lang="en-US" sz="1800" dirty="0">
+              <a:effectLst/>
+              <a:latin typeface="Calibri" panose="020F0502020204030204" pitchFamily="34" charset="0"/>
+              <a:ea typeface="Calibri" panose="020F0502020204030204" pitchFamily="34" charset="0"/>
+              <a:cs typeface="Times New Roman" panose="02020603050405020304" pitchFamily="18" charset="0"/>
+            </a:endParaRPr>
+          </a:p>
+          <a:p>
+            <a:r>
+              <a:rPr lang="en-US" sz="1800" dirty="0">
+                <a:effectLst/>
+                <a:latin typeface="Times New Roman" panose="02020603050405020304" pitchFamily="18" charset="0"/>
+                <a:ea typeface="Calibri" panose="020F0502020204030204" pitchFamily="34" charset="0"/>
+              </a:rPr>
+              <a:t>Also, we can take feedback from telecom vendors and provide more details and analysis. </a:t>
+            </a:r>
+            <a:endParaRPr lang="en-US" b="1" dirty="0"/>
+          </a:p>
+        </p:txBody>
+      </p:sp>
+    </p:spTree>
+    <p:extLst>
+      <p:ext uri="{BB962C8B-B14F-4D97-AF65-F5344CB8AC3E}">
+        <p14:creationId xmlns:p14="http://schemas.microsoft.com/office/powerpoint/2010/main" val="3380572462"/>
       </p:ext>
     </p:extLst>
   </p:cSld>
@@ -9820,7 +16020,7 @@
         </p:blipFill>
         <p:spPr>
           <a:xfrm>
-            <a:off x="838200" y="3888384"/>
+            <a:off x="838200" y="4594989"/>
             <a:ext cx="9390248" cy="1581974"/>
           </a:xfrm>
           <a:prstGeom prst="rect">
@@ -10135,7 +16335,7 @@
               <a:buNone/>
             </a:pPr>
             <a:r>
-              <a:rPr lang="en-US" sz="2800" dirty="0">
+              <a:rPr lang="en-US" sz="2400" dirty="0">
                 <a:effectLst/>
                 <a:latin typeface="Calibri" panose="020F0502020204030204" pitchFamily="34" charset="0"/>
                 <a:ea typeface="Calibri" panose="020F0502020204030204" pitchFamily="34" charset="0"/>

--- a/Customer Churn Prediction in Telecom using Machine Learning.pptx
+++ b/Customer Churn Prediction in Telecom using Machine Learning.pptx
@@ -314,7 +314,7 @@
           <a:p>
             <a:fld id="{EBD7279A-E140-483C-96CB-95C0D4A7DA52}" type="datetimeFigureOut">
               <a:rPr lang="en-US" smtClean="0"/>
-              <a:t>8/8/2021</a:t>
+              <a:t>8/9/2021</a:t>
             </a:fld>
             <a:endParaRPr lang="en-US"/>
           </a:p>
@@ -512,7 +512,7 @@
           <a:p>
             <a:fld id="{EBD7279A-E140-483C-96CB-95C0D4A7DA52}" type="datetimeFigureOut">
               <a:rPr lang="en-US" smtClean="0"/>
-              <a:t>8/8/2021</a:t>
+              <a:t>8/9/2021</a:t>
             </a:fld>
             <a:endParaRPr lang="en-US"/>
           </a:p>
@@ -720,7 +720,7 @@
           <a:p>
             <a:fld id="{EBD7279A-E140-483C-96CB-95C0D4A7DA52}" type="datetimeFigureOut">
               <a:rPr lang="en-US" smtClean="0"/>
-              <a:t>8/8/2021</a:t>
+              <a:t>8/9/2021</a:t>
             </a:fld>
             <a:endParaRPr lang="en-US"/>
           </a:p>
@@ -918,7 +918,7 @@
           <a:p>
             <a:fld id="{EBD7279A-E140-483C-96CB-95C0D4A7DA52}" type="datetimeFigureOut">
               <a:rPr lang="en-US" smtClean="0"/>
-              <a:t>8/8/2021</a:t>
+              <a:t>8/9/2021</a:t>
             </a:fld>
             <a:endParaRPr lang="en-US"/>
           </a:p>
@@ -1193,7 +1193,7 @@
           <a:p>
             <a:fld id="{EBD7279A-E140-483C-96CB-95C0D4A7DA52}" type="datetimeFigureOut">
               <a:rPr lang="en-US" smtClean="0"/>
-              <a:t>8/8/2021</a:t>
+              <a:t>8/9/2021</a:t>
             </a:fld>
             <a:endParaRPr lang="en-US"/>
           </a:p>
@@ -1458,7 +1458,7 @@
           <a:p>
             <a:fld id="{EBD7279A-E140-483C-96CB-95C0D4A7DA52}" type="datetimeFigureOut">
               <a:rPr lang="en-US" smtClean="0"/>
-              <a:t>8/8/2021</a:t>
+              <a:t>8/9/2021</a:t>
             </a:fld>
             <a:endParaRPr lang="en-US"/>
           </a:p>
@@ -1870,7 +1870,7 @@
           <a:p>
             <a:fld id="{EBD7279A-E140-483C-96CB-95C0D4A7DA52}" type="datetimeFigureOut">
               <a:rPr lang="en-US" smtClean="0"/>
-              <a:t>8/8/2021</a:t>
+              <a:t>8/9/2021</a:t>
             </a:fld>
             <a:endParaRPr lang="en-US"/>
           </a:p>
@@ -2011,7 +2011,7 @@
           <a:p>
             <a:fld id="{EBD7279A-E140-483C-96CB-95C0D4A7DA52}" type="datetimeFigureOut">
               <a:rPr lang="en-US" smtClean="0"/>
-              <a:t>8/8/2021</a:t>
+              <a:t>8/9/2021</a:t>
             </a:fld>
             <a:endParaRPr lang="en-US"/>
           </a:p>
@@ -2124,7 +2124,7 @@
           <a:p>
             <a:fld id="{EBD7279A-E140-483C-96CB-95C0D4A7DA52}" type="datetimeFigureOut">
               <a:rPr lang="en-US" smtClean="0"/>
-              <a:t>8/8/2021</a:t>
+              <a:t>8/9/2021</a:t>
             </a:fld>
             <a:endParaRPr lang="en-US"/>
           </a:p>
@@ -2435,7 +2435,7 @@
           <a:p>
             <a:fld id="{EBD7279A-E140-483C-96CB-95C0D4A7DA52}" type="datetimeFigureOut">
               <a:rPr lang="en-US" smtClean="0"/>
-              <a:t>8/8/2021</a:t>
+              <a:t>8/9/2021</a:t>
             </a:fld>
             <a:endParaRPr lang="en-US"/>
           </a:p>
@@ -2723,7 +2723,7 @@
           <a:p>
             <a:fld id="{EBD7279A-E140-483C-96CB-95C0D4A7DA52}" type="datetimeFigureOut">
               <a:rPr lang="en-US" smtClean="0"/>
-              <a:t>8/8/2021</a:t>
+              <a:t>8/9/2021</a:t>
             </a:fld>
             <a:endParaRPr lang="en-US"/>
           </a:p>
@@ -2964,7 +2964,7 @@
           <a:p>
             <a:fld id="{EBD7279A-E140-483C-96CB-95C0D4A7DA52}" type="datetimeFigureOut">
               <a:rPr lang="en-US" smtClean="0"/>
-              <a:t>8/8/2021</a:t>
+              <a:t>8/9/2021</a:t>
             </a:fld>
             <a:endParaRPr lang="en-US"/>
           </a:p>
@@ -3444,9 +3444,10 @@
           <a:lstStyle/>
           <a:p>
             <a:r>
-              <a:rPr lang="en-US" dirty="0"/>
-              <a:t>DISSERTATION</a:t>
-            </a:r>
+              <a:rPr lang="en-US"/>
+              <a:t>Presentation</a:t>
+            </a:r>
+            <a:endParaRPr lang="en-US" dirty="0"/>
           </a:p>
         </p:txBody>
       </p:sp>
